--- a/template.pptx
+++ b/template.pptx
@@ -7,6 +7,8 @@
   <p:sldIdLst>
     <p:sldId id="256" r:id="rId2"/>
     <p:sldId id="257" r:id="rId3"/>
+    <p:sldId id="258" r:id="rId4"/>
+    <p:sldId id="259" r:id="rId5"/>
   </p:sldIdLst>
   <p:sldSz cx="12192000" cy="6858000"/>
   <p:notesSz cx="6858000" cy="9144000"/>
@@ -105,6 +107,11 @@
       </a:defRPr>
     </a:lvl9pPr>
   </p:defaultTextStyle>
+  <p:extLst>
+    <p:ext uri="{EFAFB233-063F-42B5-8137-9DF3F51BA10A}">
+      <p15:sldGuideLst xmlns:p15="http://schemas.microsoft.com/office/powerpoint/2012/main"/>
+    </p:ext>
+  </p:extLst>
 </p:presentation>
 </file>
 
@@ -255,7 +262,7 @@
           <a:p>
             <a:fld id="{9C49C79F-C03E-4FD1-A1B8-F006867CD767}" type="datetimeFigureOut">
               <a:rPr lang="en-US" smtClean="0"/>
-              <a:t>3/27/2022</a:t>
+              <a:t>3/30/2022</a:t>
             </a:fld>
             <a:endParaRPr lang="en-US"/>
           </a:p>
@@ -453,7 +460,7 @@
           <a:p>
             <a:fld id="{9C49C79F-C03E-4FD1-A1B8-F006867CD767}" type="datetimeFigureOut">
               <a:rPr lang="en-US" smtClean="0"/>
-              <a:t>3/27/2022</a:t>
+              <a:t>3/30/2022</a:t>
             </a:fld>
             <a:endParaRPr lang="en-US"/>
           </a:p>
@@ -661,7 +668,7 @@
           <a:p>
             <a:fld id="{9C49C79F-C03E-4FD1-A1B8-F006867CD767}" type="datetimeFigureOut">
               <a:rPr lang="en-US" smtClean="0"/>
-              <a:t>3/27/2022</a:t>
+              <a:t>3/30/2022</a:t>
             </a:fld>
             <a:endParaRPr lang="en-US"/>
           </a:p>
@@ -859,7 +866,7 @@
           <a:p>
             <a:fld id="{9C49C79F-C03E-4FD1-A1B8-F006867CD767}" type="datetimeFigureOut">
               <a:rPr lang="en-US" smtClean="0"/>
-              <a:t>3/27/2022</a:t>
+              <a:t>3/30/2022</a:t>
             </a:fld>
             <a:endParaRPr lang="en-US"/>
           </a:p>
@@ -1134,7 +1141,7 @@
           <a:p>
             <a:fld id="{9C49C79F-C03E-4FD1-A1B8-F006867CD767}" type="datetimeFigureOut">
               <a:rPr lang="en-US" smtClean="0"/>
-              <a:t>3/27/2022</a:t>
+              <a:t>3/30/2022</a:t>
             </a:fld>
             <a:endParaRPr lang="en-US"/>
           </a:p>
@@ -1399,7 +1406,7 @@
           <a:p>
             <a:fld id="{9C49C79F-C03E-4FD1-A1B8-F006867CD767}" type="datetimeFigureOut">
               <a:rPr lang="en-US" smtClean="0"/>
-              <a:t>3/27/2022</a:t>
+              <a:t>3/30/2022</a:t>
             </a:fld>
             <a:endParaRPr lang="en-US"/>
           </a:p>
@@ -1811,7 +1818,7 @@
           <a:p>
             <a:fld id="{9C49C79F-C03E-4FD1-A1B8-F006867CD767}" type="datetimeFigureOut">
               <a:rPr lang="en-US" smtClean="0"/>
-              <a:t>3/27/2022</a:t>
+              <a:t>3/30/2022</a:t>
             </a:fld>
             <a:endParaRPr lang="en-US"/>
           </a:p>
@@ -1952,7 +1959,7 @@
           <a:p>
             <a:fld id="{9C49C79F-C03E-4FD1-A1B8-F006867CD767}" type="datetimeFigureOut">
               <a:rPr lang="en-US" smtClean="0"/>
-              <a:t>3/27/2022</a:t>
+              <a:t>3/30/2022</a:t>
             </a:fld>
             <a:endParaRPr lang="en-US"/>
           </a:p>
@@ -2065,7 +2072,7 @@
           <a:p>
             <a:fld id="{9C49C79F-C03E-4FD1-A1B8-F006867CD767}" type="datetimeFigureOut">
               <a:rPr lang="en-US" smtClean="0"/>
-              <a:t>3/27/2022</a:t>
+              <a:t>3/30/2022</a:t>
             </a:fld>
             <a:endParaRPr lang="en-US"/>
           </a:p>
@@ -2376,7 +2383,7 @@
           <a:p>
             <a:fld id="{9C49C79F-C03E-4FD1-A1B8-F006867CD767}" type="datetimeFigureOut">
               <a:rPr lang="en-US" smtClean="0"/>
-              <a:t>3/27/2022</a:t>
+              <a:t>3/30/2022</a:t>
             </a:fld>
             <a:endParaRPr lang="en-US"/>
           </a:p>
@@ -2664,7 +2671,7 @@
           <a:p>
             <a:fld id="{9C49C79F-C03E-4FD1-A1B8-F006867CD767}" type="datetimeFigureOut">
               <a:rPr lang="en-US" smtClean="0"/>
-              <a:t>3/27/2022</a:t>
+              <a:t>3/30/2022</a:t>
             </a:fld>
             <a:endParaRPr lang="en-US"/>
           </a:p>
@@ -2905,7 +2912,7 @@
           <a:p>
             <a:fld id="{9C49C79F-C03E-4FD1-A1B8-F006867CD767}" type="datetimeFigureOut">
               <a:rPr lang="en-US" smtClean="0"/>
-              <a:t>3/27/2022</a:t>
+              <a:t>3/30/2022</a:t>
             </a:fld>
             <a:endParaRPr lang="en-US"/>
           </a:p>
@@ -3803,6 +3810,1420 @@
           </p:txBody>
         </p:sp>
       </p:grpSp>
+      <p:sp>
+        <p:nvSpPr>
+          <p:cNvPr id="15" name="TextBox 14">
+            <a:extLst>
+              <a:ext uri="{FF2B5EF4-FFF2-40B4-BE49-F238E27FC236}">
+                <a16:creationId xmlns:a16="http://schemas.microsoft.com/office/drawing/2014/main" id="{A18ED5BB-7EFF-4036-BA36-FB2384F7F260}"/>
+              </a:ext>
+            </a:extLst>
+          </p:cNvPr>
+          <p:cNvSpPr txBox="1"/>
+          <p:nvPr/>
+        </p:nvSpPr>
+        <p:spPr>
+          <a:xfrm>
+            <a:off x="5420687" y="1198122"/>
+            <a:ext cx="2674690" cy="253916"/>
+          </a:xfrm>
+          <a:prstGeom prst="rect">
+            <a:avLst/>
+          </a:prstGeom>
+          <a:noFill/>
+        </p:spPr>
+        <p:txBody>
+          <a:bodyPr wrap="square" rtlCol="0">
+            <a:spAutoFit/>
+          </a:bodyPr>
+          <a:lstStyle/>
+          <a:p>
+            <a:r>
+              <a:rPr lang="ko-KR" altLang="en-US" sz="1050" dirty="0">
+                <a:highlight>
+                  <a:srgbClr val="00FF00"/>
+                </a:highlight>
+              </a:rPr>
+              <a:t>자산 </a:t>
+            </a:r>
+            <a:r>
+              <a:rPr lang="en-US" altLang="ko-KR" sz="1050" dirty="0">
+                <a:highlight>
+                  <a:srgbClr val="00FF00"/>
+                </a:highlight>
+              </a:rPr>
+              <a:t>= </a:t>
+            </a:r>
+            <a:r>
+              <a:rPr lang="ko-KR" altLang="en-US" sz="1050" dirty="0">
+                <a:highlight>
+                  <a:srgbClr val="00FF00"/>
+                </a:highlight>
+              </a:rPr>
+              <a:t>부채 </a:t>
+            </a:r>
+            <a:r>
+              <a:rPr lang="en-US" altLang="ko-KR" sz="1050" dirty="0">
+                <a:highlight>
+                  <a:srgbClr val="00FF00"/>
+                </a:highlight>
+              </a:rPr>
+              <a:t>+ {</a:t>
+            </a:r>
+            <a:r>
+              <a:rPr lang="ko-KR" altLang="en-US" sz="1050" dirty="0">
+                <a:highlight>
+                  <a:srgbClr val="00FF00"/>
+                </a:highlight>
+              </a:rPr>
+              <a:t>자본</a:t>
+            </a:r>
+            <a:r>
+              <a:rPr lang="ko-KR" altLang="en-US" sz="1050" dirty="0"/>
+              <a:t> </a:t>
+            </a:r>
+            <a:r>
+              <a:rPr lang="en-US" altLang="ko-KR" sz="1050" dirty="0"/>
+              <a:t>+ </a:t>
+            </a:r>
+            <a:r>
+              <a:rPr lang="ko-KR" altLang="en-US" sz="1050" dirty="0">
+                <a:highlight>
+                  <a:srgbClr val="FF00FF"/>
+                </a:highlight>
+              </a:rPr>
+              <a:t>수익 </a:t>
+            </a:r>
+            <a:r>
+              <a:rPr lang="en-US" altLang="ko-KR" sz="1050" dirty="0">
+                <a:highlight>
+                  <a:srgbClr val="FF00FF"/>
+                </a:highlight>
+              </a:rPr>
+              <a:t>– </a:t>
+            </a:r>
+            <a:r>
+              <a:rPr lang="ko-KR" altLang="en-US" sz="1050" dirty="0">
+                <a:highlight>
+                  <a:srgbClr val="FF00FF"/>
+                </a:highlight>
+              </a:rPr>
+              <a:t>비용</a:t>
+            </a:r>
+            <a:r>
+              <a:rPr lang="ko-KR" altLang="en-US" sz="1050" dirty="0"/>
+              <a:t> </a:t>
+            </a:r>
+            <a:r>
+              <a:rPr lang="en-US" altLang="ko-KR" sz="1050" dirty="0"/>
+              <a:t>- </a:t>
+            </a:r>
+            <a:r>
+              <a:rPr lang="ko-KR" altLang="en-US" sz="1050" dirty="0"/>
+              <a:t>배당</a:t>
+            </a:r>
+            <a:r>
+              <a:rPr lang="en-US" altLang="ko-KR" sz="1050" dirty="0"/>
+              <a:t>}</a:t>
+            </a:r>
+            <a:endParaRPr lang="en-US" sz="1050" dirty="0"/>
+          </a:p>
+        </p:txBody>
+      </p:sp>
+      <p:sp>
+        <p:nvSpPr>
+          <p:cNvPr id="2" name="Right Brace 1">
+            <a:extLst>
+              <a:ext uri="{FF2B5EF4-FFF2-40B4-BE49-F238E27FC236}">
+                <a16:creationId xmlns:a16="http://schemas.microsoft.com/office/drawing/2014/main" id="{014E3552-7BB3-4A6D-B3BA-E1499C60231B}"/>
+              </a:ext>
+            </a:extLst>
+          </p:cNvPr>
+          <p:cNvSpPr/>
+          <p:nvPr/>
+        </p:nvSpPr>
+        <p:spPr>
+          <a:xfrm rot="5400000">
+            <a:off x="6938669" y="945474"/>
+            <a:ext cx="253915" cy="1522601"/>
+          </a:xfrm>
+          <a:prstGeom prst="rightBrace">
+            <a:avLst/>
+          </a:prstGeom>
+          <a:ln w="12700">
+            <a:solidFill>
+              <a:srgbClr val="FF0000"/>
+            </a:solidFill>
+          </a:ln>
+        </p:spPr>
+        <p:style>
+          <a:lnRef idx="1">
+            <a:schemeClr val="dk1"/>
+          </a:lnRef>
+          <a:fillRef idx="0">
+            <a:schemeClr val="dk1"/>
+          </a:fillRef>
+          <a:effectRef idx="0">
+            <a:schemeClr val="dk1"/>
+          </a:effectRef>
+          <a:fontRef idx="minor">
+            <a:schemeClr val="tx1"/>
+          </a:fontRef>
+        </p:style>
+        <p:txBody>
+          <a:bodyPr rtlCol="0" anchor="ctr"/>
+          <a:lstStyle/>
+          <a:p>
+            <a:pPr algn="ctr"/>
+            <a:endParaRPr lang="en-US"/>
+          </a:p>
+        </p:txBody>
+      </p:sp>
+      <p:sp>
+        <p:nvSpPr>
+          <p:cNvPr id="16" name="Right Brace 15">
+            <a:extLst>
+              <a:ext uri="{FF2B5EF4-FFF2-40B4-BE49-F238E27FC236}">
+                <a16:creationId xmlns:a16="http://schemas.microsoft.com/office/drawing/2014/main" id="{8FEB984C-8DD4-4EFB-B154-196021C90B7D}"/>
+              </a:ext>
+            </a:extLst>
+          </p:cNvPr>
+          <p:cNvSpPr/>
+          <p:nvPr/>
+        </p:nvSpPr>
+        <p:spPr>
+          <a:xfrm rot="5400000">
+            <a:off x="6526208" y="1008722"/>
+            <a:ext cx="253916" cy="2347519"/>
+          </a:xfrm>
+          <a:prstGeom prst="rightBrace">
+            <a:avLst/>
+          </a:prstGeom>
+          <a:ln w="12700">
+            <a:solidFill>
+              <a:srgbClr val="00B0F0"/>
+            </a:solidFill>
+          </a:ln>
+        </p:spPr>
+        <p:style>
+          <a:lnRef idx="1">
+            <a:schemeClr val="dk1"/>
+          </a:lnRef>
+          <a:fillRef idx="0">
+            <a:schemeClr val="dk1"/>
+          </a:fillRef>
+          <a:effectRef idx="0">
+            <a:schemeClr val="dk1"/>
+          </a:effectRef>
+          <a:fontRef idx="minor">
+            <a:schemeClr val="tx1"/>
+          </a:fontRef>
+        </p:style>
+        <p:txBody>
+          <a:bodyPr rtlCol="0" anchor="ctr"/>
+          <a:lstStyle/>
+          <a:p>
+            <a:pPr algn="ctr"/>
+            <a:endParaRPr lang="en-US"/>
+          </a:p>
+        </p:txBody>
+      </p:sp>
+      <p:sp>
+        <p:nvSpPr>
+          <p:cNvPr id="3" name="TextBox 2">
+            <a:extLst>
+              <a:ext uri="{FF2B5EF4-FFF2-40B4-BE49-F238E27FC236}">
+                <a16:creationId xmlns:a16="http://schemas.microsoft.com/office/drawing/2014/main" id="{B3DDA8D4-96B0-4EDE-A149-37BBE7707C91}"/>
+              </a:ext>
+            </a:extLst>
+          </p:cNvPr>
+          <p:cNvSpPr txBox="1"/>
+          <p:nvPr/>
+        </p:nvSpPr>
+        <p:spPr>
+          <a:xfrm>
+            <a:off x="5654180" y="921341"/>
+            <a:ext cx="906011" cy="246221"/>
+          </a:xfrm>
+          <a:prstGeom prst="rect">
+            <a:avLst/>
+          </a:prstGeom>
+          <a:noFill/>
+        </p:spPr>
+        <p:txBody>
+          <a:bodyPr wrap="square" rtlCol="0">
+            <a:spAutoFit/>
+          </a:bodyPr>
+          <a:lstStyle/>
+          <a:p>
+            <a:r>
+              <a:rPr lang="ko-KR" altLang="en-US" sz="1000" b="1">
+                <a:solidFill>
+                  <a:srgbClr val="00CC00"/>
+                </a:solidFill>
+              </a:rPr>
+              <a:t>재무상태표</a:t>
+            </a:r>
+            <a:endParaRPr lang="en-US" sz="1000" b="1" dirty="0">
+              <a:solidFill>
+                <a:srgbClr val="00CC00"/>
+              </a:solidFill>
+            </a:endParaRPr>
+          </a:p>
+        </p:txBody>
+      </p:sp>
+      <p:sp>
+        <p:nvSpPr>
+          <p:cNvPr id="17" name="TextBox 16">
+            <a:extLst>
+              <a:ext uri="{FF2B5EF4-FFF2-40B4-BE49-F238E27FC236}">
+                <a16:creationId xmlns:a16="http://schemas.microsoft.com/office/drawing/2014/main" id="{F49EC258-B389-4C5C-A1F9-2BE2B706BD05}"/>
+              </a:ext>
+            </a:extLst>
+          </p:cNvPr>
+          <p:cNvSpPr txBox="1"/>
+          <p:nvPr/>
+        </p:nvSpPr>
+        <p:spPr>
+          <a:xfrm>
+            <a:off x="6653166" y="917178"/>
+            <a:ext cx="906011" cy="246221"/>
+          </a:xfrm>
+          <a:prstGeom prst="rect">
+            <a:avLst/>
+          </a:prstGeom>
+          <a:noFill/>
+        </p:spPr>
+        <p:txBody>
+          <a:bodyPr wrap="square" rtlCol="0">
+            <a:spAutoFit/>
+          </a:bodyPr>
+          <a:lstStyle/>
+          <a:p>
+            <a:r>
+              <a:rPr lang="ko-KR" altLang="en-US" sz="1000" b="1">
+                <a:solidFill>
+                  <a:srgbClr val="FF00FF"/>
+                </a:solidFill>
+              </a:rPr>
+              <a:t>손익계산서</a:t>
+            </a:r>
+            <a:endParaRPr lang="en-US" sz="1000" b="1" dirty="0">
+              <a:solidFill>
+                <a:srgbClr val="FF00FF"/>
+              </a:solidFill>
+            </a:endParaRPr>
+          </a:p>
+        </p:txBody>
+      </p:sp>
+      <p:sp>
+        <p:nvSpPr>
+          <p:cNvPr id="18" name="TextBox 17">
+            <a:extLst>
+              <a:ext uri="{FF2B5EF4-FFF2-40B4-BE49-F238E27FC236}">
+                <a16:creationId xmlns:a16="http://schemas.microsoft.com/office/drawing/2014/main" id="{DBF1624E-F81C-4F5C-8B9F-04DE2133256C}"/>
+              </a:ext>
+            </a:extLst>
+          </p:cNvPr>
+          <p:cNvSpPr txBox="1"/>
+          <p:nvPr/>
+        </p:nvSpPr>
+        <p:spPr>
+          <a:xfrm>
+            <a:off x="6653165" y="1833732"/>
+            <a:ext cx="906011" cy="246221"/>
+          </a:xfrm>
+          <a:prstGeom prst="rect">
+            <a:avLst/>
+          </a:prstGeom>
+          <a:noFill/>
+        </p:spPr>
+        <p:txBody>
+          <a:bodyPr wrap="square" rtlCol="0">
+            <a:spAutoFit/>
+          </a:bodyPr>
+          <a:lstStyle/>
+          <a:p>
+            <a:r>
+              <a:rPr lang="ko-KR" altLang="en-US" sz="1000" b="1" dirty="0">
+                <a:solidFill>
+                  <a:srgbClr val="FF0000"/>
+                </a:solidFill>
+              </a:rPr>
+              <a:t>자동변동표</a:t>
+            </a:r>
+            <a:endParaRPr lang="en-US" sz="1000" b="1" dirty="0">
+              <a:solidFill>
+                <a:srgbClr val="FF0000"/>
+              </a:solidFill>
+            </a:endParaRPr>
+          </a:p>
+        </p:txBody>
+      </p:sp>
+      <p:sp>
+        <p:nvSpPr>
+          <p:cNvPr id="19" name="TextBox 18">
+            <a:extLst>
+              <a:ext uri="{FF2B5EF4-FFF2-40B4-BE49-F238E27FC236}">
+                <a16:creationId xmlns:a16="http://schemas.microsoft.com/office/drawing/2014/main" id="{B5A61103-8043-4049-9B1E-B90C8A6CBF31}"/>
+              </a:ext>
+            </a:extLst>
+          </p:cNvPr>
+          <p:cNvSpPr txBox="1"/>
+          <p:nvPr/>
+        </p:nvSpPr>
+        <p:spPr>
+          <a:xfrm>
+            <a:off x="6233021" y="2330493"/>
+            <a:ext cx="906011" cy="246221"/>
+          </a:xfrm>
+          <a:prstGeom prst="rect">
+            <a:avLst/>
+          </a:prstGeom>
+          <a:noFill/>
+        </p:spPr>
+        <p:txBody>
+          <a:bodyPr wrap="square" rtlCol="0">
+            <a:spAutoFit/>
+          </a:bodyPr>
+          <a:lstStyle/>
+          <a:p>
+            <a:r>
+              <a:rPr lang="ko-KR" altLang="en-US" sz="1000" b="1" dirty="0">
+                <a:solidFill>
+                  <a:srgbClr val="00B0F0"/>
+                </a:solidFill>
+              </a:rPr>
+              <a:t>현금흐름표</a:t>
+            </a:r>
+            <a:endParaRPr lang="en-US" sz="1000" b="1" dirty="0">
+              <a:solidFill>
+                <a:srgbClr val="00B0F0"/>
+              </a:solidFill>
+            </a:endParaRPr>
+          </a:p>
+        </p:txBody>
+      </p:sp>
+      <p:sp>
+        <p:nvSpPr>
+          <p:cNvPr id="20" name="TextBox 19">
+            <a:extLst>
+              <a:ext uri="{FF2B5EF4-FFF2-40B4-BE49-F238E27FC236}">
+                <a16:creationId xmlns:a16="http://schemas.microsoft.com/office/drawing/2014/main" id="{4B6F12D4-5AA9-4DF4-A45C-D822D8D8799E}"/>
+              </a:ext>
+            </a:extLst>
+          </p:cNvPr>
+          <p:cNvSpPr txBox="1"/>
+          <p:nvPr/>
+        </p:nvSpPr>
+        <p:spPr>
+          <a:xfrm>
+            <a:off x="5389924" y="2683438"/>
+            <a:ext cx="3144477" cy="738664"/>
+          </a:xfrm>
+          <a:prstGeom prst="rect">
+            <a:avLst/>
+          </a:prstGeom>
+          <a:noFill/>
+        </p:spPr>
+        <p:txBody>
+          <a:bodyPr wrap="square" rtlCol="0">
+            <a:spAutoFit/>
+          </a:bodyPr>
+          <a:lstStyle/>
+          <a:p>
+            <a:r>
+              <a:rPr lang="ko-KR" altLang="en-US" sz="1050" dirty="0"/>
+              <a:t>재무상태표 </a:t>
+            </a:r>
+            <a:r>
+              <a:rPr lang="en-US" altLang="ko-KR" sz="1050" dirty="0"/>
+              <a:t>: </a:t>
+            </a:r>
+            <a:r>
+              <a:rPr lang="ko-KR" altLang="en-US" sz="1050" dirty="0"/>
+              <a:t>자산 </a:t>
+            </a:r>
+            <a:r>
+              <a:rPr lang="en-US" altLang="ko-KR" sz="1050" dirty="0"/>
+              <a:t>= </a:t>
+            </a:r>
+            <a:r>
+              <a:rPr lang="ko-KR" altLang="en-US" sz="1050" dirty="0"/>
+              <a:t>부채 </a:t>
+            </a:r>
+            <a:r>
+              <a:rPr lang="en-US" altLang="ko-KR" sz="1050" dirty="0"/>
+              <a:t>+ </a:t>
+            </a:r>
+            <a:r>
+              <a:rPr lang="ko-KR" altLang="en-US" sz="1050" dirty="0"/>
+              <a:t>자본</a:t>
+            </a:r>
+            <a:endParaRPr lang="en-US" altLang="ko-KR" sz="1050" dirty="0"/>
+          </a:p>
+          <a:p>
+            <a:r>
+              <a:rPr lang="ko-KR" altLang="en-US" sz="1050" dirty="0"/>
+              <a:t>손익계산서 </a:t>
+            </a:r>
+            <a:r>
+              <a:rPr lang="en-US" altLang="ko-KR" sz="1050" dirty="0"/>
+              <a:t>: </a:t>
+            </a:r>
+            <a:r>
+              <a:rPr lang="ko-KR" altLang="en-US" sz="1050" dirty="0"/>
+              <a:t>수익 </a:t>
+            </a:r>
+            <a:r>
+              <a:rPr lang="en-US" altLang="ko-KR" sz="1050" dirty="0"/>
+              <a:t>– </a:t>
+            </a:r>
+            <a:r>
+              <a:rPr lang="ko-KR" altLang="en-US" sz="1050" dirty="0"/>
+              <a:t>비용</a:t>
+            </a:r>
+            <a:endParaRPr lang="en-US" altLang="ko-KR" sz="1050" dirty="0"/>
+          </a:p>
+          <a:p>
+            <a:r>
+              <a:rPr lang="ko-KR" altLang="en-US" sz="1050" dirty="0"/>
+              <a:t>자본변동표 </a:t>
+            </a:r>
+            <a:r>
+              <a:rPr lang="en-US" altLang="ko-KR" sz="1050" dirty="0"/>
+              <a:t>: </a:t>
+            </a:r>
+            <a:r>
+              <a:rPr lang="ko-KR" altLang="en-US" sz="1050" dirty="0"/>
+              <a:t>자본 </a:t>
+            </a:r>
+            <a:r>
+              <a:rPr lang="en-US" altLang="ko-KR" sz="1050" dirty="0"/>
+              <a:t>+ </a:t>
+            </a:r>
+            <a:r>
+              <a:rPr lang="ko-KR" altLang="en-US" sz="1050" dirty="0"/>
+              <a:t>수익 </a:t>
+            </a:r>
+            <a:r>
+              <a:rPr lang="en-US" altLang="ko-KR" sz="1050" dirty="0"/>
+              <a:t>– </a:t>
+            </a:r>
+            <a:r>
+              <a:rPr lang="ko-KR" altLang="en-US" sz="1050" dirty="0"/>
+              <a:t>비용 </a:t>
+            </a:r>
+            <a:r>
+              <a:rPr lang="en-US" altLang="ko-KR" sz="1050" dirty="0"/>
+              <a:t>– </a:t>
+            </a:r>
+            <a:r>
+              <a:rPr lang="ko-KR" altLang="en-US" sz="1050" dirty="0"/>
+              <a:t>배당</a:t>
+            </a:r>
+            <a:endParaRPr lang="en-US" altLang="ko-KR" sz="1050" dirty="0"/>
+          </a:p>
+          <a:p>
+            <a:r>
+              <a:rPr lang="ko-KR" altLang="en-US" sz="1050" dirty="0"/>
+              <a:t>현금흐름표 </a:t>
+            </a:r>
+            <a:r>
+              <a:rPr lang="en-US" altLang="ko-KR" sz="1050" dirty="0"/>
+              <a:t>: </a:t>
+            </a:r>
+            <a:r>
+              <a:rPr lang="ko-KR" altLang="en-US" sz="1050" dirty="0"/>
+              <a:t>전체에서 흐르고 있는 현금</a:t>
+            </a:r>
+            <a:endParaRPr lang="en-US" sz="1050" dirty="0"/>
+          </a:p>
+        </p:txBody>
+      </p:sp>
+      <p:sp>
+        <p:nvSpPr>
+          <p:cNvPr id="21" name="TextBox 20">
+            <a:extLst>
+              <a:ext uri="{FF2B5EF4-FFF2-40B4-BE49-F238E27FC236}">
+                <a16:creationId xmlns:a16="http://schemas.microsoft.com/office/drawing/2014/main" id="{C021A45C-8C92-4A4E-902D-EF513D5CE62C}"/>
+              </a:ext>
+            </a:extLst>
+          </p:cNvPr>
+          <p:cNvSpPr txBox="1"/>
+          <p:nvPr/>
+        </p:nvSpPr>
+        <p:spPr>
+          <a:xfrm>
+            <a:off x="1078685" y="3925200"/>
+            <a:ext cx="2674690" cy="253916"/>
+          </a:xfrm>
+          <a:prstGeom prst="rect">
+            <a:avLst/>
+          </a:prstGeom>
+          <a:noFill/>
+        </p:spPr>
+        <p:txBody>
+          <a:bodyPr wrap="square" rtlCol="0">
+            <a:spAutoFit/>
+          </a:bodyPr>
+          <a:lstStyle/>
+          <a:p>
+            <a:r>
+              <a:rPr lang="en-US" altLang="ko-KR" sz="1050" dirty="0"/>
+              <a:t>{</a:t>
+            </a:r>
+            <a:r>
+              <a:rPr lang="ko-KR" altLang="en-US" sz="1050" dirty="0"/>
+              <a:t>자본 </a:t>
+            </a:r>
+            <a:r>
+              <a:rPr lang="en-US" altLang="ko-KR" sz="1050" dirty="0"/>
+              <a:t>+ </a:t>
+            </a:r>
+            <a:r>
+              <a:rPr lang="ko-KR" altLang="en-US" sz="1050" dirty="0"/>
+              <a:t>수익 </a:t>
+            </a:r>
+            <a:r>
+              <a:rPr lang="en-US" altLang="ko-KR" sz="1050" dirty="0"/>
+              <a:t>– </a:t>
+            </a:r>
+            <a:r>
+              <a:rPr lang="ko-KR" altLang="en-US" sz="1050" dirty="0"/>
+              <a:t>비용 </a:t>
+            </a:r>
+            <a:r>
+              <a:rPr lang="en-US" altLang="ko-KR" sz="1050" dirty="0"/>
+              <a:t>– </a:t>
+            </a:r>
+            <a:r>
+              <a:rPr lang="ko-KR" altLang="en-US" sz="1050" dirty="0"/>
+              <a:t>배당</a:t>
+            </a:r>
+            <a:r>
+              <a:rPr lang="en-US" altLang="ko-KR" sz="1050" dirty="0"/>
+              <a:t>}</a:t>
+            </a:r>
+            <a:endParaRPr lang="en-US" sz="1050" dirty="0"/>
+          </a:p>
+        </p:txBody>
+      </p:sp>
+      <p:sp>
+        <p:nvSpPr>
+          <p:cNvPr id="22" name="Right Brace 21">
+            <a:extLst>
+              <a:ext uri="{FF2B5EF4-FFF2-40B4-BE49-F238E27FC236}">
+                <a16:creationId xmlns:a16="http://schemas.microsoft.com/office/drawing/2014/main" id="{936DFA0D-CC60-4ACF-923D-40FB794460CB}"/>
+              </a:ext>
+            </a:extLst>
+          </p:cNvPr>
+          <p:cNvSpPr/>
+          <p:nvPr/>
+        </p:nvSpPr>
+        <p:spPr>
+          <a:xfrm rot="5400000">
+            <a:off x="1350253" y="4412239"/>
+            <a:ext cx="764144" cy="260059"/>
+          </a:xfrm>
+          <a:prstGeom prst="rightBrace">
+            <a:avLst/>
+          </a:prstGeom>
+          <a:ln w="12700">
+            <a:solidFill>
+              <a:srgbClr val="FF0000"/>
+            </a:solidFill>
+          </a:ln>
+        </p:spPr>
+        <p:style>
+          <a:lnRef idx="1">
+            <a:schemeClr val="dk1"/>
+          </a:lnRef>
+          <a:fillRef idx="0">
+            <a:schemeClr val="dk1"/>
+          </a:fillRef>
+          <a:effectRef idx="0">
+            <a:schemeClr val="dk1"/>
+          </a:effectRef>
+          <a:fontRef idx="minor">
+            <a:schemeClr val="tx1"/>
+          </a:fontRef>
+        </p:style>
+        <p:txBody>
+          <a:bodyPr rtlCol="0" anchor="ctr"/>
+          <a:lstStyle/>
+          <a:p>
+            <a:pPr algn="ctr"/>
+            <a:endParaRPr lang="en-US"/>
+          </a:p>
+        </p:txBody>
+      </p:sp>
+      <p:sp>
+        <p:nvSpPr>
+          <p:cNvPr id="23" name="Right Brace 22">
+            <a:extLst>
+              <a:ext uri="{FF2B5EF4-FFF2-40B4-BE49-F238E27FC236}">
+                <a16:creationId xmlns:a16="http://schemas.microsoft.com/office/drawing/2014/main" id="{324AA4ED-A01B-42E8-8805-46BE5EF0AB05}"/>
+              </a:ext>
+            </a:extLst>
+          </p:cNvPr>
+          <p:cNvSpPr/>
+          <p:nvPr/>
+        </p:nvSpPr>
+        <p:spPr>
+          <a:xfrm rot="5400000">
+            <a:off x="1948340" y="4211231"/>
+            <a:ext cx="376110" cy="260059"/>
+          </a:xfrm>
+          <a:prstGeom prst="rightBrace">
+            <a:avLst/>
+          </a:prstGeom>
+          <a:ln w="12700">
+            <a:solidFill>
+              <a:srgbClr val="00B0F0"/>
+            </a:solidFill>
+          </a:ln>
+        </p:spPr>
+        <p:style>
+          <a:lnRef idx="1">
+            <a:schemeClr val="dk1"/>
+          </a:lnRef>
+          <a:fillRef idx="0">
+            <a:schemeClr val="dk1"/>
+          </a:fillRef>
+          <a:effectRef idx="0">
+            <a:schemeClr val="dk1"/>
+          </a:effectRef>
+          <a:fontRef idx="minor">
+            <a:schemeClr val="tx1"/>
+          </a:fontRef>
+        </p:style>
+        <p:txBody>
+          <a:bodyPr rtlCol="0" anchor="ctr"/>
+          <a:lstStyle/>
+          <a:p>
+            <a:pPr algn="ctr"/>
+            <a:endParaRPr lang="en-US"/>
+          </a:p>
+        </p:txBody>
+      </p:sp>
+      <p:sp>
+        <p:nvSpPr>
+          <p:cNvPr id="24" name="Right Brace 23">
+            <a:extLst>
+              <a:ext uri="{FF2B5EF4-FFF2-40B4-BE49-F238E27FC236}">
+                <a16:creationId xmlns:a16="http://schemas.microsoft.com/office/drawing/2014/main" id="{10B0B2EE-2CDE-449C-BD99-9ADD63EF57B9}"/>
+              </a:ext>
+            </a:extLst>
+          </p:cNvPr>
+          <p:cNvSpPr/>
+          <p:nvPr/>
+        </p:nvSpPr>
+        <p:spPr>
+          <a:xfrm rot="5400000">
+            <a:off x="2464101" y="4100938"/>
+            <a:ext cx="152728" cy="260059"/>
+          </a:xfrm>
+          <a:prstGeom prst="rightBrace">
+            <a:avLst/>
+          </a:prstGeom>
+          <a:ln w="12700">
+            <a:solidFill>
+              <a:schemeClr val="tx1"/>
+            </a:solidFill>
+          </a:ln>
+        </p:spPr>
+        <p:style>
+          <a:lnRef idx="1">
+            <a:schemeClr val="dk1"/>
+          </a:lnRef>
+          <a:fillRef idx="0">
+            <a:schemeClr val="dk1"/>
+          </a:fillRef>
+          <a:effectRef idx="0">
+            <a:schemeClr val="dk1"/>
+          </a:effectRef>
+          <a:fontRef idx="minor">
+            <a:schemeClr val="tx1"/>
+          </a:fontRef>
+        </p:style>
+        <p:txBody>
+          <a:bodyPr rtlCol="0" anchor="ctr"/>
+          <a:lstStyle/>
+          <a:p>
+            <a:pPr algn="ctr"/>
+            <a:endParaRPr lang="en-US"/>
+          </a:p>
+        </p:txBody>
+      </p:sp>
+      <p:sp>
+        <p:nvSpPr>
+          <p:cNvPr id="26" name="TextBox 25">
+            <a:extLst>
+              <a:ext uri="{FF2B5EF4-FFF2-40B4-BE49-F238E27FC236}">
+                <a16:creationId xmlns:a16="http://schemas.microsoft.com/office/drawing/2014/main" id="{18A91B43-DE8E-4966-9622-2956A7EEB8F4}"/>
+              </a:ext>
+            </a:extLst>
+          </p:cNvPr>
+          <p:cNvSpPr txBox="1"/>
+          <p:nvPr/>
+        </p:nvSpPr>
+        <p:spPr>
+          <a:xfrm>
+            <a:off x="2297185" y="4316093"/>
+            <a:ext cx="1528368" cy="253916"/>
+          </a:xfrm>
+          <a:prstGeom prst="rect">
+            <a:avLst/>
+          </a:prstGeom>
+          <a:noFill/>
+        </p:spPr>
+        <p:txBody>
+          <a:bodyPr wrap="square" rtlCol="0">
+            <a:spAutoFit/>
+          </a:bodyPr>
+          <a:lstStyle/>
+          <a:p>
+            <a:r>
+              <a:rPr lang="ko-KR" altLang="en-US" sz="1050"/>
+              <a:t>주주에게 이익을 배분</a:t>
+            </a:r>
+            <a:endParaRPr lang="en-US" sz="1050" dirty="0"/>
+          </a:p>
+        </p:txBody>
+      </p:sp>
+      <p:sp>
+        <p:nvSpPr>
+          <p:cNvPr id="27" name="TextBox 26">
+            <a:extLst>
+              <a:ext uri="{FF2B5EF4-FFF2-40B4-BE49-F238E27FC236}">
+                <a16:creationId xmlns:a16="http://schemas.microsoft.com/office/drawing/2014/main" id="{739308EC-E92B-470C-90FA-736F4D7127C6}"/>
+              </a:ext>
+            </a:extLst>
+          </p:cNvPr>
+          <p:cNvSpPr txBox="1"/>
+          <p:nvPr/>
+        </p:nvSpPr>
+        <p:spPr>
+          <a:xfrm>
+            <a:off x="5906548" y="5986640"/>
+            <a:ext cx="2674690" cy="253916"/>
+          </a:xfrm>
+          <a:prstGeom prst="rect">
+            <a:avLst/>
+          </a:prstGeom>
+          <a:noFill/>
+        </p:spPr>
+        <p:txBody>
+          <a:bodyPr wrap="square" rtlCol="0">
+            <a:spAutoFit/>
+          </a:bodyPr>
+          <a:lstStyle/>
+          <a:p>
+            <a:r>
+              <a:rPr lang="ko-KR" altLang="en-US" sz="1050" dirty="0">
+                <a:solidFill>
+                  <a:srgbClr val="0070C0"/>
+                </a:solidFill>
+              </a:rPr>
+              <a:t>언젠가 갚을 돈</a:t>
+            </a:r>
+            <a:r>
+              <a:rPr lang="en-US" altLang="ko-KR" sz="1050" dirty="0">
+                <a:solidFill>
+                  <a:srgbClr val="0070C0"/>
+                </a:solidFill>
+              </a:rPr>
+              <a:t>(</a:t>
+            </a:r>
+            <a:r>
+              <a:rPr lang="ko-KR" altLang="en-US" sz="1050" dirty="0">
+                <a:solidFill>
+                  <a:srgbClr val="0070C0"/>
+                </a:solidFill>
+              </a:rPr>
+              <a:t>이행할 의무</a:t>
+            </a:r>
+            <a:r>
+              <a:rPr lang="en-US" altLang="ko-KR" sz="1050" dirty="0">
+                <a:solidFill>
+                  <a:srgbClr val="0070C0"/>
+                </a:solidFill>
+              </a:rPr>
+              <a:t>, </a:t>
+            </a:r>
+            <a:r>
+              <a:rPr lang="ko-KR" altLang="en-US" sz="1050" dirty="0">
+                <a:solidFill>
+                  <a:srgbClr val="0070C0"/>
+                </a:solidFill>
+              </a:rPr>
+              <a:t>외상</a:t>
+            </a:r>
+            <a:r>
+              <a:rPr lang="en-US" altLang="ko-KR" sz="1050" dirty="0">
+                <a:solidFill>
+                  <a:srgbClr val="0070C0"/>
+                </a:solidFill>
+              </a:rPr>
+              <a:t>, </a:t>
+            </a:r>
+            <a:r>
+              <a:rPr lang="ko-KR" altLang="en-US" sz="1050" dirty="0">
+                <a:solidFill>
+                  <a:srgbClr val="0070C0"/>
+                </a:solidFill>
+              </a:rPr>
+              <a:t>대출</a:t>
+            </a:r>
+            <a:r>
+              <a:rPr lang="en-US" altLang="ko-KR" sz="1050" dirty="0">
+                <a:solidFill>
+                  <a:srgbClr val="0070C0"/>
+                </a:solidFill>
+              </a:rPr>
+              <a:t>)</a:t>
+            </a:r>
+            <a:endParaRPr lang="en-US" sz="1050" dirty="0">
+              <a:solidFill>
+                <a:srgbClr val="0070C0"/>
+              </a:solidFill>
+            </a:endParaRPr>
+          </a:p>
+        </p:txBody>
+      </p:sp>
+      <p:sp>
+        <p:nvSpPr>
+          <p:cNvPr id="42" name="TextBox 41">
+            <a:extLst>
+              <a:ext uri="{FF2B5EF4-FFF2-40B4-BE49-F238E27FC236}">
+                <a16:creationId xmlns:a16="http://schemas.microsoft.com/office/drawing/2014/main" id="{D7225762-261A-4C92-AE4B-21EA0DBC0478}"/>
+              </a:ext>
+            </a:extLst>
+          </p:cNvPr>
+          <p:cNvSpPr txBox="1"/>
+          <p:nvPr/>
+        </p:nvSpPr>
+        <p:spPr>
+          <a:xfrm>
+            <a:off x="6896451" y="3925200"/>
+            <a:ext cx="2674690" cy="253916"/>
+          </a:xfrm>
+          <a:prstGeom prst="rect">
+            <a:avLst/>
+          </a:prstGeom>
+          <a:noFill/>
+        </p:spPr>
+        <p:txBody>
+          <a:bodyPr wrap="square" rtlCol="0">
+            <a:spAutoFit/>
+          </a:bodyPr>
+          <a:lstStyle/>
+          <a:p>
+            <a:r>
+              <a:rPr lang="ko-KR" altLang="en-US" sz="1050" dirty="0"/>
+              <a:t>수익 </a:t>
+            </a:r>
+            <a:r>
+              <a:rPr lang="en-US" altLang="ko-KR" sz="1050" dirty="0"/>
+              <a:t>- </a:t>
+            </a:r>
+            <a:r>
+              <a:rPr lang="ko-KR" altLang="en-US" sz="1050" dirty="0"/>
+              <a:t>비용</a:t>
+            </a:r>
+            <a:endParaRPr lang="en-US" sz="1050" dirty="0"/>
+          </a:p>
+        </p:txBody>
+      </p:sp>
+      <p:sp>
+        <p:nvSpPr>
+          <p:cNvPr id="43" name="Right Brace 42">
+            <a:extLst>
+              <a:ext uri="{FF2B5EF4-FFF2-40B4-BE49-F238E27FC236}">
+                <a16:creationId xmlns:a16="http://schemas.microsoft.com/office/drawing/2014/main" id="{FE8CAA51-79B8-45E4-BE73-DEF1AB7F64F1}"/>
+              </a:ext>
+            </a:extLst>
+          </p:cNvPr>
+          <p:cNvSpPr/>
+          <p:nvPr/>
+        </p:nvSpPr>
+        <p:spPr>
+          <a:xfrm rot="5400000">
+            <a:off x="6859745" y="4284285"/>
+            <a:ext cx="508236" cy="260059"/>
+          </a:xfrm>
+          <a:prstGeom prst="rightBrace">
+            <a:avLst/>
+          </a:prstGeom>
+          <a:ln w="12700">
+            <a:solidFill>
+              <a:schemeClr val="tx1"/>
+            </a:solidFill>
+          </a:ln>
+        </p:spPr>
+        <p:style>
+          <a:lnRef idx="1">
+            <a:schemeClr val="dk1"/>
+          </a:lnRef>
+          <a:fillRef idx="0">
+            <a:schemeClr val="dk1"/>
+          </a:fillRef>
+          <a:effectRef idx="0">
+            <a:schemeClr val="dk1"/>
+          </a:effectRef>
+          <a:fontRef idx="minor">
+            <a:schemeClr val="tx1"/>
+          </a:fontRef>
+        </p:style>
+        <p:txBody>
+          <a:bodyPr rtlCol="0" anchor="ctr"/>
+          <a:lstStyle/>
+          <a:p>
+            <a:pPr algn="ctr"/>
+            <a:endParaRPr lang="en-US"/>
+          </a:p>
+        </p:txBody>
+      </p:sp>
+      <p:sp>
+        <p:nvSpPr>
+          <p:cNvPr id="45" name="Right Brace 44">
+            <a:extLst>
+              <a:ext uri="{FF2B5EF4-FFF2-40B4-BE49-F238E27FC236}">
+                <a16:creationId xmlns:a16="http://schemas.microsoft.com/office/drawing/2014/main" id="{A8ACDBF8-EA34-4171-9BFD-E6D73F744E01}"/>
+              </a:ext>
+            </a:extLst>
+          </p:cNvPr>
+          <p:cNvSpPr/>
+          <p:nvPr/>
+        </p:nvSpPr>
+        <p:spPr>
+          <a:xfrm rot="5400000">
+            <a:off x="7417800" y="4100938"/>
+            <a:ext cx="152728" cy="260059"/>
+          </a:xfrm>
+          <a:prstGeom prst="rightBrace">
+            <a:avLst/>
+          </a:prstGeom>
+          <a:ln w="12700">
+            <a:solidFill>
+              <a:srgbClr val="00B0F0"/>
+            </a:solidFill>
+          </a:ln>
+        </p:spPr>
+        <p:style>
+          <a:lnRef idx="1">
+            <a:schemeClr val="dk1"/>
+          </a:lnRef>
+          <a:fillRef idx="0">
+            <a:schemeClr val="dk1"/>
+          </a:fillRef>
+          <a:effectRef idx="0">
+            <a:schemeClr val="dk1"/>
+          </a:effectRef>
+          <a:fontRef idx="minor">
+            <a:schemeClr val="tx1"/>
+          </a:fontRef>
+        </p:style>
+        <p:txBody>
+          <a:bodyPr rtlCol="0" anchor="ctr"/>
+          <a:lstStyle/>
+          <a:p>
+            <a:pPr algn="ctr"/>
+            <a:endParaRPr lang="en-US"/>
+          </a:p>
+        </p:txBody>
+      </p:sp>
+      <p:sp>
+        <p:nvSpPr>
+          <p:cNvPr id="46" name="TextBox 45">
+            <a:extLst>
+              <a:ext uri="{FF2B5EF4-FFF2-40B4-BE49-F238E27FC236}">
+                <a16:creationId xmlns:a16="http://schemas.microsoft.com/office/drawing/2014/main" id="{98F82CD2-A659-4140-84FF-4D1A9A7514B4}"/>
+              </a:ext>
+            </a:extLst>
+          </p:cNvPr>
+          <p:cNvSpPr txBox="1"/>
+          <p:nvPr/>
+        </p:nvSpPr>
+        <p:spPr>
+          <a:xfrm>
+            <a:off x="6867787" y="4668431"/>
+            <a:ext cx="1647039" cy="415498"/>
+          </a:xfrm>
+          <a:prstGeom prst="rect">
+            <a:avLst/>
+          </a:prstGeom>
+          <a:noFill/>
+        </p:spPr>
+        <p:txBody>
+          <a:bodyPr wrap="square" rtlCol="0">
+            <a:spAutoFit/>
+          </a:bodyPr>
+          <a:lstStyle/>
+          <a:p>
+            <a:r>
+              <a:rPr lang="ko-KR" altLang="en-US" sz="1050" dirty="0"/>
+              <a:t>돈 번 것</a:t>
+            </a:r>
+            <a:endParaRPr lang="en-US" altLang="ko-KR" sz="1050" dirty="0"/>
+          </a:p>
+          <a:p>
+            <a:r>
+              <a:rPr lang="en-US" sz="1050" dirty="0"/>
+              <a:t>(</a:t>
+            </a:r>
+            <a:r>
+              <a:rPr lang="ko-KR" altLang="en-US" sz="1050" dirty="0"/>
+              <a:t>영업수익</a:t>
+            </a:r>
+            <a:r>
+              <a:rPr lang="en-US" altLang="ko-KR" sz="1050" dirty="0"/>
+              <a:t>, </a:t>
+            </a:r>
+            <a:r>
+              <a:rPr lang="ko-KR" altLang="en-US" sz="1050" dirty="0"/>
+              <a:t>영업외수익</a:t>
+            </a:r>
+            <a:r>
+              <a:rPr lang="en-US" altLang="ko-KR" sz="1050" dirty="0"/>
+              <a:t>)</a:t>
+            </a:r>
+            <a:endParaRPr lang="en-US" sz="1050" dirty="0"/>
+          </a:p>
+        </p:txBody>
+      </p:sp>
+      <p:sp>
+        <p:nvSpPr>
+          <p:cNvPr id="47" name="TextBox 46">
+            <a:extLst>
+              <a:ext uri="{FF2B5EF4-FFF2-40B4-BE49-F238E27FC236}">
+                <a16:creationId xmlns:a16="http://schemas.microsoft.com/office/drawing/2014/main" id="{21F12CA6-0A4D-486C-999B-68FC34338BF8}"/>
+              </a:ext>
+            </a:extLst>
+          </p:cNvPr>
+          <p:cNvSpPr txBox="1"/>
+          <p:nvPr/>
+        </p:nvSpPr>
+        <p:spPr>
+          <a:xfrm>
+            <a:off x="7347007" y="4341260"/>
+            <a:ext cx="1736170" cy="415498"/>
+          </a:xfrm>
+          <a:prstGeom prst="rect">
+            <a:avLst/>
+          </a:prstGeom>
+          <a:noFill/>
+        </p:spPr>
+        <p:txBody>
+          <a:bodyPr wrap="square" rtlCol="0">
+            <a:spAutoFit/>
+          </a:bodyPr>
+          <a:lstStyle/>
+          <a:p>
+            <a:r>
+              <a:rPr lang="ko-KR" altLang="en-US" sz="1050" dirty="0">
+                <a:solidFill>
+                  <a:srgbClr val="0070C0"/>
+                </a:solidFill>
+              </a:rPr>
+              <a:t>돈 벌기 위해 쓴 것</a:t>
+            </a:r>
+            <a:endParaRPr lang="en-US" altLang="ko-KR" sz="1050" dirty="0">
+              <a:solidFill>
+                <a:srgbClr val="0070C0"/>
+              </a:solidFill>
+            </a:endParaRPr>
+          </a:p>
+          <a:p>
+            <a:r>
+              <a:rPr lang="en-US" altLang="ko-KR" sz="1050" dirty="0">
+                <a:solidFill>
+                  <a:srgbClr val="0070C0"/>
+                </a:solidFill>
+              </a:rPr>
+              <a:t>(</a:t>
+            </a:r>
+            <a:r>
+              <a:rPr lang="ko-KR" altLang="en-US" sz="1050" dirty="0">
+                <a:solidFill>
+                  <a:srgbClr val="0070C0"/>
+                </a:solidFill>
+              </a:rPr>
+              <a:t>영업비용</a:t>
+            </a:r>
+            <a:r>
+              <a:rPr lang="en-US" altLang="ko-KR" sz="1050" dirty="0">
+                <a:solidFill>
+                  <a:srgbClr val="0070C0"/>
+                </a:solidFill>
+              </a:rPr>
+              <a:t>, </a:t>
+            </a:r>
+            <a:r>
+              <a:rPr lang="ko-KR" altLang="en-US" sz="1050" dirty="0">
+                <a:solidFill>
+                  <a:srgbClr val="0070C0"/>
+                </a:solidFill>
+              </a:rPr>
+              <a:t>영업외비용</a:t>
+            </a:r>
+            <a:r>
+              <a:rPr lang="en-US" altLang="ko-KR" sz="1050" dirty="0">
+                <a:solidFill>
+                  <a:srgbClr val="0070C0"/>
+                </a:solidFill>
+              </a:rPr>
+              <a:t>)</a:t>
+            </a:r>
+            <a:endParaRPr lang="en-US" sz="1050" dirty="0">
+              <a:solidFill>
+                <a:srgbClr val="0070C0"/>
+              </a:solidFill>
+            </a:endParaRPr>
+          </a:p>
+        </p:txBody>
+      </p:sp>
+      <p:sp>
+        <p:nvSpPr>
+          <p:cNvPr id="49" name="TextBox 48">
+            <a:extLst>
+              <a:ext uri="{FF2B5EF4-FFF2-40B4-BE49-F238E27FC236}">
+                <a16:creationId xmlns:a16="http://schemas.microsoft.com/office/drawing/2014/main" id="{054F03AE-9F71-4593-B5F5-DA0691D06B6B}"/>
+              </a:ext>
+            </a:extLst>
+          </p:cNvPr>
+          <p:cNvSpPr txBox="1"/>
+          <p:nvPr/>
+        </p:nvSpPr>
+        <p:spPr>
+          <a:xfrm>
+            <a:off x="1442905" y="4941491"/>
+            <a:ext cx="1647039" cy="415498"/>
+          </a:xfrm>
+          <a:prstGeom prst="rect">
+            <a:avLst/>
+          </a:prstGeom>
+          <a:noFill/>
+        </p:spPr>
+        <p:txBody>
+          <a:bodyPr wrap="square" rtlCol="0">
+            <a:spAutoFit/>
+          </a:bodyPr>
+          <a:lstStyle/>
+          <a:p>
+            <a:r>
+              <a:rPr lang="ko-KR" altLang="en-US" sz="1050" dirty="0">
+                <a:solidFill>
+                  <a:srgbClr val="FF0000"/>
+                </a:solidFill>
+              </a:rPr>
+              <a:t>돈 번 것</a:t>
+            </a:r>
+            <a:endParaRPr lang="en-US" altLang="ko-KR" sz="1050" dirty="0">
+              <a:solidFill>
+                <a:srgbClr val="FF0000"/>
+              </a:solidFill>
+            </a:endParaRPr>
+          </a:p>
+          <a:p>
+            <a:r>
+              <a:rPr lang="en-US" sz="1050" dirty="0">
+                <a:solidFill>
+                  <a:srgbClr val="FF0000"/>
+                </a:solidFill>
+              </a:rPr>
+              <a:t>(</a:t>
+            </a:r>
+            <a:r>
+              <a:rPr lang="ko-KR" altLang="en-US" sz="1050" dirty="0">
+                <a:solidFill>
+                  <a:srgbClr val="FF0000"/>
+                </a:solidFill>
+              </a:rPr>
+              <a:t>영업수익</a:t>
+            </a:r>
+            <a:r>
+              <a:rPr lang="en-US" altLang="ko-KR" sz="1050" dirty="0">
+                <a:solidFill>
+                  <a:srgbClr val="FF0000"/>
+                </a:solidFill>
+              </a:rPr>
+              <a:t>, </a:t>
+            </a:r>
+            <a:r>
+              <a:rPr lang="ko-KR" altLang="en-US" sz="1050" dirty="0">
+                <a:solidFill>
+                  <a:srgbClr val="FF0000"/>
+                </a:solidFill>
+              </a:rPr>
+              <a:t>영업외수익</a:t>
+            </a:r>
+            <a:r>
+              <a:rPr lang="en-US" altLang="ko-KR" sz="1050" dirty="0">
+                <a:solidFill>
+                  <a:srgbClr val="FF0000"/>
+                </a:solidFill>
+              </a:rPr>
+              <a:t>)</a:t>
+            </a:r>
+            <a:endParaRPr lang="en-US" sz="1050" dirty="0">
+              <a:solidFill>
+                <a:srgbClr val="FF0000"/>
+              </a:solidFill>
+            </a:endParaRPr>
+          </a:p>
+        </p:txBody>
+      </p:sp>
+      <p:sp>
+        <p:nvSpPr>
+          <p:cNvPr id="50" name="TextBox 49">
+            <a:extLst>
+              <a:ext uri="{FF2B5EF4-FFF2-40B4-BE49-F238E27FC236}">
+                <a16:creationId xmlns:a16="http://schemas.microsoft.com/office/drawing/2014/main" id="{DB24FE02-9220-47E5-AAA7-2A54F288FBCA}"/>
+              </a:ext>
+            </a:extLst>
+          </p:cNvPr>
+          <p:cNvSpPr txBox="1"/>
+          <p:nvPr/>
+        </p:nvSpPr>
+        <p:spPr>
+          <a:xfrm>
+            <a:off x="1853443" y="4549419"/>
+            <a:ext cx="1736170" cy="415498"/>
+          </a:xfrm>
+          <a:prstGeom prst="rect">
+            <a:avLst/>
+          </a:prstGeom>
+          <a:noFill/>
+        </p:spPr>
+        <p:txBody>
+          <a:bodyPr wrap="square" rtlCol="0">
+            <a:spAutoFit/>
+          </a:bodyPr>
+          <a:lstStyle/>
+          <a:p>
+            <a:r>
+              <a:rPr lang="ko-KR" altLang="en-US" sz="1050" dirty="0">
+                <a:solidFill>
+                  <a:srgbClr val="0070C0"/>
+                </a:solidFill>
+              </a:rPr>
+              <a:t>돈 벌기 위해 쓴 것</a:t>
+            </a:r>
+            <a:endParaRPr lang="en-US" altLang="ko-KR" sz="1050" dirty="0">
+              <a:solidFill>
+                <a:srgbClr val="0070C0"/>
+              </a:solidFill>
+            </a:endParaRPr>
+          </a:p>
+          <a:p>
+            <a:r>
+              <a:rPr lang="en-US" altLang="ko-KR" sz="1050" dirty="0">
+                <a:solidFill>
+                  <a:srgbClr val="0070C0"/>
+                </a:solidFill>
+              </a:rPr>
+              <a:t>(</a:t>
+            </a:r>
+            <a:r>
+              <a:rPr lang="ko-KR" altLang="en-US" sz="1050" dirty="0">
+                <a:solidFill>
+                  <a:srgbClr val="0070C0"/>
+                </a:solidFill>
+              </a:rPr>
+              <a:t>영업비용</a:t>
+            </a:r>
+            <a:r>
+              <a:rPr lang="en-US" altLang="ko-KR" sz="1050" dirty="0">
+                <a:solidFill>
+                  <a:srgbClr val="0070C0"/>
+                </a:solidFill>
+              </a:rPr>
+              <a:t>, </a:t>
+            </a:r>
+            <a:r>
+              <a:rPr lang="ko-KR" altLang="en-US" sz="1050" dirty="0">
+                <a:solidFill>
+                  <a:srgbClr val="0070C0"/>
+                </a:solidFill>
+              </a:rPr>
+              <a:t>영업외비용</a:t>
+            </a:r>
+            <a:r>
+              <a:rPr lang="en-US" altLang="ko-KR" sz="1050" dirty="0">
+                <a:solidFill>
+                  <a:srgbClr val="0070C0"/>
+                </a:solidFill>
+              </a:rPr>
+              <a:t>)</a:t>
+            </a:r>
+            <a:endParaRPr lang="en-US" sz="1050" dirty="0">
+              <a:solidFill>
+                <a:srgbClr val="0070C0"/>
+              </a:solidFill>
+            </a:endParaRPr>
+          </a:p>
+        </p:txBody>
+      </p:sp>
+      <p:sp>
+        <p:nvSpPr>
+          <p:cNvPr id="4" name="Oval 3">
+            <a:extLst>
+              <a:ext uri="{FF2B5EF4-FFF2-40B4-BE49-F238E27FC236}">
+                <a16:creationId xmlns:a16="http://schemas.microsoft.com/office/drawing/2014/main" id="{3D6C7840-3A13-4A5B-A370-3335B2BD9C25}"/>
+              </a:ext>
+            </a:extLst>
+          </p:cNvPr>
+          <p:cNvSpPr/>
+          <p:nvPr/>
+        </p:nvSpPr>
+        <p:spPr>
+          <a:xfrm>
+            <a:off x="444614" y="4405186"/>
+            <a:ext cx="880843" cy="827673"/>
+          </a:xfrm>
+          <a:prstGeom prst="ellipse">
+            <a:avLst/>
+          </a:prstGeom>
+        </p:spPr>
+        <p:style>
+          <a:lnRef idx="2">
+            <a:schemeClr val="accent1">
+              <a:shade val="50000"/>
+            </a:schemeClr>
+          </a:lnRef>
+          <a:fillRef idx="1">
+            <a:schemeClr val="accent1"/>
+          </a:fillRef>
+          <a:effectRef idx="0">
+            <a:schemeClr val="accent1"/>
+          </a:effectRef>
+          <a:fontRef idx="minor">
+            <a:schemeClr val="lt1"/>
+          </a:fontRef>
+        </p:style>
+        <p:txBody>
+          <a:bodyPr rtlCol="0" anchor="ctr"/>
+          <a:lstStyle/>
+          <a:p>
+            <a:pPr algn="ctr"/>
+            <a:r>
+              <a:rPr lang="ko-KR" altLang="en-US" sz="1200" dirty="0"/>
+              <a:t>이익 또는</a:t>
+            </a:r>
+            <a:endParaRPr lang="en-US" altLang="ko-KR" sz="1200" dirty="0"/>
+          </a:p>
+          <a:p>
+            <a:pPr algn="ctr"/>
+            <a:r>
+              <a:rPr lang="ko-KR" altLang="en-US" sz="1200" dirty="0"/>
+              <a:t>손실</a:t>
+            </a:r>
+            <a:endParaRPr lang="en-US" sz="1200" dirty="0"/>
+          </a:p>
+        </p:txBody>
+      </p:sp>
     </p:spTree>
     <p:extLst>
       <p:ext uri="{BB962C8B-B14F-4D97-AF65-F5344CB8AC3E}">
@@ -4043,10 +5464,1726 @@
           </a:p>
         </p:txBody>
       </p:sp>
+      <p:sp>
+        <p:nvSpPr>
+          <p:cNvPr id="4" name="TextBox 3">
+            <a:extLst>
+              <a:ext uri="{FF2B5EF4-FFF2-40B4-BE49-F238E27FC236}">
+                <a16:creationId xmlns:a16="http://schemas.microsoft.com/office/drawing/2014/main" id="{2EFE3E0C-7645-4B6E-826B-ADC53500DF4C}"/>
+              </a:ext>
+            </a:extLst>
+          </p:cNvPr>
+          <p:cNvSpPr txBox="1"/>
+          <p:nvPr/>
+        </p:nvSpPr>
+        <p:spPr>
+          <a:xfrm>
+            <a:off x="553673" y="2652318"/>
+            <a:ext cx="6811861" cy="1061829"/>
+          </a:xfrm>
+          <a:prstGeom prst="rect">
+            <a:avLst/>
+          </a:prstGeom>
+          <a:noFill/>
+          <a:ln>
+            <a:solidFill>
+              <a:schemeClr val="accent6">
+                <a:lumMod val="75000"/>
+              </a:schemeClr>
+            </a:solidFill>
+          </a:ln>
+        </p:spPr>
+        <p:txBody>
+          <a:bodyPr wrap="square" rtlCol="0">
+            <a:spAutoFit/>
+          </a:bodyPr>
+          <a:lstStyle/>
+          <a:p>
+            <a:r>
+              <a:rPr lang="ko-KR" altLang="en-US" sz="1050" dirty="0"/>
+              <a:t>서대리</a:t>
+            </a:r>
+            <a:r>
+              <a:rPr lang="en-US" altLang="ko-KR" sz="1050" dirty="0"/>
+              <a:t>: </a:t>
+            </a:r>
+            <a:r>
+              <a:rPr lang="ko-KR" altLang="en-US" sz="1050" dirty="0"/>
+              <a:t>팀장님은 왜 갑자기 우리 회사 </a:t>
+            </a:r>
+            <a:r>
+              <a:rPr lang="en-US" altLang="ko-KR" sz="1050" dirty="0"/>
+              <a:t>2020</a:t>
+            </a:r>
+            <a:r>
+              <a:rPr lang="ko-KR" altLang="en-US" sz="1050" dirty="0"/>
+              <a:t>년 연결감사보고서를 가져오라는거야</a:t>
+            </a:r>
+            <a:r>
+              <a:rPr lang="en-US" altLang="ko-KR" sz="1050" dirty="0"/>
+              <a:t>? </a:t>
+            </a:r>
+            <a:r>
+              <a:rPr lang="ko-KR" altLang="en-US" sz="1050" dirty="0"/>
+              <a:t>직접 재무팀에 요청하지</a:t>
+            </a:r>
+            <a:r>
+              <a:rPr lang="en-US" altLang="ko-KR" sz="1050" dirty="0"/>
+              <a:t>!</a:t>
+            </a:r>
+          </a:p>
+          <a:p>
+            <a:r>
+              <a:rPr lang="ko-KR" altLang="en-US" sz="1050" dirty="0"/>
+              <a:t>윤대리</a:t>
+            </a:r>
+            <a:r>
+              <a:rPr lang="en-US" altLang="ko-KR" sz="1050" dirty="0"/>
+              <a:t>: </a:t>
+            </a:r>
+            <a:r>
+              <a:rPr lang="ko-KR" altLang="en-US" sz="1050" dirty="0"/>
+              <a:t>진정하고 다트에 들어가 봐</a:t>
+            </a:r>
+            <a:r>
+              <a:rPr lang="en-US" altLang="ko-KR" sz="1050" dirty="0"/>
+              <a:t>. </a:t>
+            </a:r>
+            <a:r>
+              <a:rPr lang="ko-KR" altLang="en-US" sz="1050" dirty="0"/>
+              <a:t>우리 회사도 공시하니까 다운로드 할 수 있어</a:t>
+            </a:r>
+            <a:r>
+              <a:rPr lang="en-US" altLang="ko-KR" sz="1050" dirty="0"/>
+              <a:t>.</a:t>
+            </a:r>
+          </a:p>
+          <a:p>
+            <a:r>
+              <a:rPr lang="ko-KR" altLang="en-US" sz="1050" dirty="0"/>
+              <a:t>서대리</a:t>
+            </a:r>
+            <a:r>
+              <a:rPr lang="en-US" altLang="ko-KR" sz="1050" dirty="0"/>
+              <a:t>: </a:t>
+            </a:r>
+            <a:r>
+              <a:rPr lang="ko-KR" altLang="en-US" sz="1050" dirty="0"/>
+              <a:t>거기는 아무나 들어가냐</a:t>
+            </a:r>
+            <a:r>
+              <a:rPr lang="en-US" altLang="ko-KR" sz="1050" dirty="0"/>
+              <a:t>? </a:t>
+            </a:r>
+            <a:r>
+              <a:rPr lang="ko-KR" altLang="en-US" sz="1050" dirty="0"/>
+              <a:t>재무팀 코드가 있어야 들어가지</a:t>
+            </a:r>
+            <a:r>
+              <a:rPr lang="en-US" altLang="ko-KR" sz="1050" dirty="0"/>
+              <a:t>.</a:t>
+            </a:r>
+          </a:p>
+          <a:p>
+            <a:r>
+              <a:rPr lang="ko-KR" altLang="en-US" sz="1050" dirty="0"/>
+              <a:t>윤대리</a:t>
+            </a:r>
+            <a:r>
+              <a:rPr lang="en-US" altLang="ko-KR" sz="1050" dirty="0"/>
+              <a:t>: </a:t>
+            </a:r>
+            <a:r>
+              <a:rPr lang="ko-KR" altLang="en-US" sz="1050" dirty="0"/>
+              <a:t>아무나 들어갈 수 있어</a:t>
+            </a:r>
+            <a:r>
+              <a:rPr lang="en-US" altLang="ko-KR" sz="1050" dirty="0"/>
+              <a:t>! </a:t>
+            </a:r>
+            <a:r>
+              <a:rPr lang="ko-KR" altLang="en-US" sz="1050" dirty="0"/>
+              <a:t>회계감사를 받는 기업이라면 무조건 다트에 감사보고서를 올려야 하거든</a:t>
+            </a:r>
+            <a:r>
+              <a:rPr lang="en-US" altLang="ko-KR" sz="1050" dirty="0"/>
+              <a:t>.</a:t>
+            </a:r>
+          </a:p>
+          <a:p>
+            <a:r>
+              <a:rPr lang="ko-KR" altLang="en-US" sz="1050" dirty="0"/>
+              <a:t>서대리</a:t>
+            </a:r>
+            <a:r>
+              <a:rPr lang="en-US" altLang="ko-KR" sz="1050" dirty="0"/>
+              <a:t>: </a:t>
+            </a:r>
+            <a:r>
+              <a:rPr lang="ko-KR" altLang="en-US" sz="1050" dirty="0"/>
+              <a:t>진짜</a:t>
+            </a:r>
+            <a:r>
+              <a:rPr lang="en-US" altLang="ko-KR" sz="1050" dirty="0"/>
+              <a:t>? </a:t>
+            </a:r>
+            <a:r>
+              <a:rPr lang="ko-KR" altLang="en-US" sz="1050" dirty="0"/>
+              <a:t>비용 지불해야 하는 거 아니야</a:t>
+            </a:r>
+            <a:r>
+              <a:rPr lang="en-US" altLang="ko-KR" sz="1050" dirty="0"/>
+              <a:t>?</a:t>
+            </a:r>
+          </a:p>
+          <a:p>
+            <a:r>
+              <a:rPr lang="ko-KR" altLang="en-US" sz="1050" dirty="0"/>
+              <a:t>윤대리</a:t>
+            </a:r>
+            <a:r>
+              <a:rPr lang="en-US" altLang="ko-KR" sz="1050" dirty="0"/>
+              <a:t>: </a:t>
+            </a:r>
+            <a:r>
+              <a:rPr lang="ko-KR" altLang="en-US" sz="1050" dirty="0"/>
+              <a:t>다트는 공짜야</a:t>
+            </a:r>
+            <a:r>
+              <a:rPr lang="en-US" altLang="ko-KR" sz="1050" dirty="0"/>
+              <a:t>. 24</a:t>
+            </a:r>
+            <a:r>
+              <a:rPr lang="ko-KR" altLang="en-US" sz="1050" dirty="0"/>
+              <a:t>시간 언제든지 들어가서 기업들의 감사보고서와 사업보고서를 볼 수 있다고</a:t>
+            </a:r>
+            <a:r>
+              <a:rPr lang="en-US" altLang="ko-KR" sz="1050" dirty="0"/>
+              <a:t>!</a:t>
+            </a:r>
+            <a:endParaRPr lang="en-US" sz="1050" dirty="0"/>
+          </a:p>
+        </p:txBody>
+      </p:sp>
+      <p:sp>
+        <p:nvSpPr>
+          <p:cNvPr id="7" name="Rectangle 6">
+            <a:extLst>
+              <a:ext uri="{FF2B5EF4-FFF2-40B4-BE49-F238E27FC236}">
+                <a16:creationId xmlns:a16="http://schemas.microsoft.com/office/drawing/2014/main" id="{C65B9A40-F346-44D3-BC10-57948F5B8E0C}"/>
+              </a:ext>
+            </a:extLst>
+          </p:cNvPr>
+          <p:cNvSpPr/>
+          <p:nvPr/>
+        </p:nvSpPr>
+        <p:spPr>
+          <a:xfrm>
+            <a:off x="553673" y="2417426"/>
+            <a:ext cx="6811861" cy="234891"/>
+          </a:xfrm>
+          <a:prstGeom prst="rect">
+            <a:avLst/>
+          </a:prstGeom>
+          <a:solidFill>
+            <a:schemeClr val="accent6">
+              <a:lumMod val="75000"/>
+            </a:schemeClr>
+          </a:solidFill>
+          <a:ln>
+            <a:noFill/>
+          </a:ln>
+        </p:spPr>
+        <p:style>
+          <a:lnRef idx="2">
+            <a:schemeClr val="accent1">
+              <a:shade val="50000"/>
+            </a:schemeClr>
+          </a:lnRef>
+          <a:fillRef idx="1">
+            <a:schemeClr val="accent1"/>
+          </a:fillRef>
+          <a:effectRef idx="0">
+            <a:schemeClr val="accent1"/>
+          </a:effectRef>
+          <a:fontRef idx="minor">
+            <a:schemeClr val="lt1"/>
+          </a:fontRef>
+        </p:style>
+        <p:txBody>
+          <a:bodyPr rtlCol="0" anchor="ctr"/>
+          <a:lstStyle/>
+          <a:p>
+            <a:pPr algn="ctr"/>
+            <a:r>
+              <a:rPr lang="ko-KR" altLang="en-US" sz="1000" dirty="0"/>
+              <a:t>회계 회화</a:t>
+            </a:r>
+            <a:endParaRPr lang="en-US" sz="1000" dirty="0"/>
+          </a:p>
+        </p:txBody>
+      </p:sp>
+      <p:sp>
+        <p:nvSpPr>
+          <p:cNvPr id="8" name="TextBox 7">
+            <a:extLst>
+              <a:ext uri="{FF2B5EF4-FFF2-40B4-BE49-F238E27FC236}">
+                <a16:creationId xmlns:a16="http://schemas.microsoft.com/office/drawing/2014/main" id="{0103B940-1699-4395-97BE-A0F335607B3B}"/>
+              </a:ext>
+            </a:extLst>
+          </p:cNvPr>
+          <p:cNvSpPr txBox="1"/>
+          <p:nvPr/>
+        </p:nvSpPr>
+        <p:spPr>
+          <a:xfrm>
+            <a:off x="553673" y="4304529"/>
+            <a:ext cx="6811861" cy="1384995"/>
+          </a:xfrm>
+          <a:prstGeom prst="rect">
+            <a:avLst/>
+          </a:prstGeom>
+          <a:noFill/>
+          <a:ln>
+            <a:solidFill>
+              <a:schemeClr val="accent6">
+                <a:lumMod val="75000"/>
+              </a:schemeClr>
+            </a:solidFill>
+          </a:ln>
+        </p:spPr>
+        <p:txBody>
+          <a:bodyPr wrap="square" rtlCol="0">
+            <a:spAutoFit/>
+          </a:bodyPr>
+          <a:lstStyle/>
+          <a:p>
+            <a:r>
+              <a:rPr lang="ko-KR" altLang="en-US" sz="1050" dirty="0"/>
+              <a:t>지희</a:t>
+            </a:r>
+            <a:r>
+              <a:rPr lang="en-US" altLang="ko-KR" sz="1050" dirty="0"/>
+              <a:t>: </a:t>
+            </a:r>
+            <a:r>
+              <a:rPr lang="ko-KR" altLang="en-US" sz="1050" dirty="0"/>
+              <a:t>엄마</a:t>
+            </a:r>
+            <a:r>
+              <a:rPr lang="en-US" altLang="ko-KR" sz="1050" dirty="0"/>
+              <a:t>, </a:t>
+            </a:r>
+            <a:r>
+              <a:rPr lang="ko-KR" altLang="en-US" sz="1050" dirty="0"/>
+              <a:t>내가 명절에 받은 용돈 다 어디로 갔어</a:t>
+            </a:r>
+            <a:r>
+              <a:rPr lang="en-US" altLang="ko-KR" sz="1050" dirty="0"/>
+              <a:t>?</a:t>
+            </a:r>
+          </a:p>
+          <a:p>
+            <a:r>
+              <a:rPr lang="ko-KR" altLang="en-US" sz="1050" dirty="0"/>
+              <a:t>엄마</a:t>
+            </a:r>
+            <a:r>
+              <a:rPr lang="en-US" altLang="ko-KR" sz="1050" dirty="0"/>
+              <a:t>: </a:t>
+            </a:r>
+            <a:r>
+              <a:rPr lang="ko-KR" altLang="en-US" sz="1050" dirty="0"/>
+              <a:t>지배기업인 내가 가지고 있지</a:t>
+            </a:r>
+            <a:r>
+              <a:rPr lang="en-US" altLang="ko-KR" sz="1050" dirty="0"/>
+              <a:t>.</a:t>
+            </a:r>
+          </a:p>
+          <a:p>
+            <a:endParaRPr lang="en-US" sz="1050" dirty="0"/>
+          </a:p>
+          <a:p>
+            <a:r>
+              <a:rPr lang="ko-KR" altLang="en-US" sz="1050" dirty="0"/>
+              <a:t>지환</a:t>
+            </a:r>
+            <a:r>
+              <a:rPr lang="en-US" altLang="ko-KR" sz="1050" dirty="0"/>
+              <a:t>: </a:t>
+            </a:r>
+            <a:r>
+              <a:rPr lang="ko-KR" altLang="en-US" sz="1050" dirty="0"/>
+              <a:t>너희 부부는 합쳐서 얼마 벌어</a:t>
+            </a:r>
+            <a:r>
+              <a:rPr lang="en-US" altLang="ko-KR" sz="1050" dirty="0"/>
+              <a:t>?</a:t>
+            </a:r>
+          </a:p>
+          <a:p>
+            <a:r>
+              <a:rPr lang="ko-KR" altLang="en-US" sz="1050" dirty="0"/>
+              <a:t>혁준</a:t>
+            </a:r>
+            <a:r>
+              <a:rPr lang="en-US" altLang="ko-KR" sz="1050" dirty="0"/>
+              <a:t>: </a:t>
+            </a:r>
+            <a:r>
+              <a:rPr lang="ko-KR" altLang="en-US" sz="1050" dirty="0"/>
+              <a:t>연결기준으로 월 </a:t>
+            </a:r>
+            <a:r>
+              <a:rPr lang="en-US" altLang="ko-KR" sz="1050" dirty="0"/>
+              <a:t>1,000</a:t>
+            </a:r>
+            <a:r>
+              <a:rPr lang="ko-KR" altLang="en-US" sz="1050" dirty="0"/>
+              <a:t>만 원 정도 벌어</a:t>
+            </a:r>
+            <a:r>
+              <a:rPr lang="en-US" altLang="ko-KR" sz="1050" dirty="0"/>
+              <a:t>.</a:t>
+            </a:r>
+          </a:p>
+          <a:p>
+            <a:endParaRPr lang="en-US" sz="1050" dirty="0"/>
+          </a:p>
+          <a:p>
+            <a:r>
+              <a:rPr lang="ko-KR" altLang="en-US" sz="1050" dirty="0"/>
+              <a:t>미숙</a:t>
+            </a:r>
+            <a:r>
+              <a:rPr lang="en-US" altLang="ko-KR" sz="1050" dirty="0"/>
+              <a:t>: </a:t>
+            </a:r>
+            <a:r>
+              <a:rPr lang="ko-KR" altLang="en-US" sz="1050" dirty="0"/>
+              <a:t>딸이 월급 받았다고 용돈을 줬어</a:t>
+            </a:r>
+            <a:r>
+              <a:rPr lang="en-US" altLang="ko-KR" sz="1050" dirty="0"/>
+              <a:t>.</a:t>
+            </a:r>
+          </a:p>
+          <a:p>
+            <a:r>
+              <a:rPr lang="ko-KR" altLang="en-US" sz="1050" dirty="0"/>
+              <a:t>현영</a:t>
+            </a:r>
+            <a:r>
+              <a:rPr lang="en-US" altLang="ko-KR" sz="1050" dirty="0"/>
+              <a:t>: </a:t>
+            </a:r>
+            <a:r>
+              <a:rPr lang="ko-KR" altLang="en-US" sz="1050" dirty="0"/>
+              <a:t>종속기업 아주 잘 키웠네</a:t>
+            </a:r>
+            <a:r>
+              <a:rPr lang="en-US" altLang="ko-KR" sz="1050" dirty="0"/>
+              <a:t>. </a:t>
+            </a:r>
+            <a:r>
+              <a:rPr lang="ko-KR" altLang="en-US" sz="1050" dirty="0"/>
+              <a:t>부럽다</a:t>
+            </a:r>
+            <a:r>
+              <a:rPr lang="en-US" altLang="ko-KR" sz="1050" dirty="0"/>
+              <a:t>!</a:t>
+            </a:r>
+            <a:endParaRPr lang="en-US" sz="1050" dirty="0"/>
+          </a:p>
+        </p:txBody>
+      </p:sp>
+      <p:sp>
+        <p:nvSpPr>
+          <p:cNvPr id="9" name="Rectangle 8">
+            <a:extLst>
+              <a:ext uri="{FF2B5EF4-FFF2-40B4-BE49-F238E27FC236}">
+                <a16:creationId xmlns:a16="http://schemas.microsoft.com/office/drawing/2014/main" id="{250B7802-3E54-4AC9-96BE-5CC9C70A81F1}"/>
+              </a:ext>
+            </a:extLst>
+          </p:cNvPr>
+          <p:cNvSpPr/>
+          <p:nvPr/>
+        </p:nvSpPr>
+        <p:spPr>
+          <a:xfrm>
+            <a:off x="553673" y="4069637"/>
+            <a:ext cx="6811861" cy="234891"/>
+          </a:xfrm>
+          <a:prstGeom prst="rect">
+            <a:avLst/>
+          </a:prstGeom>
+          <a:solidFill>
+            <a:schemeClr val="accent6">
+              <a:lumMod val="75000"/>
+            </a:schemeClr>
+          </a:solidFill>
+          <a:ln>
+            <a:noFill/>
+          </a:ln>
+        </p:spPr>
+        <p:style>
+          <a:lnRef idx="2">
+            <a:schemeClr val="accent1">
+              <a:shade val="50000"/>
+            </a:schemeClr>
+          </a:lnRef>
+          <a:fillRef idx="1">
+            <a:schemeClr val="accent1"/>
+          </a:fillRef>
+          <a:effectRef idx="0">
+            <a:schemeClr val="accent1"/>
+          </a:effectRef>
+          <a:fontRef idx="minor">
+            <a:schemeClr val="lt1"/>
+          </a:fontRef>
+        </p:style>
+        <p:txBody>
+          <a:bodyPr rtlCol="0" anchor="ctr"/>
+          <a:lstStyle/>
+          <a:p>
+            <a:pPr algn="ctr"/>
+            <a:r>
+              <a:rPr lang="ko-KR" altLang="en-US" sz="1000" dirty="0"/>
+              <a:t>회계 회화</a:t>
+            </a:r>
+            <a:endParaRPr lang="en-US" sz="1000" dirty="0"/>
+          </a:p>
+        </p:txBody>
+      </p:sp>
     </p:spTree>
     <p:extLst>
       <p:ext uri="{BB962C8B-B14F-4D97-AF65-F5344CB8AC3E}">
         <p14:creationId xmlns:p14="http://schemas.microsoft.com/office/powerpoint/2010/main" val="1838983553"/>
+      </p:ext>
+    </p:extLst>
+  </p:cSld>
+  <p:clrMapOvr>
+    <a:masterClrMapping/>
+  </p:clrMapOvr>
+</p:sld>
+</file>
+
+<file path=ppt/slides/slide3.xml><?xml version="1.0" encoding="utf-8"?>
+<p:sld xmlns:a="http://schemas.openxmlformats.org/drawingml/2006/main" xmlns:r="http://schemas.openxmlformats.org/officeDocument/2006/relationships" xmlns:p="http://schemas.openxmlformats.org/presentationml/2006/main">
+  <p:cSld>
+    <p:spTree>
+      <p:nvGrpSpPr>
+        <p:cNvPr id="1" name=""/>
+        <p:cNvGrpSpPr/>
+        <p:nvPr/>
+      </p:nvGrpSpPr>
+      <p:grpSpPr>
+        <a:xfrm>
+          <a:off x="0" y="0"/>
+          <a:ext cx="0" cy="0"/>
+          <a:chOff x="0" y="0"/>
+          <a:chExt cx="0" cy="0"/>
+        </a:xfrm>
+      </p:grpSpPr>
+      <p:sp>
+        <p:nvSpPr>
+          <p:cNvPr id="2" name="Rectangle 1">
+            <a:extLst>
+              <a:ext uri="{FF2B5EF4-FFF2-40B4-BE49-F238E27FC236}">
+                <a16:creationId xmlns:a16="http://schemas.microsoft.com/office/drawing/2014/main" id="{33512F63-EE78-46D4-9697-360955D4FC12}"/>
+              </a:ext>
+            </a:extLst>
+          </p:cNvPr>
+          <p:cNvSpPr/>
+          <p:nvPr/>
+        </p:nvSpPr>
+        <p:spPr>
+          <a:xfrm>
+            <a:off x="2365695" y="1115736"/>
+            <a:ext cx="1929468" cy="226503"/>
+          </a:xfrm>
+          <a:prstGeom prst="rect">
+            <a:avLst/>
+          </a:prstGeom>
+          <a:solidFill>
+            <a:schemeClr val="accent6">
+              <a:lumMod val="50000"/>
+            </a:schemeClr>
+          </a:solidFill>
+        </p:spPr>
+        <p:style>
+          <a:lnRef idx="2">
+            <a:schemeClr val="accent1">
+              <a:shade val="50000"/>
+            </a:schemeClr>
+          </a:lnRef>
+          <a:fillRef idx="1">
+            <a:schemeClr val="accent1"/>
+          </a:fillRef>
+          <a:effectRef idx="0">
+            <a:schemeClr val="accent1"/>
+          </a:effectRef>
+          <a:fontRef idx="minor">
+            <a:schemeClr val="lt1"/>
+          </a:fontRef>
+        </p:style>
+        <p:txBody>
+          <a:bodyPr rtlCol="0" anchor="ctr"/>
+          <a:lstStyle/>
+          <a:p>
+            <a:pPr algn="ctr"/>
+            <a:r>
+              <a:rPr lang="ko-KR" altLang="en-US" sz="1000" dirty="0"/>
+              <a:t>재무상태표</a:t>
+            </a:r>
+            <a:endParaRPr lang="en-US" sz="1000" dirty="0"/>
+          </a:p>
+        </p:txBody>
+      </p:sp>
+      <p:sp>
+        <p:nvSpPr>
+          <p:cNvPr id="5" name="Rectangle 4">
+            <a:extLst>
+              <a:ext uri="{FF2B5EF4-FFF2-40B4-BE49-F238E27FC236}">
+                <a16:creationId xmlns:a16="http://schemas.microsoft.com/office/drawing/2014/main" id="{7E698917-8811-49A1-A757-E3FB2218AE6A}"/>
+              </a:ext>
+            </a:extLst>
+          </p:cNvPr>
+          <p:cNvSpPr/>
+          <p:nvPr/>
+        </p:nvSpPr>
+        <p:spPr>
+          <a:xfrm>
+            <a:off x="4337108" y="1115736"/>
+            <a:ext cx="4077050" cy="226503"/>
+          </a:xfrm>
+          <a:prstGeom prst="rect">
+            <a:avLst/>
+          </a:prstGeom>
+          <a:solidFill>
+            <a:schemeClr val="accent6">
+              <a:lumMod val="50000"/>
+            </a:schemeClr>
+          </a:solidFill>
+        </p:spPr>
+        <p:style>
+          <a:lnRef idx="2">
+            <a:schemeClr val="accent1">
+              <a:shade val="50000"/>
+            </a:schemeClr>
+          </a:lnRef>
+          <a:fillRef idx="1">
+            <a:schemeClr val="accent1"/>
+          </a:fillRef>
+          <a:effectRef idx="0">
+            <a:schemeClr val="accent1"/>
+          </a:effectRef>
+          <a:fontRef idx="minor">
+            <a:schemeClr val="lt1"/>
+          </a:fontRef>
+        </p:style>
+        <p:txBody>
+          <a:bodyPr rtlCol="0" anchor="ctr"/>
+          <a:lstStyle/>
+          <a:p>
+            <a:pPr algn="ctr"/>
+            <a:r>
+              <a:rPr lang="ko-KR" altLang="en-US" sz="1000" dirty="0"/>
+              <a:t>구분</a:t>
+            </a:r>
+            <a:endParaRPr lang="en-US" sz="1000" dirty="0"/>
+          </a:p>
+        </p:txBody>
+      </p:sp>
+      <p:sp>
+        <p:nvSpPr>
+          <p:cNvPr id="6" name="Rectangle 5">
+            <a:extLst>
+              <a:ext uri="{FF2B5EF4-FFF2-40B4-BE49-F238E27FC236}">
+                <a16:creationId xmlns:a16="http://schemas.microsoft.com/office/drawing/2014/main" id="{6B667E93-A68F-4520-ADB6-FF6A1F7B6DC3}"/>
+              </a:ext>
+            </a:extLst>
+          </p:cNvPr>
+          <p:cNvSpPr/>
+          <p:nvPr/>
+        </p:nvSpPr>
+        <p:spPr>
+          <a:xfrm>
+            <a:off x="2365695" y="1377193"/>
+            <a:ext cx="1929468" cy="487958"/>
+          </a:xfrm>
+          <a:prstGeom prst="rect">
+            <a:avLst/>
+          </a:prstGeom>
+          <a:solidFill>
+            <a:srgbClr val="92D050"/>
+          </a:solidFill>
+        </p:spPr>
+        <p:style>
+          <a:lnRef idx="2">
+            <a:schemeClr val="accent1">
+              <a:shade val="50000"/>
+            </a:schemeClr>
+          </a:lnRef>
+          <a:fillRef idx="1">
+            <a:schemeClr val="accent1"/>
+          </a:fillRef>
+          <a:effectRef idx="0">
+            <a:schemeClr val="accent1"/>
+          </a:effectRef>
+          <a:fontRef idx="minor">
+            <a:schemeClr val="lt1"/>
+          </a:fontRef>
+        </p:style>
+        <p:txBody>
+          <a:bodyPr rtlCol="0" anchor="ctr"/>
+          <a:lstStyle/>
+          <a:p>
+            <a:pPr algn="ctr"/>
+            <a:r>
+              <a:rPr lang="ko-KR" altLang="en-US" sz="1000" dirty="0">
+                <a:solidFill>
+                  <a:schemeClr val="tx1"/>
+                </a:solidFill>
+              </a:rPr>
+              <a:t>자산</a:t>
+            </a:r>
+            <a:r>
+              <a:rPr lang="en-US" altLang="ko-KR" sz="1000" dirty="0">
+                <a:solidFill>
+                  <a:schemeClr val="tx1"/>
+                </a:solidFill>
+              </a:rPr>
+              <a:t>(</a:t>
+            </a:r>
+            <a:r>
+              <a:rPr lang="ko-KR" altLang="en-US" sz="1000" dirty="0">
+                <a:solidFill>
+                  <a:schemeClr val="tx1"/>
+                </a:solidFill>
+              </a:rPr>
+              <a:t>돈을 벌어다 주는 것</a:t>
+            </a:r>
+            <a:r>
+              <a:rPr lang="en-US" altLang="ko-KR" sz="1000" dirty="0">
+                <a:solidFill>
+                  <a:schemeClr val="tx1"/>
+                </a:solidFill>
+              </a:rPr>
+              <a:t>)</a:t>
+            </a:r>
+            <a:endParaRPr lang="en-US" sz="1000" dirty="0">
+              <a:solidFill>
+                <a:schemeClr val="tx1"/>
+              </a:solidFill>
+            </a:endParaRPr>
+          </a:p>
+        </p:txBody>
+      </p:sp>
+      <p:sp>
+        <p:nvSpPr>
+          <p:cNvPr id="7" name="Rectangle 6">
+            <a:extLst>
+              <a:ext uri="{FF2B5EF4-FFF2-40B4-BE49-F238E27FC236}">
+                <a16:creationId xmlns:a16="http://schemas.microsoft.com/office/drawing/2014/main" id="{78078EDF-CBA6-429F-B8CB-6542C5EE6FBD}"/>
+              </a:ext>
+            </a:extLst>
+          </p:cNvPr>
+          <p:cNvSpPr/>
+          <p:nvPr/>
+        </p:nvSpPr>
+        <p:spPr>
+          <a:xfrm>
+            <a:off x="4337108" y="1377193"/>
+            <a:ext cx="1233182" cy="226503"/>
+          </a:xfrm>
+          <a:prstGeom prst="rect">
+            <a:avLst/>
+          </a:prstGeom>
+          <a:solidFill>
+            <a:srgbClr val="92D050"/>
+          </a:solidFill>
+        </p:spPr>
+        <p:style>
+          <a:lnRef idx="2">
+            <a:schemeClr val="accent1">
+              <a:shade val="50000"/>
+            </a:schemeClr>
+          </a:lnRef>
+          <a:fillRef idx="1">
+            <a:schemeClr val="accent1"/>
+          </a:fillRef>
+          <a:effectRef idx="0">
+            <a:schemeClr val="accent1"/>
+          </a:effectRef>
+          <a:fontRef idx="minor">
+            <a:schemeClr val="lt1"/>
+          </a:fontRef>
+        </p:style>
+        <p:txBody>
+          <a:bodyPr rtlCol="0" anchor="ctr"/>
+          <a:lstStyle/>
+          <a:p>
+            <a:r>
+              <a:rPr lang="ko-KR" altLang="en-US" sz="1000" dirty="0">
+                <a:solidFill>
+                  <a:schemeClr val="tx1"/>
+                </a:solidFill>
+              </a:rPr>
+              <a:t>유동자산</a:t>
+            </a:r>
+            <a:endParaRPr lang="en-US" sz="1000" dirty="0">
+              <a:solidFill>
+                <a:schemeClr val="tx1"/>
+              </a:solidFill>
+            </a:endParaRPr>
+          </a:p>
+        </p:txBody>
+      </p:sp>
+      <p:sp>
+        <p:nvSpPr>
+          <p:cNvPr id="8" name="Rectangle 7">
+            <a:extLst>
+              <a:ext uri="{FF2B5EF4-FFF2-40B4-BE49-F238E27FC236}">
+                <a16:creationId xmlns:a16="http://schemas.microsoft.com/office/drawing/2014/main" id="{3C637933-3A59-44EA-95E2-6320BBB948F6}"/>
+              </a:ext>
+            </a:extLst>
+          </p:cNvPr>
+          <p:cNvSpPr/>
+          <p:nvPr/>
+        </p:nvSpPr>
+        <p:spPr>
+          <a:xfrm>
+            <a:off x="4337108" y="1638650"/>
+            <a:ext cx="1233182" cy="226503"/>
+          </a:xfrm>
+          <a:prstGeom prst="rect">
+            <a:avLst/>
+          </a:prstGeom>
+          <a:solidFill>
+            <a:schemeClr val="accent6">
+              <a:lumMod val="40000"/>
+              <a:lumOff val="60000"/>
+            </a:schemeClr>
+          </a:solidFill>
+        </p:spPr>
+        <p:style>
+          <a:lnRef idx="2">
+            <a:schemeClr val="accent1">
+              <a:shade val="50000"/>
+            </a:schemeClr>
+          </a:lnRef>
+          <a:fillRef idx="1">
+            <a:schemeClr val="accent1"/>
+          </a:fillRef>
+          <a:effectRef idx="0">
+            <a:schemeClr val="accent1"/>
+          </a:effectRef>
+          <a:fontRef idx="minor">
+            <a:schemeClr val="lt1"/>
+          </a:fontRef>
+        </p:style>
+        <p:txBody>
+          <a:bodyPr rtlCol="0" anchor="ctr"/>
+          <a:lstStyle/>
+          <a:p>
+            <a:r>
+              <a:rPr lang="ko-KR" altLang="en-US" sz="1000" dirty="0">
+                <a:solidFill>
+                  <a:schemeClr val="tx1"/>
+                </a:solidFill>
+              </a:rPr>
+              <a:t>비유동자산</a:t>
+            </a:r>
+            <a:endParaRPr lang="en-US" sz="1000" dirty="0">
+              <a:solidFill>
+                <a:schemeClr val="tx1"/>
+              </a:solidFill>
+            </a:endParaRPr>
+          </a:p>
+        </p:txBody>
+      </p:sp>
+      <p:sp>
+        <p:nvSpPr>
+          <p:cNvPr id="9" name="Rectangle 8">
+            <a:extLst>
+              <a:ext uri="{FF2B5EF4-FFF2-40B4-BE49-F238E27FC236}">
+                <a16:creationId xmlns:a16="http://schemas.microsoft.com/office/drawing/2014/main" id="{F59E5748-050B-4EDF-A641-7AF01A5285C1}"/>
+              </a:ext>
+            </a:extLst>
+          </p:cNvPr>
+          <p:cNvSpPr/>
+          <p:nvPr/>
+        </p:nvSpPr>
+        <p:spPr>
+          <a:xfrm>
+            <a:off x="5612234" y="1377192"/>
+            <a:ext cx="2801923" cy="226503"/>
+          </a:xfrm>
+          <a:prstGeom prst="rect">
+            <a:avLst/>
+          </a:prstGeom>
+          <a:solidFill>
+            <a:srgbClr val="92D050"/>
+          </a:solidFill>
+        </p:spPr>
+        <p:style>
+          <a:lnRef idx="2">
+            <a:schemeClr val="accent1">
+              <a:shade val="50000"/>
+            </a:schemeClr>
+          </a:lnRef>
+          <a:fillRef idx="1">
+            <a:schemeClr val="accent1"/>
+          </a:fillRef>
+          <a:effectRef idx="0">
+            <a:schemeClr val="accent1"/>
+          </a:effectRef>
+          <a:fontRef idx="minor">
+            <a:schemeClr val="lt1"/>
+          </a:fontRef>
+        </p:style>
+        <p:txBody>
+          <a:bodyPr rtlCol="0" anchor="ctr"/>
+          <a:lstStyle/>
+          <a:p>
+            <a:r>
+              <a:rPr lang="ko-KR" altLang="en-US" sz="1000" dirty="0">
+                <a:solidFill>
+                  <a:schemeClr val="tx1"/>
+                </a:solidFill>
+              </a:rPr>
+              <a:t>당좌자산</a:t>
+            </a:r>
+            <a:r>
+              <a:rPr lang="en-US" altLang="ko-KR" sz="1000" dirty="0">
+                <a:solidFill>
+                  <a:schemeClr val="tx1"/>
+                </a:solidFill>
+              </a:rPr>
+              <a:t>(</a:t>
+            </a:r>
+            <a:r>
+              <a:rPr lang="ko-KR" altLang="en-US" sz="1000" dirty="0">
+                <a:solidFill>
+                  <a:schemeClr val="tx1"/>
+                </a:solidFill>
+              </a:rPr>
+              <a:t>현금</a:t>
+            </a:r>
+            <a:r>
+              <a:rPr lang="en-US" altLang="ko-KR" sz="1000" dirty="0">
+                <a:solidFill>
+                  <a:schemeClr val="tx1"/>
+                </a:solidFill>
+              </a:rPr>
+              <a:t>, </a:t>
+            </a:r>
+            <a:r>
+              <a:rPr lang="ko-KR" altLang="en-US" sz="1000" dirty="0">
+                <a:solidFill>
+                  <a:schemeClr val="tx1"/>
+                </a:solidFill>
+              </a:rPr>
+              <a:t>매출채권</a:t>
+            </a:r>
+            <a:r>
+              <a:rPr lang="en-US" altLang="ko-KR" sz="1000" dirty="0">
+                <a:solidFill>
+                  <a:schemeClr val="tx1"/>
+                </a:solidFill>
+              </a:rPr>
+              <a:t>), </a:t>
+            </a:r>
+            <a:r>
+              <a:rPr lang="ko-KR" altLang="en-US" sz="1000" dirty="0">
+                <a:solidFill>
+                  <a:schemeClr val="tx1"/>
+                </a:solidFill>
+              </a:rPr>
+              <a:t>재고자산</a:t>
+            </a:r>
+            <a:endParaRPr lang="en-US" sz="1000" dirty="0">
+              <a:solidFill>
+                <a:schemeClr val="tx1"/>
+              </a:solidFill>
+            </a:endParaRPr>
+          </a:p>
+        </p:txBody>
+      </p:sp>
+      <p:sp>
+        <p:nvSpPr>
+          <p:cNvPr id="10" name="Rectangle 9">
+            <a:extLst>
+              <a:ext uri="{FF2B5EF4-FFF2-40B4-BE49-F238E27FC236}">
+                <a16:creationId xmlns:a16="http://schemas.microsoft.com/office/drawing/2014/main" id="{F83A5CB4-E497-4A2D-B3C7-36C10A748CC9}"/>
+              </a:ext>
+            </a:extLst>
+          </p:cNvPr>
+          <p:cNvSpPr/>
+          <p:nvPr/>
+        </p:nvSpPr>
+        <p:spPr>
+          <a:xfrm>
+            <a:off x="5612233" y="1638648"/>
+            <a:ext cx="2801923" cy="226503"/>
+          </a:xfrm>
+          <a:prstGeom prst="rect">
+            <a:avLst/>
+          </a:prstGeom>
+          <a:solidFill>
+            <a:schemeClr val="accent6">
+              <a:lumMod val="40000"/>
+              <a:lumOff val="60000"/>
+            </a:schemeClr>
+          </a:solidFill>
+        </p:spPr>
+        <p:style>
+          <a:lnRef idx="2">
+            <a:schemeClr val="accent1">
+              <a:shade val="50000"/>
+            </a:schemeClr>
+          </a:lnRef>
+          <a:fillRef idx="1">
+            <a:schemeClr val="accent1"/>
+          </a:fillRef>
+          <a:effectRef idx="0">
+            <a:schemeClr val="accent1"/>
+          </a:effectRef>
+          <a:fontRef idx="minor">
+            <a:schemeClr val="lt1"/>
+          </a:fontRef>
+        </p:style>
+        <p:txBody>
+          <a:bodyPr rtlCol="0" anchor="ctr"/>
+          <a:lstStyle/>
+          <a:p>
+            <a:r>
+              <a:rPr lang="ko-KR" altLang="en-US" sz="1000" dirty="0">
+                <a:solidFill>
+                  <a:schemeClr val="tx1"/>
+                </a:solidFill>
+              </a:rPr>
+              <a:t>투자자산</a:t>
+            </a:r>
+            <a:r>
+              <a:rPr lang="en-US" altLang="ko-KR" sz="1000" dirty="0">
+                <a:solidFill>
+                  <a:schemeClr val="tx1"/>
+                </a:solidFill>
+              </a:rPr>
+              <a:t>, </a:t>
+            </a:r>
+            <a:r>
+              <a:rPr lang="ko-KR" altLang="en-US" sz="1000" dirty="0">
+                <a:solidFill>
+                  <a:schemeClr val="tx1"/>
+                </a:solidFill>
+              </a:rPr>
+              <a:t>유형자산</a:t>
+            </a:r>
+            <a:r>
+              <a:rPr lang="en-US" altLang="ko-KR" sz="1000" dirty="0">
+                <a:solidFill>
+                  <a:schemeClr val="tx1"/>
+                </a:solidFill>
+              </a:rPr>
+              <a:t>, </a:t>
+            </a:r>
+            <a:r>
+              <a:rPr lang="ko-KR" altLang="en-US" sz="1000" dirty="0">
+                <a:solidFill>
+                  <a:schemeClr val="tx1"/>
+                </a:solidFill>
+              </a:rPr>
+              <a:t>무형자산</a:t>
+            </a:r>
+            <a:endParaRPr lang="en-US" sz="1000" dirty="0">
+              <a:solidFill>
+                <a:schemeClr val="tx1"/>
+              </a:solidFill>
+            </a:endParaRPr>
+          </a:p>
+        </p:txBody>
+      </p:sp>
+      <p:sp>
+        <p:nvSpPr>
+          <p:cNvPr id="11" name="Rectangle 10">
+            <a:extLst>
+              <a:ext uri="{FF2B5EF4-FFF2-40B4-BE49-F238E27FC236}">
+                <a16:creationId xmlns:a16="http://schemas.microsoft.com/office/drawing/2014/main" id="{C30411EE-93CB-49BD-B73A-78848A804683}"/>
+              </a:ext>
+            </a:extLst>
+          </p:cNvPr>
+          <p:cNvSpPr/>
+          <p:nvPr/>
+        </p:nvSpPr>
+        <p:spPr>
+          <a:xfrm>
+            <a:off x="2365695" y="1904298"/>
+            <a:ext cx="1929468" cy="487958"/>
+          </a:xfrm>
+          <a:prstGeom prst="rect">
+            <a:avLst/>
+          </a:prstGeom>
+          <a:solidFill>
+            <a:srgbClr val="FFC000"/>
+          </a:solidFill>
+        </p:spPr>
+        <p:style>
+          <a:lnRef idx="2">
+            <a:schemeClr val="accent1">
+              <a:shade val="50000"/>
+            </a:schemeClr>
+          </a:lnRef>
+          <a:fillRef idx="1">
+            <a:schemeClr val="accent1"/>
+          </a:fillRef>
+          <a:effectRef idx="0">
+            <a:schemeClr val="accent1"/>
+          </a:effectRef>
+          <a:fontRef idx="minor">
+            <a:schemeClr val="lt1"/>
+          </a:fontRef>
+        </p:style>
+        <p:txBody>
+          <a:bodyPr rtlCol="0" anchor="ctr"/>
+          <a:lstStyle/>
+          <a:p>
+            <a:pPr algn="ctr"/>
+            <a:r>
+              <a:rPr lang="ko-KR" altLang="en-US" sz="1000" dirty="0">
+                <a:solidFill>
+                  <a:schemeClr val="tx1"/>
+                </a:solidFill>
+              </a:rPr>
+              <a:t>부채</a:t>
+            </a:r>
+            <a:r>
+              <a:rPr lang="en-US" altLang="ko-KR" sz="1000" dirty="0">
+                <a:solidFill>
+                  <a:schemeClr val="tx1"/>
+                </a:solidFill>
+              </a:rPr>
+              <a:t>(</a:t>
+            </a:r>
+            <a:r>
+              <a:rPr lang="ko-KR" altLang="en-US" sz="1000" dirty="0">
+                <a:solidFill>
+                  <a:schemeClr val="tx1"/>
+                </a:solidFill>
+              </a:rPr>
+              <a:t>남의 돈</a:t>
+            </a:r>
+            <a:r>
+              <a:rPr lang="en-US" altLang="ko-KR" sz="1000" dirty="0">
+                <a:solidFill>
+                  <a:schemeClr val="tx1"/>
+                </a:solidFill>
+              </a:rPr>
+              <a:t>)</a:t>
+            </a:r>
+            <a:endParaRPr lang="en-US" sz="1000" dirty="0">
+              <a:solidFill>
+                <a:schemeClr val="tx1"/>
+              </a:solidFill>
+            </a:endParaRPr>
+          </a:p>
+        </p:txBody>
+      </p:sp>
+      <p:sp>
+        <p:nvSpPr>
+          <p:cNvPr id="12" name="Rectangle 11">
+            <a:extLst>
+              <a:ext uri="{FF2B5EF4-FFF2-40B4-BE49-F238E27FC236}">
+                <a16:creationId xmlns:a16="http://schemas.microsoft.com/office/drawing/2014/main" id="{BB6BD825-C090-462C-9636-5199DADE952B}"/>
+              </a:ext>
+            </a:extLst>
+          </p:cNvPr>
+          <p:cNvSpPr/>
+          <p:nvPr/>
+        </p:nvSpPr>
+        <p:spPr>
+          <a:xfrm>
+            <a:off x="4337108" y="1904298"/>
+            <a:ext cx="1233182" cy="226503"/>
+          </a:xfrm>
+          <a:prstGeom prst="rect">
+            <a:avLst/>
+          </a:prstGeom>
+          <a:solidFill>
+            <a:srgbClr val="FFC000"/>
+          </a:solidFill>
+        </p:spPr>
+        <p:style>
+          <a:lnRef idx="2">
+            <a:schemeClr val="accent1">
+              <a:shade val="50000"/>
+            </a:schemeClr>
+          </a:lnRef>
+          <a:fillRef idx="1">
+            <a:schemeClr val="accent1"/>
+          </a:fillRef>
+          <a:effectRef idx="0">
+            <a:schemeClr val="accent1"/>
+          </a:effectRef>
+          <a:fontRef idx="minor">
+            <a:schemeClr val="lt1"/>
+          </a:fontRef>
+        </p:style>
+        <p:txBody>
+          <a:bodyPr rtlCol="0" anchor="ctr"/>
+          <a:lstStyle/>
+          <a:p>
+            <a:r>
+              <a:rPr lang="ko-KR" altLang="en-US" sz="1000" dirty="0">
+                <a:solidFill>
+                  <a:schemeClr val="tx1"/>
+                </a:solidFill>
+              </a:rPr>
+              <a:t>유동부채</a:t>
+            </a:r>
+            <a:endParaRPr lang="en-US" sz="1000" dirty="0">
+              <a:solidFill>
+                <a:schemeClr val="tx1"/>
+              </a:solidFill>
+            </a:endParaRPr>
+          </a:p>
+        </p:txBody>
+      </p:sp>
+      <p:sp>
+        <p:nvSpPr>
+          <p:cNvPr id="13" name="Rectangle 12">
+            <a:extLst>
+              <a:ext uri="{FF2B5EF4-FFF2-40B4-BE49-F238E27FC236}">
+                <a16:creationId xmlns:a16="http://schemas.microsoft.com/office/drawing/2014/main" id="{153917AC-3CD9-4A99-9F26-C50BF3FA4873}"/>
+              </a:ext>
+            </a:extLst>
+          </p:cNvPr>
+          <p:cNvSpPr/>
+          <p:nvPr/>
+        </p:nvSpPr>
+        <p:spPr>
+          <a:xfrm>
+            <a:off x="4337108" y="2165755"/>
+            <a:ext cx="1233182" cy="226503"/>
+          </a:xfrm>
+          <a:prstGeom prst="rect">
+            <a:avLst/>
+          </a:prstGeom>
+          <a:solidFill>
+            <a:schemeClr val="accent4">
+              <a:lumMod val="20000"/>
+              <a:lumOff val="80000"/>
+            </a:schemeClr>
+          </a:solidFill>
+        </p:spPr>
+        <p:style>
+          <a:lnRef idx="2">
+            <a:schemeClr val="accent1">
+              <a:shade val="50000"/>
+            </a:schemeClr>
+          </a:lnRef>
+          <a:fillRef idx="1">
+            <a:schemeClr val="accent1"/>
+          </a:fillRef>
+          <a:effectRef idx="0">
+            <a:schemeClr val="accent1"/>
+          </a:effectRef>
+          <a:fontRef idx="minor">
+            <a:schemeClr val="lt1"/>
+          </a:fontRef>
+        </p:style>
+        <p:txBody>
+          <a:bodyPr rtlCol="0" anchor="ctr"/>
+          <a:lstStyle/>
+          <a:p>
+            <a:r>
+              <a:rPr lang="ko-KR" altLang="en-US" sz="1000" dirty="0">
+                <a:solidFill>
+                  <a:schemeClr val="tx1"/>
+                </a:solidFill>
+              </a:rPr>
+              <a:t>비유동부채</a:t>
+            </a:r>
+            <a:endParaRPr lang="en-US" sz="1000" dirty="0">
+              <a:solidFill>
+                <a:schemeClr val="tx1"/>
+              </a:solidFill>
+            </a:endParaRPr>
+          </a:p>
+        </p:txBody>
+      </p:sp>
+      <p:sp>
+        <p:nvSpPr>
+          <p:cNvPr id="14" name="Rectangle 13">
+            <a:extLst>
+              <a:ext uri="{FF2B5EF4-FFF2-40B4-BE49-F238E27FC236}">
+                <a16:creationId xmlns:a16="http://schemas.microsoft.com/office/drawing/2014/main" id="{2939DD61-4512-433A-A5F8-F91D9D132CC2}"/>
+              </a:ext>
+            </a:extLst>
+          </p:cNvPr>
+          <p:cNvSpPr/>
+          <p:nvPr/>
+        </p:nvSpPr>
+        <p:spPr>
+          <a:xfrm>
+            <a:off x="5612234" y="1904297"/>
+            <a:ext cx="2801923" cy="226503"/>
+          </a:xfrm>
+          <a:prstGeom prst="rect">
+            <a:avLst/>
+          </a:prstGeom>
+          <a:solidFill>
+            <a:srgbClr val="FFC000"/>
+          </a:solidFill>
+        </p:spPr>
+        <p:style>
+          <a:lnRef idx="2">
+            <a:schemeClr val="accent1">
+              <a:shade val="50000"/>
+            </a:schemeClr>
+          </a:lnRef>
+          <a:fillRef idx="1">
+            <a:schemeClr val="accent1"/>
+          </a:fillRef>
+          <a:effectRef idx="0">
+            <a:schemeClr val="accent1"/>
+          </a:effectRef>
+          <a:fontRef idx="minor">
+            <a:schemeClr val="lt1"/>
+          </a:fontRef>
+        </p:style>
+        <p:txBody>
+          <a:bodyPr rtlCol="0" anchor="ctr"/>
+          <a:lstStyle/>
+          <a:p>
+            <a:r>
+              <a:rPr lang="ko-KR" altLang="en-US" sz="1000" dirty="0">
+                <a:solidFill>
+                  <a:schemeClr val="tx1"/>
+                </a:solidFill>
+              </a:rPr>
+              <a:t>매입채무</a:t>
+            </a:r>
+            <a:r>
+              <a:rPr lang="en-US" altLang="ko-KR" sz="1000" dirty="0">
+                <a:solidFill>
+                  <a:schemeClr val="tx1"/>
+                </a:solidFill>
+              </a:rPr>
+              <a:t>, </a:t>
+            </a:r>
+            <a:r>
+              <a:rPr lang="ko-KR" altLang="en-US" sz="1000" dirty="0">
+                <a:solidFill>
+                  <a:schemeClr val="tx1"/>
+                </a:solidFill>
+              </a:rPr>
+              <a:t>선수금</a:t>
+            </a:r>
+            <a:r>
+              <a:rPr lang="en-US" altLang="ko-KR" sz="1000" dirty="0">
+                <a:solidFill>
+                  <a:schemeClr val="tx1"/>
+                </a:solidFill>
+              </a:rPr>
+              <a:t>, </a:t>
+            </a:r>
+            <a:r>
+              <a:rPr lang="ko-KR" altLang="en-US" sz="1000" dirty="0">
+                <a:solidFill>
+                  <a:schemeClr val="tx1"/>
+                </a:solidFill>
+              </a:rPr>
+              <a:t>단기차입금</a:t>
+            </a:r>
+            <a:endParaRPr lang="en-US" sz="1000" dirty="0">
+              <a:solidFill>
+                <a:schemeClr val="tx1"/>
+              </a:solidFill>
+            </a:endParaRPr>
+          </a:p>
+        </p:txBody>
+      </p:sp>
+      <p:sp>
+        <p:nvSpPr>
+          <p:cNvPr id="15" name="Rectangle 14">
+            <a:extLst>
+              <a:ext uri="{FF2B5EF4-FFF2-40B4-BE49-F238E27FC236}">
+                <a16:creationId xmlns:a16="http://schemas.microsoft.com/office/drawing/2014/main" id="{406258D0-B23A-4899-9D1D-8356FD764060}"/>
+              </a:ext>
+            </a:extLst>
+          </p:cNvPr>
+          <p:cNvSpPr/>
+          <p:nvPr/>
+        </p:nvSpPr>
+        <p:spPr>
+          <a:xfrm>
+            <a:off x="5612233" y="2165753"/>
+            <a:ext cx="2801923" cy="226503"/>
+          </a:xfrm>
+          <a:prstGeom prst="rect">
+            <a:avLst/>
+          </a:prstGeom>
+          <a:solidFill>
+            <a:schemeClr val="accent4">
+              <a:lumMod val="20000"/>
+              <a:lumOff val="80000"/>
+            </a:schemeClr>
+          </a:solidFill>
+        </p:spPr>
+        <p:style>
+          <a:lnRef idx="2">
+            <a:schemeClr val="accent1">
+              <a:shade val="50000"/>
+            </a:schemeClr>
+          </a:lnRef>
+          <a:fillRef idx="1">
+            <a:schemeClr val="accent1"/>
+          </a:fillRef>
+          <a:effectRef idx="0">
+            <a:schemeClr val="accent1"/>
+          </a:effectRef>
+          <a:fontRef idx="minor">
+            <a:schemeClr val="lt1"/>
+          </a:fontRef>
+        </p:style>
+        <p:txBody>
+          <a:bodyPr rtlCol="0" anchor="ctr"/>
+          <a:lstStyle/>
+          <a:p>
+            <a:r>
+              <a:rPr lang="ko-KR" altLang="en-US" sz="1000" dirty="0">
+                <a:solidFill>
+                  <a:schemeClr val="tx1"/>
+                </a:solidFill>
+              </a:rPr>
+              <a:t>장기차입금</a:t>
+            </a:r>
+            <a:r>
+              <a:rPr lang="en-US" altLang="ko-KR" sz="1000" dirty="0">
+                <a:solidFill>
+                  <a:schemeClr val="tx1"/>
+                </a:solidFill>
+              </a:rPr>
+              <a:t>, </a:t>
+            </a:r>
+            <a:r>
+              <a:rPr lang="ko-KR" altLang="en-US" sz="1000" dirty="0">
+                <a:solidFill>
+                  <a:schemeClr val="tx1"/>
+                </a:solidFill>
+              </a:rPr>
+              <a:t>사채</a:t>
+            </a:r>
+            <a:endParaRPr lang="en-US" sz="1000" dirty="0">
+              <a:solidFill>
+                <a:schemeClr val="tx1"/>
+              </a:solidFill>
+            </a:endParaRPr>
+          </a:p>
+        </p:txBody>
+      </p:sp>
+      <p:sp>
+        <p:nvSpPr>
+          <p:cNvPr id="16" name="Rectangle 15">
+            <a:extLst>
+              <a:ext uri="{FF2B5EF4-FFF2-40B4-BE49-F238E27FC236}">
+                <a16:creationId xmlns:a16="http://schemas.microsoft.com/office/drawing/2014/main" id="{515B326C-1F30-4AD1-A934-397C8AF203CA}"/>
+              </a:ext>
+            </a:extLst>
+          </p:cNvPr>
+          <p:cNvSpPr/>
+          <p:nvPr/>
+        </p:nvSpPr>
+        <p:spPr>
+          <a:xfrm>
+            <a:off x="2365695" y="2435599"/>
+            <a:ext cx="1929468" cy="226503"/>
+          </a:xfrm>
+          <a:prstGeom prst="rect">
+            <a:avLst/>
+          </a:prstGeom>
+          <a:solidFill>
+            <a:schemeClr val="accent5">
+              <a:lumMod val="60000"/>
+              <a:lumOff val="40000"/>
+            </a:schemeClr>
+          </a:solidFill>
+        </p:spPr>
+        <p:style>
+          <a:lnRef idx="2">
+            <a:schemeClr val="accent1">
+              <a:shade val="50000"/>
+            </a:schemeClr>
+          </a:lnRef>
+          <a:fillRef idx="1">
+            <a:schemeClr val="accent1"/>
+          </a:fillRef>
+          <a:effectRef idx="0">
+            <a:schemeClr val="accent1"/>
+          </a:effectRef>
+          <a:fontRef idx="minor">
+            <a:schemeClr val="lt1"/>
+          </a:fontRef>
+        </p:style>
+        <p:txBody>
+          <a:bodyPr rtlCol="0" anchor="ctr"/>
+          <a:lstStyle/>
+          <a:p>
+            <a:pPr algn="ctr"/>
+            <a:r>
+              <a:rPr lang="ko-KR" altLang="en-US" sz="1000" dirty="0">
+                <a:solidFill>
+                  <a:schemeClr val="tx1"/>
+                </a:solidFill>
+              </a:rPr>
+              <a:t>자본</a:t>
+            </a:r>
+            <a:r>
+              <a:rPr lang="en-US" altLang="ko-KR" sz="1000" dirty="0">
+                <a:solidFill>
+                  <a:schemeClr val="tx1"/>
+                </a:solidFill>
+              </a:rPr>
+              <a:t>(</a:t>
+            </a:r>
+            <a:r>
+              <a:rPr lang="ko-KR" altLang="en-US" sz="1000" dirty="0">
+                <a:solidFill>
+                  <a:schemeClr val="tx1"/>
+                </a:solidFill>
+              </a:rPr>
+              <a:t>내 돈</a:t>
+            </a:r>
+            <a:r>
+              <a:rPr lang="en-US" altLang="ko-KR" sz="1000" dirty="0">
+                <a:solidFill>
+                  <a:schemeClr val="tx1"/>
+                </a:solidFill>
+              </a:rPr>
+              <a:t>)</a:t>
+            </a:r>
+            <a:endParaRPr lang="en-US" sz="1000" dirty="0">
+              <a:solidFill>
+                <a:schemeClr val="tx1"/>
+              </a:solidFill>
+            </a:endParaRPr>
+          </a:p>
+        </p:txBody>
+      </p:sp>
+      <p:sp>
+        <p:nvSpPr>
+          <p:cNvPr id="17" name="Rectangle 16">
+            <a:extLst>
+              <a:ext uri="{FF2B5EF4-FFF2-40B4-BE49-F238E27FC236}">
+                <a16:creationId xmlns:a16="http://schemas.microsoft.com/office/drawing/2014/main" id="{1464D847-7C0F-4E3C-A320-0CEFBE06DB51}"/>
+              </a:ext>
+            </a:extLst>
+          </p:cNvPr>
+          <p:cNvSpPr/>
+          <p:nvPr/>
+        </p:nvSpPr>
+        <p:spPr>
+          <a:xfrm>
+            <a:off x="4337108" y="2435599"/>
+            <a:ext cx="4077050" cy="226503"/>
+          </a:xfrm>
+          <a:prstGeom prst="rect">
+            <a:avLst/>
+          </a:prstGeom>
+          <a:solidFill>
+            <a:schemeClr val="accent5">
+              <a:lumMod val="60000"/>
+              <a:lumOff val="40000"/>
+            </a:schemeClr>
+          </a:solidFill>
+        </p:spPr>
+        <p:style>
+          <a:lnRef idx="2">
+            <a:schemeClr val="accent1">
+              <a:shade val="50000"/>
+            </a:schemeClr>
+          </a:lnRef>
+          <a:fillRef idx="1">
+            <a:schemeClr val="accent1"/>
+          </a:fillRef>
+          <a:effectRef idx="0">
+            <a:schemeClr val="accent1"/>
+          </a:effectRef>
+          <a:fontRef idx="minor">
+            <a:schemeClr val="lt1"/>
+          </a:fontRef>
+        </p:style>
+        <p:txBody>
+          <a:bodyPr rtlCol="0" anchor="ctr"/>
+          <a:lstStyle/>
+          <a:p>
+            <a:pPr algn="ctr"/>
+            <a:r>
+              <a:rPr lang="ko-KR" altLang="en-US" sz="1000" dirty="0">
+                <a:solidFill>
+                  <a:schemeClr val="tx1"/>
+                </a:solidFill>
+              </a:rPr>
+              <a:t>자본금</a:t>
+            </a:r>
+            <a:r>
+              <a:rPr lang="en-US" altLang="ko-KR" sz="1000" dirty="0">
+                <a:solidFill>
+                  <a:schemeClr val="tx1"/>
+                </a:solidFill>
+              </a:rPr>
+              <a:t>, </a:t>
+            </a:r>
+            <a:r>
+              <a:rPr lang="ko-KR" altLang="en-US" sz="1000" dirty="0">
+                <a:solidFill>
+                  <a:schemeClr val="tx1"/>
+                </a:solidFill>
+              </a:rPr>
+              <a:t>자본잉여금</a:t>
+            </a:r>
+            <a:r>
+              <a:rPr lang="en-US" altLang="ko-KR" sz="1000" dirty="0">
+                <a:solidFill>
+                  <a:schemeClr val="tx1"/>
+                </a:solidFill>
+              </a:rPr>
+              <a:t>, </a:t>
+            </a:r>
+            <a:r>
+              <a:rPr lang="ko-KR" altLang="en-US" sz="1000" dirty="0">
+                <a:solidFill>
+                  <a:schemeClr val="tx1"/>
+                </a:solidFill>
+              </a:rPr>
+              <a:t>이익잉여금</a:t>
+            </a:r>
+            <a:endParaRPr lang="en-US" sz="1000" dirty="0">
+              <a:solidFill>
+                <a:schemeClr val="tx1"/>
+              </a:solidFill>
+            </a:endParaRPr>
+          </a:p>
+        </p:txBody>
+      </p:sp>
+    </p:spTree>
+    <p:extLst>
+      <p:ext uri="{BB962C8B-B14F-4D97-AF65-F5344CB8AC3E}">
+        <p14:creationId xmlns:p14="http://schemas.microsoft.com/office/powerpoint/2010/main" val="676101569"/>
+      </p:ext>
+    </p:extLst>
+  </p:cSld>
+  <p:clrMapOvr>
+    <a:masterClrMapping/>
+  </p:clrMapOvr>
+</p:sld>
+</file>
+
+<file path=ppt/slides/slide4.xml><?xml version="1.0" encoding="utf-8"?>
+<p:sld xmlns:a="http://schemas.openxmlformats.org/drawingml/2006/main" xmlns:r="http://schemas.openxmlformats.org/officeDocument/2006/relationships" xmlns:p="http://schemas.openxmlformats.org/presentationml/2006/main">
+  <p:cSld>
+    <p:spTree>
+      <p:nvGrpSpPr>
+        <p:cNvPr id="1" name=""/>
+        <p:cNvGrpSpPr/>
+        <p:nvPr/>
+      </p:nvGrpSpPr>
+      <p:grpSpPr>
+        <a:xfrm>
+          <a:off x="0" y="0"/>
+          <a:ext cx="0" cy="0"/>
+          <a:chOff x="0" y="0"/>
+          <a:chExt cx="0" cy="0"/>
+        </a:xfrm>
+      </p:grpSpPr>
+      <p:sp>
+        <p:nvSpPr>
+          <p:cNvPr id="4" name="TextBox 3">
+            <a:extLst>
+              <a:ext uri="{FF2B5EF4-FFF2-40B4-BE49-F238E27FC236}">
+                <a16:creationId xmlns:a16="http://schemas.microsoft.com/office/drawing/2014/main" id="{DD681EDA-33D7-426E-85F2-3C83A56A3394}"/>
+              </a:ext>
+            </a:extLst>
+          </p:cNvPr>
+          <p:cNvSpPr txBox="1"/>
+          <p:nvPr/>
+        </p:nvSpPr>
+        <p:spPr>
+          <a:xfrm>
+            <a:off x="931178" y="494950"/>
+            <a:ext cx="4874004" cy="253916"/>
+          </a:xfrm>
+          <a:prstGeom prst="rect">
+            <a:avLst/>
+          </a:prstGeom>
+          <a:noFill/>
+        </p:spPr>
+        <p:txBody>
+          <a:bodyPr wrap="square" rtlCol="0">
+            <a:spAutoFit/>
+          </a:bodyPr>
+          <a:lstStyle/>
+          <a:p>
+            <a:r>
+              <a:rPr lang="ko-KR" altLang="en-US" sz="1050" dirty="0"/>
+              <a:t>자산 </a:t>
+            </a:r>
+            <a:r>
+              <a:rPr lang="en-US" altLang="ko-KR" sz="1050" dirty="0"/>
+              <a:t>= </a:t>
+            </a:r>
+            <a:r>
+              <a:rPr lang="ko-KR" altLang="en-US" sz="1050" dirty="0"/>
+              <a:t>부채 </a:t>
+            </a:r>
+            <a:r>
+              <a:rPr lang="en-US" altLang="ko-KR" sz="1050" dirty="0"/>
+              <a:t>+ {</a:t>
+            </a:r>
+            <a:r>
+              <a:rPr lang="ko-KR" altLang="en-US" sz="1050" dirty="0"/>
+              <a:t>자본 </a:t>
+            </a:r>
+            <a:r>
+              <a:rPr lang="en-US" altLang="ko-KR" sz="1050" dirty="0"/>
+              <a:t>+ </a:t>
+            </a:r>
+            <a:r>
+              <a:rPr lang="ko-KR" altLang="en-US" sz="1050" dirty="0"/>
+              <a:t>수익 </a:t>
+            </a:r>
+            <a:r>
+              <a:rPr lang="en-US" altLang="ko-KR" sz="1050" dirty="0"/>
+              <a:t>– </a:t>
+            </a:r>
+            <a:r>
+              <a:rPr lang="ko-KR" altLang="en-US" sz="1050" dirty="0"/>
+              <a:t>비용 </a:t>
+            </a:r>
+            <a:r>
+              <a:rPr lang="en-US" altLang="ko-KR" sz="1050" dirty="0"/>
+              <a:t>- </a:t>
+            </a:r>
+            <a:r>
+              <a:rPr lang="ko-KR" altLang="en-US" sz="1050" dirty="0"/>
+              <a:t>배당</a:t>
+            </a:r>
+            <a:r>
+              <a:rPr lang="en-US" altLang="ko-KR" sz="1050" dirty="0"/>
+              <a:t>}</a:t>
+            </a:r>
+            <a:endParaRPr lang="en-US" sz="1050" dirty="0"/>
+          </a:p>
+        </p:txBody>
+      </p:sp>
+    </p:spTree>
+    <p:extLst>
+      <p:ext uri="{BB962C8B-B14F-4D97-AF65-F5344CB8AC3E}">
+        <p14:creationId xmlns:p14="http://schemas.microsoft.com/office/powerpoint/2010/main" val="2601709187"/>
       </p:ext>
     </p:extLst>
   </p:cSld>
@@ -4341,7 +7478,33 @@
       </a:bgFillStyleLst>
     </a:fmtScheme>
   </a:themeElements>
-  <a:objectDefaults/>
+  <a:objectDefaults>
+    <a:spDef>
+      <a:spPr/>
+      <a:bodyPr rtlCol="0" anchor="ctr"/>
+      <a:lstStyle>
+        <a:defPPr algn="ctr">
+          <a:defRPr/>
+        </a:defPPr>
+      </a:lstStyle>
+      <a:style>
+        <a:lnRef idx="2">
+          <a:schemeClr val="accent1">
+            <a:shade val="50000"/>
+          </a:schemeClr>
+        </a:lnRef>
+        <a:fillRef idx="1">
+          <a:schemeClr val="accent1"/>
+        </a:fillRef>
+        <a:effectRef idx="0">
+          <a:schemeClr val="accent1"/>
+        </a:effectRef>
+        <a:fontRef idx="minor">
+          <a:schemeClr val="lt1"/>
+        </a:fontRef>
+      </a:style>
+    </a:spDef>
+  </a:objectDefaults>
   <a:extraClrSchemeLst/>
   <a:extLst>
     <a:ext uri="{05A4C25C-085E-4340-85A3-A5531E510DB2}">

--- a/template.pptx
+++ b/template.pptx
@@ -262,7 +262,7 @@
           <a:p>
             <a:fld id="{9C49C79F-C03E-4FD1-A1B8-F006867CD767}" type="datetimeFigureOut">
               <a:rPr lang="en-US" smtClean="0"/>
-              <a:t>3/30/2022</a:t>
+              <a:t>4/3/2022</a:t>
             </a:fld>
             <a:endParaRPr lang="en-US"/>
           </a:p>
@@ -460,7 +460,7 @@
           <a:p>
             <a:fld id="{9C49C79F-C03E-4FD1-A1B8-F006867CD767}" type="datetimeFigureOut">
               <a:rPr lang="en-US" smtClean="0"/>
-              <a:t>3/30/2022</a:t>
+              <a:t>4/3/2022</a:t>
             </a:fld>
             <a:endParaRPr lang="en-US"/>
           </a:p>
@@ -668,7 +668,7 @@
           <a:p>
             <a:fld id="{9C49C79F-C03E-4FD1-A1B8-F006867CD767}" type="datetimeFigureOut">
               <a:rPr lang="en-US" smtClean="0"/>
-              <a:t>3/30/2022</a:t>
+              <a:t>4/3/2022</a:t>
             </a:fld>
             <a:endParaRPr lang="en-US"/>
           </a:p>
@@ -866,7 +866,7 @@
           <a:p>
             <a:fld id="{9C49C79F-C03E-4FD1-A1B8-F006867CD767}" type="datetimeFigureOut">
               <a:rPr lang="en-US" smtClean="0"/>
-              <a:t>3/30/2022</a:t>
+              <a:t>4/3/2022</a:t>
             </a:fld>
             <a:endParaRPr lang="en-US"/>
           </a:p>
@@ -1141,7 +1141,7 @@
           <a:p>
             <a:fld id="{9C49C79F-C03E-4FD1-A1B8-F006867CD767}" type="datetimeFigureOut">
               <a:rPr lang="en-US" smtClean="0"/>
-              <a:t>3/30/2022</a:t>
+              <a:t>4/3/2022</a:t>
             </a:fld>
             <a:endParaRPr lang="en-US"/>
           </a:p>
@@ -1406,7 +1406,7 @@
           <a:p>
             <a:fld id="{9C49C79F-C03E-4FD1-A1B8-F006867CD767}" type="datetimeFigureOut">
               <a:rPr lang="en-US" smtClean="0"/>
-              <a:t>3/30/2022</a:t>
+              <a:t>4/3/2022</a:t>
             </a:fld>
             <a:endParaRPr lang="en-US"/>
           </a:p>
@@ -1818,7 +1818,7 @@
           <a:p>
             <a:fld id="{9C49C79F-C03E-4FD1-A1B8-F006867CD767}" type="datetimeFigureOut">
               <a:rPr lang="en-US" smtClean="0"/>
-              <a:t>3/30/2022</a:t>
+              <a:t>4/3/2022</a:t>
             </a:fld>
             <a:endParaRPr lang="en-US"/>
           </a:p>
@@ -1959,7 +1959,7 @@
           <a:p>
             <a:fld id="{9C49C79F-C03E-4FD1-A1B8-F006867CD767}" type="datetimeFigureOut">
               <a:rPr lang="en-US" smtClean="0"/>
-              <a:t>3/30/2022</a:t>
+              <a:t>4/3/2022</a:t>
             </a:fld>
             <a:endParaRPr lang="en-US"/>
           </a:p>
@@ -2072,7 +2072,7 @@
           <a:p>
             <a:fld id="{9C49C79F-C03E-4FD1-A1B8-F006867CD767}" type="datetimeFigureOut">
               <a:rPr lang="en-US" smtClean="0"/>
-              <a:t>3/30/2022</a:t>
+              <a:t>4/3/2022</a:t>
             </a:fld>
             <a:endParaRPr lang="en-US"/>
           </a:p>
@@ -2383,7 +2383,7 @@
           <a:p>
             <a:fld id="{9C49C79F-C03E-4FD1-A1B8-F006867CD767}" type="datetimeFigureOut">
               <a:rPr lang="en-US" smtClean="0"/>
-              <a:t>3/30/2022</a:t>
+              <a:t>4/3/2022</a:t>
             </a:fld>
             <a:endParaRPr lang="en-US"/>
           </a:p>
@@ -2671,7 +2671,7 @@
           <a:p>
             <a:fld id="{9C49C79F-C03E-4FD1-A1B8-F006867CD767}" type="datetimeFigureOut">
               <a:rPr lang="en-US" smtClean="0"/>
-              <a:t>3/30/2022</a:t>
+              <a:t>4/3/2022</a:t>
             </a:fld>
             <a:endParaRPr lang="en-US"/>
           </a:p>
@@ -2912,7 +2912,7 @@
           <a:p>
             <a:fld id="{9C49C79F-C03E-4FD1-A1B8-F006867CD767}" type="datetimeFigureOut">
               <a:rPr lang="en-US" smtClean="0"/>
-              <a:t>3/30/2022</a:t>
+              <a:t>4/3/2022</a:t>
             </a:fld>
             <a:endParaRPr lang="en-US"/>
           </a:p>
@@ -5224,6 +5224,270 @@
           </a:p>
         </p:txBody>
       </p:sp>
+      <mc:AlternateContent xmlns:mc="http://schemas.openxmlformats.org/markup-compatibility/2006" xmlns:a14="http://schemas.microsoft.com/office/drawing/2010/main">
+        <mc:Choice Requires="a14">
+          <p:sp>
+            <p:nvSpPr>
+              <p:cNvPr id="28" name="TextBox 27">
+                <a:extLst>
+                  <a:ext uri="{FF2B5EF4-FFF2-40B4-BE49-F238E27FC236}">
+                    <a16:creationId xmlns:a16="http://schemas.microsoft.com/office/drawing/2014/main" id="{B17BBE70-5403-4C06-A68F-B99CAA84FEB8}"/>
+                  </a:ext>
+                </a:extLst>
+              </p:cNvPr>
+              <p:cNvSpPr txBox="1"/>
+              <p:nvPr/>
+            </p:nvSpPr>
+            <p:spPr>
+              <a:xfrm>
+                <a:off x="3820635" y="3155888"/>
+                <a:ext cx="4547934" cy="550418"/>
+              </a:xfrm>
+              <a:prstGeom prst="rect">
+                <a:avLst/>
+              </a:prstGeom>
+              <a:noFill/>
+            </p:spPr>
+            <p:txBody>
+              <a:bodyPr wrap="none" lIns="0" tIns="0" rIns="0" bIns="0" rtlCol="0">
+                <a:spAutoFit/>
+              </a:bodyPr>
+              <a:lstStyle/>
+              <a:p>
+                <a:pPr/>
+                <a14:m>
+                  <m:oMathPara xmlns:m="http://schemas.openxmlformats.org/officeDocument/2006/math">
+                    <m:oMathParaPr>
+                      <m:jc m:val="centerGroup"/>
+                    </m:oMathParaPr>
+                    <m:oMath xmlns:m="http://schemas.openxmlformats.org/officeDocument/2006/math">
+                      <m:sSup>
+                        <m:sSupPr>
+                          <m:ctrlPr>
+                            <a:rPr lang="en-US" i="1" smtClean="0">
+                              <a:latin typeface="Cambria Math" panose="02040503050406030204" pitchFamily="18" charset="0"/>
+                            </a:rPr>
+                          </m:ctrlPr>
+                        </m:sSupPr>
+                        <m:e>
+                          <m:r>
+                            <a:rPr lang="en-US" i="1" smtClean="0">
+                              <a:latin typeface="Cambria Math" panose="02040503050406030204" pitchFamily="18" charset="0"/>
+                            </a:rPr>
+                            <m:t>𝑒</m:t>
+                          </m:r>
+                        </m:e>
+                        <m:sup>
+                          <m:r>
+                            <a:rPr lang="en-US" i="1" smtClean="0">
+                              <a:latin typeface="Cambria Math" panose="02040503050406030204" pitchFamily="18" charset="0"/>
+                            </a:rPr>
+                            <m:t>𝑥</m:t>
+                          </m:r>
+                        </m:sup>
+                      </m:sSup>
+                      <m:r>
+                        <a:rPr lang="en-US" i="1" smtClean="0">
+                          <a:latin typeface="Cambria Math" panose="02040503050406030204" pitchFamily="18" charset="0"/>
+                        </a:rPr>
+                        <m:t>=1+</m:t>
+                      </m:r>
+                      <m:f>
+                        <m:fPr>
+                          <m:ctrlPr>
+                            <a:rPr lang="en-US" i="1" smtClean="0">
+                              <a:latin typeface="Cambria Math" panose="02040503050406030204" pitchFamily="18" charset="0"/>
+                            </a:rPr>
+                          </m:ctrlPr>
+                        </m:fPr>
+                        <m:num>
+                          <m:r>
+                            <a:rPr lang="en-US" i="1" smtClean="0">
+                              <a:latin typeface="Cambria Math" panose="02040503050406030204" pitchFamily="18" charset="0"/>
+                            </a:rPr>
+                            <m:t>𝑥</m:t>
+                          </m:r>
+                        </m:num>
+                        <m:den>
+                          <m:r>
+                            <a:rPr lang="en-US" i="1" smtClean="0">
+                              <a:latin typeface="Cambria Math" panose="02040503050406030204" pitchFamily="18" charset="0"/>
+                            </a:rPr>
+                            <m:t>1!</m:t>
+                          </m:r>
+                        </m:den>
+                      </m:f>
+                      <m:r>
+                        <a:rPr lang="en-US" i="1" smtClean="0">
+                          <a:latin typeface="Cambria Math" panose="02040503050406030204" pitchFamily="18" charset="0"/>
+                        </a:rPr>
+                        <m:t>+</m:t>
+                      </m:r>
+                      <m:f>
+                        <m:fPr>
+                          <m:ctrlPr>
+                            <a:rPr lang="en-US" i="1" smtClean="0">
+                              <a:latin typeface="Cambria Math" panose="02040503050406030204" pitchFamily="18" charset="0"/>
+                            </a:rPr>
+                          </m:ctrlPr>
+                        </m:fPr>
+                        <m:num>
+                          <m:sSup>
+                            <m:sSupPr>
+                              <m:ctrlPr>
+                                <a:rPr lang="en-US" i="1" smtClean="0">
+                                  <a:latin typeface="Cambria Math" panose="02040503050406030204" pitchFamily="18" charset="0"/>
+                                </a:rPr>
+                              </m:ctrlPr>
+                            </m:sSupPr>
+                            <m:e>
+                              <m:r>
+                                <a:rPr lang="en-US" i="1" smtClean="0">
+                                  <a:latin typeface="Cambria Math" panose="02040503050406030204" pitchFamily="18" charset="0"/>
+                                </a:rPr>
+                                <m:t>𝑥</m:t>
+                              </m:r>
+                            </m:e>
+                            <m:sup>
+                              <m:r>
+                                <a:rPr lang="en-US" i="1" smtClean="0">
+                                  <a:latin typeface="Cambria Math" panose="02040503050406030204" pitchFamily="18" charset="0"/>
+                                </a:rPr>
+                                <m:t>2</m:t>
+                              </m:r>
+                            </m:sup>
+                          </m:sSup>
+                        </m:num>
+                        <m:den>
+                          <m:r>
+                            <a:rPr lang="en-US" i="1" smtClean="0">
+                              <a:latin typeface="Cambria Math" panose="02040503050406030204" pitchFamily="18" charset="0"/>
+                            </a:rPr>
+                            <m:t>2!</m:t>
+                          </m:r>
+                        </m:den>
+                      </m:f>
+                      <m:r>
+                        <a:rPr lang="en-US" i="1" smtClean="0">
+                          <a:latin typeface="Cambria Math" panose="02040503050406030204" pitchFamily="18" charset="0"/>
+                        </a:rPr>
+                        <m:t>+</m:t>
+                      </m:r>
+                      <m:f>
+                        <m:fPr>
+                          <m:ctrlPr>
+                            <a:rPr lang="en-US" i="1" smtClean="0">
+                              <a:latin typeface="Cambria Math" panose="02040503050406030204" pitchFamily="18" charset="0"/>
+                            </a:rPr>
+                          </m:ctrlPr>
+                        </m:fPr>
+                        <m:num>
+                          <m:sSup>
+                            <m:sSupPr>
+                              <m:ctrlPr>
+                                <a:rPr lang="en-US" i="1" smtClean="0">
+                                  <a:latin typeface="Cambria Math" panose="02040503050406030204" pitchFamily="18" charset="0"/>
+                                </a:rPr>
+                              </m:ctrlPr>
+                            </m:sSupPr>
+                            <m:e>
+                              <m:r>
+                                <a:rPr lang="en-US" i="1" smtClean="0">
+                                  <a:latin typeface="Cambria Math" panose="02040503050406030204" pitchFamily="18" charset="0"/>
+                                </a:rPr>
+                                <m:t>𝑥</m:t>
+                              </m:r>
+                            </m:e>
+                            <m:sup>
+                              <m:r>
+                                <a:rPr lang="en-US" i="1" smtClean="0">
+                                  <a:latin typeface="Cambria Math" panose="02040503050406030204" pitchFamily="18" charset="0"/>
+                                </a:rPr>
+                                <m:t>3</m:t>
+                              </m:r>
+                            </m:sup>
+                          </m:sSup>
+                        </m:num>
+                        <m:den>
+                          <m:r>
+                            <a:rPr lang="en-US" i="1" smtClean="0">
+                              <a:latin typeface="Cambria Math" panose="02040503050406030204" pitchFamily="18" charset="0"/>
+                            </a:rPr>
+                            <m:t>3!</m:t>
+                          </m:r>
+                        </m:den>
+                      </m:f>
+                      <m:r>
+                        <a:rPr lang="en-US" i="1" smtClean="0">
+                          <a:latin typeface="Cambria Math" panose="02040503050406030204" pitchFamily="18" charset="0"/>
+                        </a:rPr>
+                        <m:t>+…,  −∞&lt;</m:t>
+                      </m:r>
+                      <m:r>
+                        <a:rPr lang="en-US" i="1" smtClean="0">
+                          <a:latin typeface="Cambria Math" panose="02040503050406030204" pitchFamily="18" charset="0"/>
+                        </a:rPr>
+                        <m:t>𝑥</m:t>
+                      </m:r>
+                      <m:r>
+                        <a:rPr lang="en-US" i="1" smtClean="0">
+                          <a:latin typeface="Cambria Math" panose="02040503050406030204" pitchFamily="18" charset="0"/>
+                        </a:rPr>
+                        <m:t>&lt;∞</m:t>
+                      </m:r>
+                    </m:oMath>
+                  </m:oMathPara>
+                </a14:m>
+                <a:endParaRPr lang="en-US" dirty="0"/>
+              </a:p>
+            </p:txBody>
+          </p:sp>
+        </mc:Choice>
+        <mc:Fallback xmlns="">
+          <p:sp>
+            <p:nvSpPr>
+              <p:cNvPr id="28" name="TextBox 27">
+                <a:extLst>
+                  <a:ext uri="{FF2B5EF4-FFF2-40B4-BE49-F238E27FC236}">
+                    <a16:creationId xmlns:a16="http://schemas.microsoft.com/office/drawing/2014/main" id="{B17BBE70-5403-4C06-A68F-B99CAA84FEB8}"/>
+                  </a:ext>
+                </a:extLst>
+              </p:cNvPr>
+              <p:cNvSpPr txBox="1">
+                <a:spLocks noRot="1" noChangeAspect="1" noMove="1" noResize="1" noEditPoints="1" noAdjustHandles="1" noChangeArrowheads="1" noChangeShapeType="1" noTextEdit="1"/>
+              </p:cNvSpPr>
+              <p:nvPr/>
+            </p:nvSpPr>
+            <p:spPr>
+              <a:xfrm>
+                <a:off x="3820635" y="3155888"/>
+                <a:ext cx="4547934" cy="550418"/>
+              </a:xfrm>
+              <a:prstGeom prst="rect">
+                <a:avLst/>
+              </a:prstGeom>
+              <a:blipFill>
+                <a:blip r:embed="rId2"/>
+                <a:stretch>
+                  <a:fillRect/>
+                </a:stretch>
+              </a:blipFill>
+            </p:spPr>
+            <p:txBody>
+              <a:bodyPr/>
+              <a:lstStyle/>
+              <a:p>
+                <a:r>
+                  <a:rPr lang="en-US">
+                    <a:noFill/>
+                  </a:rPr>
+                  <a:t> </a:t>
+                </a:r>
+              </a:p>
+            </p:txBody>
+          </p:sp>
+        </mc:Fallback>
+      </mc:AlternateContent>
     </p:spTree>
     <p:extLst>
       <p:ext uri="{BB962C8B-B14F-4D97-AF65-F5344CB8AC3E}">
@@ -5291,7 +5555,7 @@
           <a:p>
             <a:r>
               <a:rPr lang="ko-KR" altLang="en-US" sz="1050" dirty="0"/>
-              <a:t>사장</a:t>
+              <a:t>은혁</a:t>
             </a:r>
             <a:r>
               <a:rPr lang="en-US" altLang="ko-KR" sz="1050" dirty="0"/>
@@ -5299,7 +5563,7 @@
             </a:r>
             <a:r>
               <a:rPr lang="ko-KR" altLang="en-US" sz="1050" dirty="0"/>
-              <a:t>은행에 대출받으러 갔더니 재무제표를 제출하라더군</a:t>
+              <a:t>나 현금이 한 푼도 없어</a:t>
             </a:r>
             <a:r>
               <a:rPr lang="en-US" altLang="ko-KR" sz="1050" dirty="0"/>
@@ -5309,7 +5573,7 @@
           <a:p>
             <a:r>
               <a:rPr lang="ko-KR" altLang="en-US" sz="1050" dirty="0"/>
-              <a:t>영수</a:t>
+              <a:t>민정</a:t>
             </a:r>
             <a:r>
               <a:rPr lang="en-US" altLang="ko-KR" sz="1050" dirty="0"/>
@@ -5317,7 +5581,36 @@
             </a:r>
             <a:r>
               <a:rPr lang="ko-KR" altLang="en-US" sz="1050" dirty="0"/>
-              <a:t>재무회계 하셔야겠어요</a:t>
+              <a:t>유동성 위기네</a:t>
+            </a:r>
+            <a:r>
+              <a:rPr lang="en-US" altLang="ko-KR" sz="1050" dirty="0"/>
+              <a:t>! </a:t>
+            </a:r>
+            <a:r>
+              <a:rPr lang="ko-KR" altLang="en-US" sz="1050" dirty="0"/>
+              <a:t>유동성이 악화됐어</a:t>
+            </a:r>
+            <a:r>
+              <a:rPr lang="en-US" altLang="ko-KR" sz="1050" dirty="0"/>
+              <a:t>!</a:t>
+            </a:r>
+          </a:p>
+          <a:p>
+            <a:endParaRPr lang="en-US" sz="1050" dirty="0"/>
+          </a:p>
+          <a:p>
+            <a:r>
+              <a:rPr lang="ko-KR" altLang="en-US" sz="1050" dirty="0"/>
+              <a:t>은혁</a:t>
+            </a:r>
+            <a:r>
+              <a:rPr lang="en-US" altLang="ko-KR" sz="1050" dirty="0"/>
+              <a:t>: </a:t>
+            </a:r>
+            <a:r>
+              <a:rPr lang="ko-KR" altLang="en-US" sz="1050" dirty="0"/>
+              <a:t>당근마켓에 안 쓰는 물건 몇 개 갖다 팔아야겠어</a:t>
             </a:r>
             <a:r>
               <a:rPr lang="en-US" altLang="ko-KR" sz="1050" dirty="0"/>
@@ -5325,12 +5618,9 @@
             </a:r>
           </a:p>
           <a:p>
-            <a:endParaRPr lang="en-US" sz="1050" dirty="0"/>
-          </a:p>
-          <a:p>
             <a:r>
               <a:rPr lang="ko-KR" altLang="en-US" sz="1050" dirty="0"/>
-              <a:t>영수</a:t>
+              <a:t>민정</a:t>
             </a:r>
             <a:r>
               <a:rPr lang="en-US" altLang="ko-KR" sz="1050" dirty="0"/>
@@ -5338,17 +5628,20 @@
             </a:r>
             <a:r>
               <a:rPr lang="ko-KR" altLang="en-US" sz="1050" dirty="0"/>
-              <a:t>이번에 소득세 신고해야 하는데</a:t>
+              <a:t>너 유동자산이 많구나</a:t>
             </a:r>
             <a:r>
               <a:rPr lang="en-US" altLang="ko-KR" sz="1050" dirty="0"/>
-              <a:t>…</a:t>
-            </a:r>
+              <a:t>!</a:t>
+            </a:r>
+          </a:p>
+          <a:p>
+            <a:endParaRPr lang="en-US" sz="1050" dirty="0"/>
           </a:p>
           <a:p>
             <a:r>
               <a:rPr lang="ko-KR" altLang="en-US" sz="1050" dirty="0"/>
-              <a:t>영희</a:t>
+              <a:t>은혁</a:t>
             </a:r>
             <a:r>
               <a:rPr lang="en-US" altLang="ko-KR" sz="1050" dirty="0"/>
@@ -5356,21 +5649,17 @@
             </a:r>
             <a:r>
               <a:rPr lang="ko-KR" altLang="en-US" sz="1050" dirty="0"/>
-              <a:t>세무회계 해야겠네</a:t>
+              <a:t>은행에서 돈을 안 빌려줘</a:t>
             </a:r>
             <a:r>
               <a:rPr lang="en-US" altLang="ko-KR" sz="1050" dirty="0"/>
               <a:t>.</a:t>
             </a:r>
-            <a:endParaRPr lang="en-US" sz="1050" dirty="0"/>
-          </a:p>
-          <a:p>
-            <a:endParaRPr lang="en-US" sz="1050" dirty="0"/>
           </a:p>
           <a:p>
             <a:r>
               <a:rPr lang="ko-KR" altLang="en-US" sz="1050" dirty="0"/>
-              <a:t>영수</a:t>
+              <a:t>민정</a:t>
             </a:r>
             <a:r>
               <a:rPr lang="en-US" altLang="ko-KR" sz="1050" dirty="0"/>
@@ -5378,25 +5667,7 @@
             </a:r>
             <a:r>
               <a:rPr lang="ko-KR" altLang="en-US" sz="1050" dirty="0"/>
-              <a:t>사장이 바뀌어서 골치 아파</a:t>
-            </a:r>
-            <a:r>
-              <a:rPr lang="en-US" altLang="ko-KR" sz="1050" dirty="0"/>
-              <a:t>.</a:t>
-            </a:r>
-          </a:p>
-          <a:p>
-            <a:r>
-              <a:rPr lang="ko-KR" altLang="en-US" sz="1050" dirty="0"/>
-              <a:t>영희</a:t>
-            </a:r>
-            <a:r>
-              <a:rPr lang="en-US" altLang="ko-KR" sz="1050" dirty="0"/>
-              <a:t>: </a:t>
-            </a:r>
-            <a:r>
-              <a:rPr lang="ko-KR" altLang="en-US" sz="1050" dirty="0"/>
-              <a:t>관리회계 때문에 골치 아프겠구나</a:t>
+              <a:t>유동비율이 평균보다 낮은가 보구나</a:t>
             </a:r>
             <a:r>
               <a:rPr lang="en-US" altLang="ko-KR" sz="1050" dirty="0"/>
@@ -5738,7 +6009,7 @@
         <p:spPr>
           <a:xfrm>
             <a:off x="553673" y="4304529"/>
-            <a:ext cx="6811861" cy="1384995"/>
+            <a:ext cx="6811861" cy="900246"/>
           </a:xfrm>
           <a:prstGeom prst="rect">
             <a:avLst/>
@@ -5760,7 +6031,7 @@
           <a:p>
             <a:r>
               <a:rPr lang="ko-KR" altLang="en-US" sz="1050" dirty="0"/>
-              <a:t>지희</a:t>
+              <a:t>가영</a:t>
             </a:r>
             <a:r>
               <a:rPr lang="en-US" altLang="ko-KR" sz="1050" dirty="0"/>
@@ -5768,7 +6039,46 @@
             </a:r>
             <a:r>
               <a:rPr lang="ko-KR" altLang="en-US" sz="1050" dirty="0"/>
-              <a:t>엄마</a:t>
+              <a:t>플리마켓에서 팔려고 빵을 만들었어</a:t>
+            </a:r>
+            <a:r>
+              <a:rPr lang="en-US" altLang="ko-KR" sz="1050" dirty="0"/>
+              <a:t>.</a:t>
+            </a:r>
+          </a:p>
+          <a:p>
+            <a:r>
+              <a:rPr lang="ko-KR" altLang="en-US" sz="1050" dirty="0"/>
+              <a:t>하윤</a:t>
+            </a:r>
+            <a:r>
+              <a:rPr lang="en-US" altLang="ko-KR" sz="1050" dirty="0"/>
+              <a:t>: </a:t>
+            </a:r>
+            <a:r>
+              <a:rPr lang="ko-KR" altLang="en-US" sz="1050" dirty="0"/>
+              <a:t>재고자산이 생겼네</a:t>
+            </a:r>
+            <a:r>
+              <a:rPr lang="en-US" altLang="ko-KR" sz="1050" dirty="0"/>
+              <a:t>!</a:t>
+            </a:r>
+          </a:p>
+          <a:p>
+            <a:endParaRPr lang="en-US" sz="1050" dirty="0"/>
+          </a:p>
+          <a:p>
+            <a:r>
+              <a:rPr lang="ko-KR" altLang="en-US" sz="1050" dirty="0"/>
+              <a:t>가영</a:t>
+            </a:r>
+            <a:r>
+              <a:rPr lang="en-US" altLang="ko-KR" sz="1050" dirty="0"/>
+              <a:t>: </a:t>
+            </a:r>
+            <a:r>
+              <a:rPr lang="ko-KR" altLang="en-US" sz="1050" dirty="0"/>
+              <a:t>손님이 많이 올 줄 알고 재료를 잔뜩 샀는데</a:t>
             </a:r>
             <a:r>
               <a:rPr lang="en-US" altLang="ko-KR" sz="1050" dirty="0"/>
@@ -5776,7 +6086,15 @@
             </a:r>
             <a:r>
               <a:rPr lang="ko-KR" altLang="en-US" sz="1050" dirty="0"/>
-              <a:t>내가 명절에 받은 용돈 다 어디로 갔어</a:t>
+              <a:t>손님이 안 와</a:t>
+            </a:r>
+            <a:r>
+              <a:rPr lang="en-US" altLang="ko-KR" sz="1050" dirty="0"/>
+              <a:t>. </a:t>
+            </a:r>
+            <a:r>
+              <a:rPr lang="ko-KR" altLang="en-US" sz="1050" dirty="0"/>
+              <a:t>어떡하지</a:t>
             </a:r>
             <a:r>
               <a:rPr lang="en-US" altLang="ko-KR" sz="1050" dirty="0"/>
@@ -5786,7 +6104,7 @@
           <a:p>
             <a:r>
               <a:rPr lang="ko-KR" altLang="en-US" sz="1050" dirty="0"/>
-              <a:t>엄마</a:t>
+              <a:t>하윤</a:t>
             </a:r>
             <a:r>
               <a:rPr lang="en-US" altLang="ko-KR" sz="1050" dirty="0"/>
@@ -5794,105 +6112,19 @@
             </a:r>
             <a:r>
               <a:rPr lang="ko-KR" altLang="en-US" sz="1050" dirty="0"/>
-              <a:t>지배기업인 내가 가지고 있지</a:t>
+              <a:t>이런</a:t>
+            </a:r>
+            <a:r>
+              <a:rPr lang="en-US" altLang="ko-KR" sz="1050" dirty="0"/>
+              <a:t>, </a:t>
+            </a:r>
+            <a:r>
+              <a:rPr lang="ko-KR" altLang="en-US" sz="1050" dirty="0"/>
+              <a:t>재고자산회전율이 낮아지겠네</a:t>
             </a:r>
             <a:r>
               <a:rPr lang="en-US" altLang="ko-KR" sz="1050" dirty="0"/>
               <a:t>.</a:t>
-            </a:r>
-          </a:p>
-          <a:p>
-            <a:endParaRPr lang="en-US" sz="1050" dirty="0"/>
-          </a:p>
-          <a:p>
-            <a:r>
-              <a:rPr lang="ko-KR" altLang="en-US" sz="1050" dirty="0"/>
-              <a:t>지환</a:t>
-            </a:r>
-            <a:r>
-              <a:rPr lang="en-US" altLang="ko-KR" sz="1050" dirty="0"/>
-              <a:t>: </a:t>
-            </a:r>
-            <a:r>
-              <a:rPr lang="ko-KR" altLang="en-US" sz="1050" dirty="0"/>
-              <a:t>너희 부부는 합쳐서 얼마 벌어</a:t>
-            </a:r>
-            <a:r>
-              <a:rPr lang="en-US" altLang="ko-KR" sz="1050" dirty="0"/>
-              <a:t>?</a:t>
-            </a:r>
-          </a:p>
-          <a:p>
-            <a:r>
-              <a:rPr lang="ko-KR" altLang="en-US" sz="1050" dirty="0"/>
-              <a:t>혁준</a:t>
-            </a:r>
-            <a:r>
-              <a:rPr lang="en-US" altLang="ko-KR" sz="1050" dirty="0"/>
-              <a:t>: </a:t>
-            </a:r>
-            <a:r>
-              <a:rPr lang="ko-KR" altLang="en-US" sz="1050" dirty="0"/>
-              <a:t>연결기준으로 월 </a:t>
-            </a:r>
-            <a:r>
-              <a:rPr lang="en-US" altLang="ko-KR" sz="1050" dirty="0"/>
-              <a:t>1,000</a:t>
-            </a:r>
-            <a:r>
-              <a:rPr lang="ko-KR" altLang="en-US" sz="1050" dirty="0"/>
-              <a:t>만 원 정도 벌어</a:t>
-            </a:r>
-            <a:r>
-              <a:rPr lang="en-US" altLang="ko-KR" sz="1050" dirty="0"/>
-              <a:t>.</a:t>
-            </a:r>
-          </a:p>
-          <a:p>
-            <a:endParaRPr lang="en-US" sz="1050" dirty="0"/>
-          </a:p>
-          <a:p>
-            <a:r>
-              <a:rPr lang="ko-KR" altLang="en-US" sz="1050" dirty="0"/>
-              <a:t>미숙</a:t>
-            </a:r>
-            <a:r>
-              <a:rPr lang="en-US" altLang="ko-KR" sz="1050" dirty="0"/>
-              <a:t>: </a:t>
-            </a:r>
-            <a:r>
-              <a:rPr lang="ko-KR" altLang="en-US" sz="1050" dirty="0"/>
-              <a:t>딸이 월급 받았다고 용돈을 줬어</a:t>
-            </a:r>
-            <a:r>
-              <a:rPr lang="en-US" altLang="ko-KR" sz="1050" dirty="0"/>
-              <a:t>.</a:t>
-            </a:r>
-          </a:p>
-          <a:p>
-            <a:r>
-              <a:rPr lang="ko-KR" altLang="en-US" sz="1050" dirty="0"/>
-              <a:t>현영</a:t>
-            </a:r>
-            <a:r>
-              <a:rPr lang="en-US" altLang="ko-KR" sz="1050" dirty="0"/>
-              <a:t>: </a:t>
-            </a:r>
-            <a:r>
-              <a:rPr lang="ko-KR" altLang="en-US" sz="1050" dirty="0"/>
-              <a:t>종속기업 아주 잘 키웠네</a:t>
-            </a:r>
-            <a:r>
-              <a:rPr lang="en-US" altLang="ko-KR" sz="1050" dirty="0"/>
-              <a:t>. </a:t>
-            </a:r>
-            <a:r>
-              <a:rPr lang="ko-KR" altLang="en-US" sz="1050" dirty="0"/>
-              <a:t>부럽다</a:t>
-            </a:r>
-            <a:r>
-              <a:rPr lang="en-US" altLang="ko-KR" sz="1050" dirty="0"/>
-              <a:t>!</a:t>
             </a:r>
             <a:endParaRPr lang="en-US" sz="1050" dirty="0"/>
           </a:p>
@@ -7180,6 +7412,1555 @@
           </a:p>
         </p:txBody>
       </p:sp>
+      <mc:AlternateContent xmlns:mc="http://schemas.openxmlformats.org/markup-compatibility/2006" xmlns:a14="http://schemas.microsoft.com/office/drawing/2010/main">
+        <mc:Choice Requires="a14">
+          <p:sp>
+            <p:nvSpPr>
+              <p:cNvPr id="3" name="TextBox 2">
+                <a:extLst>
+                  <a:ext uri="{FF2B5EF4-FFF2-40B4-BE49-F238E27FC236}">
+                    <a16:creationId xmlns:a16="http://schemas.microsoft.com/office/drawing/2014/main" id="{84B2B74D-CAAB-4E54-950D-7B755EEF51A1}"/>
+                  </a:ext>
+                </a:extLst>
+              </p:cNvPr>
+              <p:cNvSpPr txBox="1"/>
+              <p:nvPr/>
+            </p:nvSpPr>
+            <p:spPr>
+              <a:xfrm>
+                <a:off x="788564" y="1379989"/>
+                <a:ext cx="2214693" cy="346441"/>
+              </a:xfrm>
+              <a:prstGeom prst="rect">
+                <a:avLst/>
+              </a:prstGeom>
+              <a:noFill/>
+            </p:spPr>
+            <p:txBody>
+              <a:bodyPr wrap="square" lIns="0" tIns="0" rIns="0" bIns="0" rtlCol="0">
+                <a:spAutoFit/>
+              </a:bodyPr>
+              <a:lstStyle/>
+              <a:p>
+                <a:pPr/>
+                <a14:m>
+                  <m:oMathPara xmlns:m="http://schemas.openxmlformats.org/officeDocument/2006/math">
+                    <m:oMathParaPr>
+                      <m:jc m:val="centerGroup"/>
+                    </m:oMathParaPr>
+                    <m:oMath xmlns:m="http://schemas.openxmlformats.org/officeDocument/2006/math">
+                      <m:r>
+                        <a:rPr lang="ko-KR" altLang="en-US" sz="1050" i="1" smtClean="0">
+                          <a:latin typeface="Cambria Math" panose="02040503050406030204" pitchFamily="18" charset="0"/>
+                        </a:rPr>
+                        <m:t>유동</m:t>
+                      </m:r>
+                      <m:r>
+                        <a:rPr lang="ko-KR" altLang="en-US" sz="1050" i="1">
+                          <a:latin typeface="Cambria Math" panose="02040503050406030204" pitchFamily="18" charset="0"/>
+                        </a:rPr>
+                        <m:t>비</m:t>
+                      </m:r>
+                      <m:r>
+                        <a:rPr lang="ko-KR" altLang="en-US" sz="1050" i="1" smtClean="0">
+                          <a:latin typeface="Cambria Math" panose="02040503050406030204" pitchFamily="18" charset="0"/>
+                        </a:rPr>
+                        <m:t>율</m:t>
+                      </m:r>
+                      <m:r>
+                        <a:rPr lang="en-US" sz="1050" i="1" smtClean="0">
+                          <a:latin typeface="Cambria Math" panose="02040503050406030204" pitchFamily="18" charset="0"/>
+                        </a:rPr>
+                        <m:t>=</m:t>
+                      </m:r>
+                      <m:f>
+                        <m:fPr>
+                          <m:ctrlPr>
+                            <a:rPr lang="en-US" sz="1050" i="1" smtClean="0">
+                              <a:latin typeface="Cambria Math" panose="02040503050406030204" pitchFamily="18" charset="0"/>
+                            </a:rPr>
+                          </m:ctrlPr>
+                        </m:fPr>
+                        <m:num>
+                          <m:r>
+                            <a:rPr lang="ko-KR" altLang="en-US" sz="1050" i="1">
+                              <a:latin typeface="Cambria Math" panose="02040503050406030204" pitchFamily="18" charset="0"/>
+                            </a:rPr>
+                            <m:t>유</m:t>
+                          </m:r>
+                          <m:r>
+                            <a:rPr lang="ko-KR" altLang="en-US" sz="1050" i="1" smtClean="0">
+                              <a:latin typeface="Cambria Math" panose="02040503050406030204" pitchFamily="18" charset="0"/>
+                            </a:rPr>
+                            <m:t>동</m:t>
+                          </m:r>
+                          <m:r>
+                            <a:rPr lang="ko-KR" altLang="en-US" sz="1050" i="1">
+                              <a:latin typeface="Cambria Math" panose="02040503050406030204" pitchFamily="18" charset="0"/>
+                            </a:rPr>
+                            <m:t>자</m:t>
+                          </m:r>
+                          <m:r>
+                            <a:rPr lang="ko-KR" altLang="en-US" sz="1050" i="1" smtClean="0">
+                              <a:latin typeface="Cambria Math" panose="02040503050406030204" pitchFamily="18" charset="0"/>
+                            </a:rPr>
+                            <m:t>산</m:t>
+                          </m:r>
+                        </m:num>
+                        <m:den>
+                          <m:r>
+                            <a:rPr lang="ko-KR" altLang="en-US" sz="1050" i="1">
+                              <a:latin typeface="Cambria Math" panose="02040503050406030204" pitchFamily="18" charset="0"/>
+                            </a:rPr>
+                            <m:t>유</m:t>
+                          </m:r>
+                          <m:r>
+                            <a:rPr lang="ko-KR" altLang="en-US" sz="1050" i="1" smtClean="0">
+                              <a:latin typeface="Cambria Math" panose="02040503050406030204" pitchFamily="18" charset="0"/>
+                            </a:rPr>
+                            <m:t>동</m:t>
+                          </m:r>
+                          <m:r>
+                            <a:rPr lang="ko-KR" altLang="en-US" sz="1050" i="1">
+                              <a:latin typeface="Cambria Math" panose="02040503050406030204" pitchFamily="18" charset="0"/>
+                            </a:rPr>
+                            <m:t>부</m:t>
+                          </m:r>
+                          <m:r>
+                            <a:rPr lang="ko-KR" altLang="en-US" sz="1050" i="1" smtClean="0">
+                              <a:latin typeface="Cambria Math" panose="02040503050406030204" pitchFamily="18" charset="0"/>
+                            </a:rPr>
+                            <m:t>채</m:t>
+                          </m:r>
+                        </m:den>
+                      </m:f>
+                      <m:r>
+                        <a:rPr lang="en-US" sz="1050" i="1" smtClean="0">
+                          <a:latin typeface="Cambria Math" panose="02040503050406030204" pitchFamily="18" charset="0"/>
+                          <a:ea typeface="Cambria Math" panose="02040503050406030204" pitchFamily="18" charset="0"/>
+                        </a:rPr>
+                        <m:t>×</m:t>
+                      </m:r>
+                      <m:r>
+                        <a:rPr lang="en-US" sz="1050" b="0" i="1" smtClean="0">
+                          <a:latin typeface="Cambria Math" panose="02040503050406030204" pitchFamily="18" charset="0"/>
+                          <a:ea typeface="Cambria Math" panose="02040503050406030204" pitchFamily="18" charset="0"/>
+                        </a:rPr>
+                        <m:t>100</m:t>
+                      </m:r>
+                    </m:oMath>
+                  </m:oMathPara>
+                </a14:m>
+                <a:endParaRPr lang="en-US" sz="1050" dirty="0">
+                  <a:latin typeface="+mn-ea"/>
+                </a:endParaRPr>
+              </a:p>
+            </p:txBody>
+          </p:sp>
+        </mc:Choice>
+        <mc:Fallback xmlns="">
+          <p:sp>
+            <p:nvSpPr>
+              <p:cNvPr id="3" name="TextBox 2">
+                <a:extLst>
+                  <a:ext uri="{FF2B5EF4-FFF2-40B4-BE49-F238E27FC236}">
+                    <a16:creationId xmlns:a16="http://schemas.microsoft.com/office/drawing/2014/main" id="{84B2B74D-CAAB-4E54-950D-7B755EEF51A1}"/>
+                  </a:ext>
+                </a:extLst>
+              </p:cNvPr>
+              <p:cNvSpPr txBox="1">
+                <a:spLocks noRot="1" noChangeAspect="1" noMove="1" noResize="1" noEditPoints="1" noAdjustHandles="1" noChangeArrowheads="1" noChangeShapeType="1" noTextEdit="1"/>
+              </p:cNvSpPr>
+              <p:nvPr/>
+            </p:nvSpPr>
+            <p:spPr>
+              <a:xfrm>
+                <a:off x="788564" y="1379989"/>
+                <a:ext cx="2214693" cy="346441"/>
+              </a:xfrm>
+              <a:prstGeom prst="rect">
+                <a:avLst/>
+              </a:prstGeom>
+              <a:blipFill>
+                <a:blip r:embed="rId2"/>
+                <a:stretch>
+                  <a:fillRect t="-5263" b="-17544"/>
+                </a:stretch>
+              </a:blipFill>
+            </p:spPr>
+            <p:txBody>
+              <a:bodyPr/>
+              <a:lstStyle/>
+              <a:p>
+                <a:r>
+                  <a:rPr lang="en-US">
+                    <a:noFill/>
+                  </a:rPr>
+                  <a:t> </a:t>
+                </a:r>
+              </a:p>
+            </p:txBody>
+          </p:sp>
+        </mc:Fallback>
+      </mc:AlternateContent>
+      <mc:AlternateContent xmlns:mc="http://schemas.openxmlformats.org/markup-compatibility/2006" xmlns:a14="http://schemas.microsoft.com/office/drawing/2010/main">
+        <mc:Choice Requires="a14">
+          <p:sp>
+            <p:nvSpPr>
+              <p:cNvPr id="5" name="TextBox 4">
+                <a:extLst>
+                  <a:ext uri="{FF2B5EF4-FFF2-40B4-BE49-F238E27FC236}">
+                    <a16:creationId xmlns:a16="http://schemas.microsoft.com/office/drawing/2014/main" id="{45DB3CD6-AB14-4F05-BF08-6E510A2254A8}"/>
+                  </a:ext>
+                </a:extLst>
+              </p:cNvPr>
+              <p:cNvSpPr txBox="1"/>
+              <p:nvPr/>
+            </p:nvSpPr>
+            <p:spPr>
+              <a:xfrm>
+                <a:off x="788563" y="2011112"/>
+                <a:ext cx="2214693" cy="315023"/>
+              </a:xfrm>
+              <a:prstGeom prst="rect">
+                <a:avLst/>
+              </a:prstGeom>
+              <a:noFill/>
+            </p:spPr>
+            <p:txBody>
+              <a:bodyPr wrap="square" lIns="0" tIns="0" rIns="0" bIns="0" rtlCol="0">
+                <a:spAutoFit/>
+              </a:bodyPr>
+              <a:lstStyle/>
+              <a:p>
+                <a:pPr algn="ctr"/>
+                <a14:m>
+                  <m:oMath xmlns:m="http://schemas.openxmlformats.org/officeDocument/2006/math">
+                    <m:f>
+                      <m:fPr>
+                        <m:ctrlPr>
+                          <a:rPr lang="en-US" sz="1050" i="1" smtClean="0">
+                            <a:latin typeface="Cambria Math" panose="02040503050406030204" pitchFamily="18" charset="0"/>
+                          </a:rPr>
+                        </m:ctrlPr>
+                      </m:fPr>
+                      <m:num>
+                        <m:r>
+                          <a:rPr lang="en-US" altLang="ko-KR" sz="1050" b="0" i="1" smtClean="0">
+                            <a:latin typeface="Cambria Math" panose="02040503050406030204" pitchFamily="18" charset="0"/>
+                          </a:rPr>
+                          <m:t>100</m:t>
+                        </m:r>
+                        <m:r>
+                          <a:rPr lang="ko-KR" altLang="en-US" sz="1050" i="1">
+                            <a:latin typeface="Cambria Math" panose="02040503050406030204" pitchFamily="18" charset="0"/>
+                          </a:rPr>
+                          <m:t>억</m:t>
+                        </m:r>
+                        <m:r>
+                          <a:rPr lang="en-US" altLang="ko-KR" sz="1050" b="0" i="1" smtClean="0">
+                            <a:latin typeface="Cambria Math" panose="02040503050406030204" pitchFamily="18" charset="0"/>
+                          </a:rPr>
+                          <m:t> </m:t>
+                        </m:r>
+                        <m:r>
+                          <a:rPr lang="ko-KR" altLang="en-US" sz="1050" i="1">
+                            <a:latin typeface="Cambria Math" panose="02040503050406030204" pitchFamily="18" charset="0"/>
+                          </a:rPr>
+                          <m:t>원</m:t>
+                        </m:r>
+                      </m:num>
+                      <m:den>
+                        <m:r>
+                          <a:rPr lang="en-US" altLang="ko-KR" sz="1050" b="0" i="1" smtClean="0">
+                            <a:latin typeface="Cambria Math" panose="02040503050406030204" pitchFamily="18" charset="0"/>
+                          </a:rPr>
+                          <m:t>50</m:t>
+                        </m:r>
+                        <m:r>
+                          <a:rPr lang="ko-KR" altLang="en-US" sz="1050" i="1">
+                            <a:latin typeface="Cambria Math" panose="02040503050406030204" pitchFamily="18" charset="0"/>
+                          </a:rPr>
+                          <m:t>억</m:t>
+                        </m:r>
+                        <m:r>
+                          <a:rPr lang="en-US" altLang="ko-KR" sz="1050" b="0" i="1" smtClean="0">
+                            <a:latin typeface="Cambria Math" panose="02040503050406030204" pitchFamily="18" charset="0"/>
+                          </a:rPr>
+                          <m:t> </m:t>
+                        </m:r>
+                        <m:r>
+                          <a:rPr lang="ko-KR" altLang="en-US" sz="1050" i="1">
+                            <a:latin typeface="Cambria Math" panose="02040503050406030204" pitchFamily="18" charset="0"/>
+                          </a:rPr>
+                          <m:t>원</m:t>
+                        </m:r>
+                      </m:den>
+                    </m:f>
+                    <m:r>
+                      <a:rPr lang="en-US" sz="1050" i="1" smtClean="0">
+                        <a:latin typeface="Cambria Math" panose="02040503050406030204" pitchFamily="18" charset="0"/>
+                        <a:ea typeface="Cambria Math" panose="02040503050406030204" pitchFamily="18" charset="0"/>
+                      </a:rPr>
+                      <m:t>×</m:t>
+                    </m:r>
+                    <m:r>
+                      <a:rPr lang="en-US" sz="1050" b="0" i="1" smtClean="0">
+                        <a:latin typeface="Cambria Math" panose="02040503050406030204" pitchFamily="18" charset="0"/>
+                        <a:ea typeface="Cambria Math" panose="02040503050406030204" pitchFamily="18" charset="0"/>
+                      </a:rPr>
+                      <m:t>100</m:t>
+                    </m:r>
+                  </m:oMath>
+                </a14:m>
+                <a:r>
+                  <a:rPr lang="en-US" sz="1050" dirty="0">
+                    <a:latin typeface="+mn-ea"/>
+                  </a:rPr>
+                  <a:t> </a:t>
+                </a:r>
+                <a14:m>
+                  <m:oMath xmlns:m="http://schemas.openxmlformats.org/officeDocument/2006/math">
+                    <m:r>
+                      <a:rPr lang="en-US" sz="1050" i="1" dirty="0" smtClean="0">
+                        <a:latin typeface="Cambria Math" panose="02040503050406030204" pitchFamily="18" charset="0"/>
+                        <a:ea typeface="Cambria Math" panose="02040503050406030204" pitchFamily="18" charset="0"/>
+                      </a:rPr>
+                      <m:t>=</m:t>
+                    </m:r>
+                    <m:r>
+                      <a:rPr lang="en-US" sz="1050" b="0" i="1" dirty="0" smtClean="0">
+                        <a:latin typeface="Cambria Math" panose="02040503050406030204" pitchFamily="18" charset="0"/>
+                        <a:ea typeface="Cambria Math" panose="02040503050406030204" pitchFamily="18" charset="0"/>
+                      </a:rPr>
+                      <m:t>200%</m:t>
+                    </m:r>
+                  </m:oMath>
+                </a14:m>
+                <a:endParaRPr lang="en-US" sz="1050" dirty="0">
+                  <a:latin typeface="+mn-ea"/>
+                </a:endParaRPr>
+              </a:p>
+            </p:txBody>
+          </p:sp>
+        </mc:Choice>
+        <mc:Fallback xmlns="">
+          <p:sp>
+            <p:nvSpPr>
+              <p:cNvPr id="5" name="TextBox 4">
+                <a:extLst>
+                  <a:ext uri="{FF2B5EF4-FFF2-40B4-BE49-F238E27FC236}">
+                    <a16:creationId xmlns:a16="http://schemas.microsoft.com/office/drawing/2014/main" id="{45DB3CD6-AB14-4F05-BF08-6E510A2254A8}"/>
+                  </a:ext>
+                </a:extLst>
+              </p:cNvPr>
+              <p:cNvSpPr txBox="1">
+                <a:spLocks noRot="1" noChangeAspect="1" noMove="1" noResize="1" noEditPoints="1" noAdjustHandles="1" noChangeArrowheads="1" noChangeShapeType="1" noTextEdit="1"/>
+              </p:cNvSpPr>
+              <p:nvPr/>
+            </p:nvSpPr>
+            <p:spPr>
+              <a:xfrm>
+                <a:off x="788563" y="2011112"/>
+                <a:ext cx="2214693" cy="315023"/>
+              </a:xfrm>
+              <a:prstGeom prst="rect">
+                <a:avLst/>
+              </a:prstGeom>
+              <a:blipFill>
+                <a:blip r:embed="rId3"/>
+                <a:stretch>
+                  <a:fillRect t="-5769" b="-19231"/>
+                </a:stretch>
+              </a:blipFill>
+            </p:spPr>
+            <p:txBody>
+              <a:bodyPr/>
+              <a:lstStyle/>
+              <a:p>
+                <a:r>
+                  <a:rPr lang="en-US">
+                    <a:noFill/>
+                  </a:rPr>
+                  <a:t> </a:t>
+                </a:r>
+              </a:p>
+            </p:txBody>
+          </p:sp>
+        </mc:Fallback>
+      </mc:AlternateContent>
+      <mc:AlternateContent xmlns:mc="http://schemas.openxmlformats.org/markup-compatibility/2006" xmlns:a14="http://schemas.microsoft.com/office/drawing/2010/main">
+        <mc:Choice Requires="a14">
+          <p:sp>
+            <p:nvSpPr>
+              <p:cNvPr id="6" name="TextBox 5">
+                <a:extLst>
+                  <a:ext uri="{FF2B5EF4-FFF2-40B4-BE49-F238E27FC236}">
+                    <a16:creationId xmlns:a16="http://schemas.microsoft.com/office/drawing/2014/main" id="{A0EEABF6-7779-4FE1-862F-63AFC592FD20}"/>
+                  </a:ext>
+                </a:extLst>
+              </p:cNvPr>
+              <p:cNvSpPr txBox="1"/>
+              <p:nvPr/>
+            </p:nvSpPr>
+            <p:spPr>
+              <a:xfrm>
+                <a:off x="788562" y="2610817"/>
+                <a:ext cx="2214693" cy="315023"/>
+              </a:xfrm>
+              <a:prstGeom prst="rect">
+                <a:avLst/>
+              </a:prstGeom>
+              <a:noFill/>
+            </p:spPr>
+            <p:txBody>
+              <a:bodyPr wrap="square" lIns="0" tIns="0" rIns="0" bIns="0" rtlCol="0">
+                <a:spAutoFit/>
+              </a:bodyPr>
+              <a:lstStyle/>
+              <a:p>
+                <a:pPr algn="ctr"/>
+                <a14:m>
+                  <m:oMath xmlns:m="http://schemas.openxmlformats.org/officeDocument/2006/math">
+                    <m:f>
+                      <m:fPr>
+                        <m:ctrlPr>
+                          <a:rPr lang="en-US" sz="1050" i="1" smtClean="0">
+                            <a:latin typeface="Cambria Math" panose="02040503050406030204" pitchFamily="18" charset="0"/>
+                          </a:rPr>
+                        </m:ctrlPr>
+                      </m:fPr>
+                      <m:num>
+                        <m:r>
+                          <a:rPr lang="en-US" altLang="ko-KR" sz="1050" b="0" i="1" smtClean="0">
+                            <a:latin typeface="Cambria Math" panose="02040503050406030204" pitchFamily="18" charset="0"/>
+                          </a:rPr>
+                          <m:t>50</m:t>
+                        </m:r>
+                        <m:r>
+                          <a:rPr lang="ko-KR" altLang="en-US" sz="1050" i="1">
+                            <a:latin typeface="Cambria Math" panose="02040503050406030204" pitchFamily="18" charset="0"/>
+                          </a:rPr>
+                          <m:t>억</m:t>
+                        </m:r>
+                        <m:r>
+                          <a:rPr lang="en-US" altLang="ko-KR" sz="1050" b="0" i="1" smtClean="0">
+                            <a:latin typeface="Cambria Math" panose="02040503050406030204" pitchFamily="18" charset="0"/>
+                          </a:rPr>
+                          <m:t> </m:t>
+                        </m:r>
+                        <m:r>
+                          <a:rPr lang="ko-KR" altLang="en-US" sz="1050" i="1">
+                            <a:latin typeface="Cambria Math" panose="02040503050406030204" pitchFamily="18" charset="0"/>
+                          </a:rPr>
+                          <m:t>원</m:t>
+                        </m:r>
+                      </m:num>
+                      <m:den>
+                        <m:r>
+                          <a:rPr lang="en-US" altLang="ko-KR" sz="1050" b="0" i="1" smtClean="0">
+                            <a:latin typeface="Cambria Math" panose="02040503050406030204" pitchFamily="18" charset="0"/>
+                          </a:rPr>
+                          <m:t>200</m:t>
+                        </m:r>
+                        <m:r>
+                          <a:rPr lang="ko-KR" altLang="en-US" sz="1050" i="1">
+                            <a:latin typeface="Cambria Math" panose="02040503050406030204" pitchFamily="18" charset="0"/>
+                          </a:rPr>
+                          <m:t>억</m:t>
+                        </m:r>
+                        <m:r>
+                          <a:rPr lang="en-US" altLang="ko-KR" sz="1050" b="0" i="1" smtClean="0">
+                            <a:latin typeface="Cambria Math" panose="02040503050406030204" pitchFamily="18" charset="0"/>
+                          </a:rPr>
+                          <m:t> </m:t>
+                        </m:r>
+                        <m:r>
+                          <a:rPr lang="ko-KR" altLang="en-US" sz="1050" i="1">
+                            <a:latin typeface="Cambria Math" panose="02040503050406030204" pitchFamily="18" charset="0"/>
+                          </a:rPr>
+                          <m:t>원</m:t>
+                        </m:r>
+                      </m:den>
+                    </m:f>
+                    <m:r>
+                      <a:rPr lang="en-US" sz="1050" i="1" smtClean="0">
+                        <a:latin typeface="Cambria Math" panose="02040503050406030204" pitchFamily="18" charset="0"/>
+                        <a:ea typeface="Cambria Math" panose="02040503050406030204" pitchFamily="18" charset="0"/>
+                      </a:rPr>
+                      <m:t>×</m:t>
+                    </m:r>
+                    <m:r>
+                      <a:rPr lang="en-US" sz="1050" b="0" i="1" smtClean="0">
+                        <a:latin typeface="Cambria Math" panose="02040503050406030204" pitchFamily="18" charset="0"/>
+                        <a:ea typeface="Cambria Math" panose="02040503050406030204" pitchFamily="18" charset="0"/>
+                      </a:rPr>
+                      <m:t>100</m:t>
+                    </m:r>
+                  </m:oMath>
+                </a14:m>
+                <a:r>
+                  <a:rPr lang="en-US" sz="1050" dirty="0">
+                    <a:latin typeface="+mn-ea"/>
+                  </a:rPr>
+                  <a:t> </a:t>
+                </a:r>
+                <a14:m>
+                  <m:oMath xmlns:m="http://schemas.openxmlformats.org/officeDocument/2006/math">
+                    <m:r>
+                      <a:rPr lang="en-US" sz="1050" i="1" dirty="0" smtClean="0">
+                        <a:latin typeface="Cambria Math" panose="02040503050406030204" pitchFamily="18" charset="0"/>
+                        <a:ea typeface="Cambria Math" panose="02040503050406030204" pitchFamily="18" charset="0"/>
+                      </a:rPr>
+                      <m:t>=</m:t>
+                    </m:r>
+                    <m:r>
+                      <a:rPr lang="en-US" sz="1050" b="0" i="1" dirty="0" smtClean="0">
+                        <a:latin typeface="Cambria Math" panose="02040503050406030204" pitchFamily="18" charset="0"/>
+                        <a:ea typeface="Cambria Math" panose="02040503050406030204" pitchFamily="18" charset="0"/>
+                      </a:rPr>
+                      <m:t>25%</m:t>
+                    </m:r>
+                  </m:oMath>
+                </a14:m>
+                <a:endParaRPr lang="en-US" sz="1050" dirty="0">
+                  <a:latin typeface="+mn-ea"/>
+                </a:endParaRPr>
+              </a:p>
+            </p:txBody>
+          </p:sp>
+        </mc:Choice>
+        <mc:Fallback xmlns="">
+          <p:sp>
+            <p:nvSpPr>
+              <p:cNvPr id="6" name="TextBox 5">
+                <a:extLst>
+                  <a:ext uri="{FF2B5EF4-FFF2-40B4-BE49-F238E27FC236}">
+                    <a16:creationId xmlns:a16="http://schemas.microsoft.com/office/drawing/2014/main" id="{A0EEABF6-7779-4FE1-862F-63AFC592FD20}"/>
+                  </a:ext>
+                </a:extLst>
+              </p:cNvPr>
+              <p:cNvSpPr txBox="1">
+                <a:spLocks noRot="1" noChangeAspect="1" noMove="1" noResize="1" noEditPoints="1" noAdjustHandles="1" noChangeArrowheads="1" noChangeShapeType="1" noTextEdit="1"/>
+              </p:cNvSpPr>
+              <p:nvPr/>
+            </p:nvSpPr>
+            <p:spPr>
+              <a:xfrm>
+                <a:off x="788562" y="2610817"/>
+                <a:ext cx="2214693" cy="315023"/>
+              </a:xfrm>
+              <a:prstGeom prst="rect">
+                <a:avLst/>
+              </a:prstGeom>
+              <a:blipFill>
+                <a:blip r:embed="rId4"/>
+                <a:stretch>
+                  <a:fillRect t="-3846" b="-19231"/>
+                </a:stretch>
+              </a:blipFill>
+            </p:spPr>
+            <p:txBody>
+              <a:bodyPr/>
+              <a:lstStyle/>
+              <a:p>
+                <a:r>
+                  <a:rPr lang="en-US">
+                    <a:noFill/>
+                  </a:rPr>
+                  <a:t> </a:t>
+                </a:r>
+              </a:p>
+            </p:txBody>
+          </p:sp>
+        </mc:Fallback>
+      </mc:AlternateContent>
+      <mc:AlternateContent xmlns:mc="http://schemas.openxmlformats.org/markup-compatibility/2006">
+        <mc:Choice xmlns:a14="http://schemas.microsoft.com/office/drawing/2010/main" Requires="a14">
+          <p:sp>
+            <p:nvSpPr>
+              <p:cNvPr id="7" name="TextBox 6">
+                <a:extLst>
+                  <a:ext uri="{FF2B5EF4-FFF2-40B4-BE49-F238E27FC236}">
+                    <a16:creationId xmlns:a16="http://schemas.microsoft.com/office/drawing/2014/main" id="{80868DA8-260B-49E1-8552-AC7AB16C1D80}"/>
+                  </a:ext>
+                </a:extLst>
+              </p:cNvPr>
+              <p:cNvSpPr txBox="1"/>
+              <p:nvPr/>
+            </p:nvSpPr>
+            <p:spPr>
+              <a:xfrm>
+                <a:off x="3726109" y="1379989"/>
+                <a:ext cx="2214693" cy="348237"/>
+              </a:xfrm>
+              <a:prstGeom prst="rect">
+                <a:avLst/>
+              </a:prstGeom>
+              <a:noFill/>
+            </p:spPr>
+            <p:txBody>
+              <a:bodyPr wrap="square" lIns="0" tIns="0" rIns="0" bIns="0" rtlCol="0">
+                <a:spAutoFit/>
+              </a:bodyPr>
+              <a:lstStyle/>
+              <a:p>
+                <a:pPr/>
+                <a14:m>
+                  <m:oMathPara xmlns:m="http://schemas.openxmlformats.org/officeDocument/2006/math">
+                    <m:oMathParaPr>
+                      <m:jc m:val="centerGroup"/>
+                    </m:oMathParaPr>
+                    <m:oMath xmlns:m="http://schemas.openxmlformats.org/officeDocument/2006/math">
+                      <m:r>
+                        <a:rPr lang="ko-KR" altLang="en-US" sz="1050" i="1">
+                          <a:latin typeface="Cambria Math" panose="02040503050406030204" pitchFamily="18" charset="0"/>
+                        </a:rPr>
+                        <m:t>재</m:t>
+                      </m:r>
+                      <m:r>
+                        <a:rPr lang="ko-KR" altLang="en-US" sz="1050" i="1">
+                          <a:latin typeface="Cambria Math" panose="02040503050406030204" pitchFamily="18" charset="0"/>
+                        </a:rPr>
+                        <m:t>고</m:t>
+                      </m:r>
+                      <m:r>
+                        <a:rPr lang="ko-KR" altLang="en-US" sz="1050" i="1">
+                          <a:latin typeface="Cambria Math" panose="02040503050406030204" pitchFamily="18" charset="0"/>
+                        </a:rPr>
+                        <m:t>자</m:t>
+                      </m:r>
+                      <m:r>
+                        <a:rPr lang="ko-KR" altLang="en-US" sz="1050" i="1">
+                          <a:latin typeface="Cambria Math" panose="02040503050406030204" pitchFamily="18" charset="0"/>
+                        </a:rPr>
+                        <m:t>산</m:t>
+                      </m:r>
+                      <m:r>
+                        <a:rPr lang="ko-KR" altLang="en-US" sz="1050" i="1">
+                          <a:latin typeface="Cambria Math" panose="02040503050406030204" pitchFamily="18" charset="0"/>
+                        </a:rPr>
+                        <m:t>회</m:t>
+                      </m:r>
+                      <m:r>
+                        <a:rPr lang="ko-KR" altLang="en-US" sz="1050" i="1">
+                          <a:latin typeface="Cambria Math" panose="02040503050406030204" pitchFamily="18" charset="0"/>
+                        </a:rPr>
+                        <m:t>전</m:t>
+                      </m:r>
+                      <m:r>
+                        <a:rPr lang="ko-KR" altLang="en-US" sz="1050" i="1">
+                          <a:latin typeface="Cambria Math" panose="02040503050406030204" pitchFamily="18" charset="0"/>
+                        </a:rPr>
+                        <m:t>율</m:t>
+                      </m:r>
+                      <m:r>
+                        <a:rPr lang="en-US" sz="1050" i="1" smtClean="0">
+                          <a:latin typeface="Cambria Math" panose="02040503050406030204" pitchFamily="18" charset="0"/>
+                        </a:rPr>
+                        <m:t>=</m:t>
+                      </m:r>
+                      <m:f>
+                        <m:fPr>
+                          <m:ctrlPr>
+                            <a:rPr lang="en-US" sz="1050" i="1" smtClean="0">
+                              <a:latin typeface="Cambria Math" panose="02040503050406030204" pitchFamily="18" charset="0"/>
+                            </a:rPr>
+                          </m:ctrlPr>
+                        </m:fPr>
+                        <m:num>
+                          <m:r>
+                            <a:rPr lang="ko-KR" altLang="en-US" sz="1050" i="1">
+                              <a:latin typeface="Cambria Math" panose="02040503050406030204" pitchFamily="18" charset="0"/>
+                            </a:rPr>
+                            <m:t>매</m:t>
+                          </m:r>
+                          <m:r>
+                            <a:rPr lang="ko-KR" altLang="en-US" sz="1050" i="1" smtClean="0">
+                              <a:latin typeface="Cambria Math" panose="02040503050406030204" pitchFamily="18" charset="0"/>
+                            </a:rPr>
+                            <m:t>출</m:t>
+                          </m:r>
+                          <m:r>
+                            <a:rPr lang="ko-KR" altLang="en-US" sz="1050" i="1">
+                              <a:latin typeface="Cambria Math" panose="02040503050406030204" pitchFamily="18" charset="0"/>
+                            </a:rPr>
+                            <m:t>원</m:t>
+                          </m:r>
+                          <m:r>
+                            <a:rPr lang="ko-KR" altLang="en-US" sz="1050" i="1" smtClean="0">
+                              <a:latin typeface="Cambria Math" panose="02040503050406030204" pitchFamily="18" charset="0"/>
+                            </a:rPr>
+                            <m:t>가</m:t>
+                          </m:r>
+                        </m:num>
+                        <m:den>
+                          <m:r>
+                            <a:rPr lang="ko-KR" altLang="en-US" sz="1050" i="1">
+                              <a:latin typeface="Cambria Math" panose="02040503050406030204" pitchFamily="18" charset="0"/>
+                            </a:rPr>
+                            <m:t>평</m:t>
+                          </m:r>
+                          <m:r>
+                            <a:rPr lang="ko-KR" altLang="en-US" sz="1050" i="1" smtClean="0">
+                              <a:latin typeface="Cambria Math" panose="02040503050406030204" pitchFamily="18" charset="0"/>
+                            </a:rPr>
+                            <m:t>균</m:t>
+                          </m:r>
+                          <m:r>
+                            <a:rPr lang="ko-KR" altLang="en-US" sz="1050" i="1">
+                              <a:latin typeface="Cambria Math" panose="02040503050406030204" pitchFamily="18" charset="0"/>
+                            </a:rPr>
+                            <m:t>재</m:t>
+                          </m:r>
+                          <m:r>
+                            <a:rPr lang="ko-KR" altLang="en-US" sz="1050" i="1" smtClean="0">
+                              <a:latin typeface="Cambria Math" panose="02040503050406030204" pitchFamily="18" charset="0"/>
+                            </a:rPr>
+                            <m:t>고</m:t>
+                          </m:r>
+                          <m:r>
+                            <a:rPr lang="ko-KR" altLang="en-US" sz="1050" i="1">
+                              <a:latin typeface="Cambria Math" panose="02040503050406030204" pitchFamily="18" charset="0"/>
+                            </a:rPr>
+                            <m:t>자</m:t>
+                          </m:r>
+                          <m:r>
+                            <a:rPr lang="ko-KR" altLang="en-US" sz="1050" i="1" smtClean="0">
+                              <a:latin typeface="Cambria Math" panose="02040503050406030204" pitchFamily="18" charset="0"/>
+                            </a:rPr>
+                            <m:t>산</m:t>
+                          </m:r>
+                        </m:den>
+                      </m:f>
+                    </m:oMath>
+                  </m:oMathPara>
+                </a14:m>
+                <a:endParaRPr lang="en-US" sz="1050" dirty="0">
+                  <a:latin typeface="+mn-ea"/>
+                </a:endParaRPr>
+              </a:p>
+            </p:txBody>
+          </p:sp>
+        </mc:Choice>
+        <mc:Fallback>
+          <p:sp>
+            <p:nvSpPr>
+              <p:cNvPr id="7" name="TextBox 6">
+                <a:extLst>
+                  <a:ext uri="{FF2B5EF4-FFF2-40B4-BE49-F238E27FC236}">
+                    <a16:creationId xmlns:a16="http://schemas.microsoft.com/office/drawing/2014/main" id="{80868DA8-260B-49E1-8552-AC7AB16C1D80}"/>
+                  </a:ext>
+                </a:extLst>
+              </p:cNvPr>
+              <p:cNvSpPr txBox="1">
+                <a:spLocks noRot="1" noChangeAspect="1" noMove="1" noResize="1" noEditPoints="1" noAdjustHandles="1" noChangeArrowheads="1" noChangeShapeType="1" noTextEdit="1"/>
+              </p:cNvSpPr>
+              <p:nvPr/>
+            </p:nvSpPr>
+            <p:spPr>
+              <a:xfrm>
+                <a:off x="3726109" y="1379989"/>
+                <a:ext cx="2214693" cy="348237"/>
+              </a:xfrm>
+              <a:prstGeom prst="rect">
+                <a:avLst/>
+              </a:prstGeom>
+              <a:blipFill>
+                <a:blip r:embed="rId5"/>
+                <a:stretch>
+                  <a:fillRect t="-3448" b="-17241"/>
+                </a:stretch>
+              </a:blipFill>
+            </p:spPr>
+            <p:txBody>
+              <a:bodyPr/>
+              <a:lstStyle/>
+              <a:p>
+                <a:r>
+                  <a:rPr lang="en-US">
+                    <a:noFill/>
+                  </a:rPr>
+                  <a:t> </a:t>
+                </a:r>
+              </a:p>
+            </p:txBody>
+          </p:sp>
+        </mc:Fallback>
+      </mc:AlternateContent>
+      <p:sp>
+        <p:nvSpPr>
+          <p:cNvPr id="8" name="TextBox 7">
+            <a:extLst>
+              <a:ext uri="{FF2B5EF4-FFF2-40B4-BE49-F238E27FC236}">
+                <a16:creationId xmlns:a16="http://schemas.microsoft.com/office/drawing/2014/main" id="{7635A7B5-5F3B-4850-B35E-0B63D9776E67}"/>
+              </a:ext>
+            </a:extLst>
+          </p:cNvPr>
+          <p:cNvSpPr txBox="1"/>
+          <p:nvPr/>
+        </p:nvSpPr>
+        <p:spPr>
+          <a:xfrm>
+            <a:off x="4984459" y="494950"/>
+            <a:ext cx="4874004" cy="253916"/>
+          </a:xfrm>
+          <a:prstGeom prst="rect">
+            <a:avLst/>
+          </a:prstGeom>
+          <a:noFill/>
+        </p:spPr>
+        <p:txBody>
+          <a:bodyPr wrap="square" rtlCol="0">
+            <a:spAutoFit/>
+          </a:bodyPr>
+          <a:lstStyle/>
+          <a:p>
+            <a:r>
+              <a:rPr lang="ko-KR" altLang="en-US" sz="1050" dirty="0"/>
+              <a:t>영업순환과정 </a:t>
+            </a:r>
+            <a:r>
+              <a:rPr lang="en-US" altLang="ko-KR" sz="1050" dirty="0"/>
+              <a:t>: </a:t>
+            </a:r>
+            <a:r>
+              <a:rPr lang="ko-KR" altLang="en-US" sz="1050" dirty="0"/>
+              <a:t>현금 </a:t>
+            </a:r>
+            <a:r>
+              <a:rPr lang="en-US" altLang="ko-KR" sz="1050" dirty="0"/>
+              <a:t>-&gt; </a:t>
+            </a:r>
+            <a:r>
+              <a:rPr lang="ko-KR" altLang="en-US" sz="1050" dirty="0"/>
+              <a:t>재료 </a:t>
+            </a:r>
+            <a:r>
+              <a:rPr lang="en-US" altLang="ko-KR" sz="1050" dirty="0"/>
+              <a:t>-&gt; </a:t>
+            </a:r>
+            <a:r>
+              <a:rPr lang="ko-KR" altLang="en-US" sz="1050" dirty="0"/>
+              <a:t>제품 </a:t>
+            </a:r>
+            <a:r>
+              <a:rPr lang="en-US" altLang="ko-KR" sz="1050" dirty="0"/>
+              <a:t>-&gt; </a:t>
+            </a:r>
+            <a:r>
+              <a:rPr lang="ko-KR" altLang="en-US" sz="1050" dirty="0"/>
+              <a:t>매출채권 </a:t>
+            </a:r>
+            <a:r>
+              <a:rPr lang="en-US" altLang="ko-KR" sz="1050" dirty="0"/>
+              <a:t>-&gt; </a:t>
+            </a:r>
+            <a:r>
+              <a:rPr lang="ko-KR" altLang="en-US" sz="1050" dirty="0"/>
+              <a:t>현금</a:t>
+            </a:r>
+            <a:endParaRPr lang="en-US" sz="1050" dirty="0"/>
+          </a:p>
+        </p:txBody>
+      </p:sp>
+      <mc:AlternateContent xmlns:mc="http://schemas.openxmlformats.org/markup-compatibility/2006">
+        <mc:Choice xmlns:a14="http://schemas.microsoft.com/office/drawing/2010/main" Requires="a14">
+          <p:sp>
+            <p:nvSpPr>
+              <p:cNvPr id="9" name="TextBox 8">
+                <a:extLst>
+                  <a:ext uri="{FF2B5EF4-FFF2-40B4-BE49-F238E27FC236}">
+                    <a16:creationId xmlns:a16="http://schemas.microsoft.com/office/drawing/2014/main" id="{5CFF517F-7AEF-433E-A9AC-1BA3A8DDC658}"/>
+                  </a:ext>
+                </a:extLst>
+              </p:cNvPr>
+              <p:cNvSpPr txBox="1"/>
+              <p:nvPr/>
+            </p:nvSpPr>
+            <p:spPr>
+              <a:xfrm>
+                <a:off x="6314114" y="1379988"/>
+                <a:ext cx="4398627" cy="281295"/>
+              </a:xfrm>
+              <a:prstGeom prst="rect">
+                <a:avLst/>
+              </a:prstGeom>
+              <a:noFill/>
+            </p:spPr>
+            <p:txBody>
+              <a:bodyPr wrap="square" lIns="0" tIns="0" rIns="0" bIns="0" rtlCol="0">
+                <a:spAutoFit/>
+              </a:bodyPr>
+              <a:lstStyle/>
+              <a:p>
+                <a:pPr/>
+                <a14:m>
+                  <m:oMath xmlns:m="http://schemas.openxmlformats.org/officeDocument/2006/math">
+                    <m:r>
+                      <a:rPr lang="ko-KR" altLang="en-US" sz="1050" i="1" smtClean="0">
+                        <a:latin typeface="Cambria Math" panose="02040503050406030204" pitchFamily="18" charset="0"/>
+                      </a:rPr>
+                      <m:t>평</m:t>
+                    </m:r>
+                    <m:r>
+                      <a:rPr lang="ko-KR" altLang="en-US" sz="1050" i="1">
+                        <a:latin typeface="Cambria Math" panose="02040503050406030204" pitchFamily="18" charset="0"/>
+                      </a:rPr>
+                      <m:t>균</m:t>
+                    </m:r>
+                    <m:r>
+                      <a:rPr lang="ko-KR" altLang="en-US" sz="1050" i="1">
+                        <a:latin typeface="Cambria Math" panose="02040503050406030204" pitchFamily="18" charset="0"/>
+                      </a:rPr>
+                      <m:t>재</m:t>
+                    </m:r>
+                    <m:r>
+                      <a:rPr lang="ko-KR" altLang="en-US" sz="1050" i="1">
+                        <a:latin typeface="Cambria Math" panose="02040503050406030204" pitchFamily="18" charset="0"/>
+                      </a:rPr>
+                      <m:t>고</m:t>
+                    </m:r>
+                    <m:r>
+                      <a:rPr lang="ko-KR" altLang="en-US" sz="1050" i="1">
+                        <a:latin typeface="Cambria Math" panose="02040503050406030204" pitchFamily="18" charset="0"/>
+                      </a:rPr>
+                      <m:t>자</m:t>
+                    </m:r>
+                    <m:r>
+                      <a:rPr lang="ko-KR" altLang="en-US" sz="1050" i="1">
+                        <a:latin typeface="Cambria Math" panose="02040503050406030204" pitchFamily="18" charset="0"/>
+                      </a:rPr>
+                      <m:t>산</m:t>
+                    </m:r>
+                    <m:r>
+                      <a:rPr lang="en-US" sz="1050" i="1" smtClean="0">
+                        <a:latin typeface="Cambria Math" panose="02040503050406030204" pitchFamily="18" charset="0"/>
+                      </a:rPr>
+                      <m:t>=</m:t>
+                    </m:r>
+                    <m:f>
+                      <m:fPr>
+                        <m:ctrlPr>
+                          <a:rPr lang="en-US" sz="1050" i="1" smtClean="0">
+                            <a:latin typeface="Cambria Math" panose="02040503050406030204" pitchFamily="18" charset="0"/>
+                          </a:rPr>
+                        </m:ctrlPr>
+                      </m:fPr>
+                      <m:num>
+                        <m:r>
+                          <a:rPr lang="en-US" altLang="ko-KR" sz="1050" b="0" i="1" smtClean="0">
+                            <a:latin typeface="Cambria Math" panose="02040503050406030204" pitchFamily="18" charset="0"/>
+                          </a:rPr>
+                          <m:t>26,766,464</m:t>
+                        </m:r>
+                        <m:r>
+                          <a:rPr lang="ko-KR" altLang="en-US" sz="1050" i="1">
+                            <a:latin typeface="Cambria Math" panose="02040503050406030204" pitchFamily="18" charset="0"/>
+                          </a:rPr>
+                          <m:t>백</m:t>
+                        </m:r>
+                        <m:r>
+                          <a:rPr lang="ko-KR" altLang="en-US" sz="1050" i="1" smtClean="0">
+                            <a:latin typeface="Cambria Math" panose="02040503050406030204" pitchFamily="18" charset="0"/>
+                          </a:rPr>
+                          <m:t>만</m:t>
+                        </m:r>
+                        <m:r>
+                          <a:rPr lang="ko-KR" altLang="en-US" sz="1050" i="1">
+                            <a:latin typeface="Cambria Math" panose="02040503050406030204" pitchFamily="18" charset="0"/>
+                          </a:rPr>
+                          <m:t>원</m:t>
+                        </m:r>
+                        <m:r>
+                          <a:rPr lang="en-US" altLang="ko-KR" sz="1050" b="0" i="1" smtClean="0">
+                            <a:latin typeface="Cambria Math" panose="02040503050406030204" pitchFamily="18" charset="0"/>
+                          </a:rPr>
+                          <m:t>+28,984,704</m:t>
+                        </m:r>
+                        <m:r>
+                          <a:rPr lang="ko-KR" altLang="en-US" sz="1050" i="1">
+                            <a:latin typeface="Cambria Math" panose="02040503050406030204" pitchFamily="18" charset="0"/>
+                          </a:rPr>
+                          <m:t>백</m:t>
+                        </m:r>
+                        <m:r>
+                          <a:rPr lang="ko-KR" altLang="en-US" sz="1050" i="1" smtClean="0">
+                            <a:latin typeface="Cambria Math" panose="02040503050406030204" pitchFamily="18" charset="0"/>
+                          </a:rPr>
+                          <m:t>만</m:t>
+                        </m:r>
+                        <m:r>
+                          <a:rPr lang="ko-KR" altLang="en-US" sz="1050" i="1">
+                            <a:latin typeface="Cambria Math" panose="02040503050406030204" pitchFamily="18" charset="0"/>
+                          </a:rPr>
+                          <m:t>원</m:t>
+                        </m:r>
+                      </m:num>
+                      <m:den>
+                        <m:r>
+                          <a:rPr lang="en-US" altLang="ko-KR" sz="1050" b="0" i="1" smtClean="0">
+                            <a:latin typeface="Cambria Math" panose="02040503050406030204" pitchFamily="18" charset="0"/>
+                          </a:rPr>
+                          <m:t>2</m:t>
+                        </m:r>
+                      </m:den>
+                    </m:f>
+                    <m:r>
+                      <a:rPr lang="en-US" altLang="ko-KR" sz="1050" b="0" i="1" smtClean="0">
+                        <a:latin typeface="Cambria Math" panose="02040503050406030204" pitchFamily="18" charset="0"/>
+                      </a:rPr>
+                      <m:t> </m:t>
+                    </m:r>
+                    <m:r>
+                      <a:rPr lang="en-US" altLang="ko-KR" sz="1050" i="1" smtClean="0">
+                        <a:latin typeface="Cambria Math" panose="02040503050406030204" pitchFamily="18" charset="0"/>
+                        <a:ea typeface="Cambria Math" panose="02040503050406030204" pitchFamily="18" charset="0"/>
+                      </a:rPr>
+                      <m:t>=</m:t>
+                    </m:r>
+                    <m:r>
+                      <a:rPr lang="en-US" altLang="ko-KR" sz="1050" b="0" i="1" smtClean="0">
+                        <a:latin typeface="Cambria Math" panose="02040503050406030204" pitchFamily="18" charset="0"/>
+                        <a:ea typeface="Cambria Math" panose="02040503050406030204" pitchFamily="18" charset="0"/>
+                      </a:rPr>
+                      <m:t>27,875,584</m:t>
+                    </m:r>
+                    <m:r>
+                      <a:rPr lang="ko-KR" altLang="en-US" sz="1050" i="1">
+                        <a:latin typeface="Cambria Math" panose="02040503050406030204" pitchFamily="18" charset="0"/>
+                        <a:ea typeface="Cambria Math" panose="02040503050406030204" pitchFamily="18" charset="0"/>
+                      </a:rPr>
+                      <m:t>백</m:t>
+                    </m:r>
+                  </m:oMath>
+                </a14:m>
+                <a:r>
+                  <a:rPr lang="ko-KR" altLang="en-US" sz="1050" dirty="0">
+                    <a:latin typeface="+mn-ea"/>
+                  </a:rPr>
+                  <a:t>만원</a:t>
+                </a:r>
+                <a:endParaRPr lang="en-US" sz="1050" dirty="0">
+                  <a:latin typeface="+mn-ea"/>
+                </a:endParaRPr>
+              </a:p>
+            </p:txBody>
+          </p:sp>
+        </mc:Choice>
+        <mc:Fallback>
+          <p:sp>
+            <p:nvSpPr>
+              <p:cNvPr id="9" name="TextBox 8">
+                <a:extLst>
+                  <a:ext uri="{FF2B5EF4-FFF2-40B4-BE49-F238E27FC236}">
+                    <a16:creationId xmlns:a16="http://schemas.microsoft.com/office/drawing/2014/main" id="{5CFF517F-7AEF-433E-A9AC-1BA3A8DDC658}"/>
+                  </a:ext>
+                </a:extLst>
+              </p:cNvPr>
+              <p:cNvSpPr txBox="1">
+                <a:spLocks noRot="1" noChangeAspect="1" noMove="1" noResize="1" noEditPoints="1" noAdjustHandles="1" noChangeArrowheads="1" noChangeShapeType="1" noTextEdit="1"/>
+              </p:cNvSpPr>
+              <p:nvPr/>
+            </p:nvSpPr>
+            <p:spPr>
+              <a:xfrm>
+                <a:off x="6314114" y="1379988"/>
+                <a:ext cx="4398627" cy="281295"/>
+              </a:xfrm>
+              <a:prstGeom prst="rect">
+                <a:avLst/>
+              </a:prstGeom>
+              <a:blipFill>
+                <a:blip r:embed="rId6"/>
+                <a:stretch>
+                  <a:fillRect l="-1526" t="-4255" b="-12766"/>
+                </a:stretch>
+              </a:blipFill>
+            </p:spPr>
+            <p:txBody>
+              <a:bodyPr/>
+              <a:lstStyle/>
+              <a:p>
+                <a:r>
+                  <a:rPr lang="en-US">
+                    <a:noFill/>
+                  </a:rPr>
+                  <a:t> </a:t>
+                </a:r>
+              </a:p>
+            </p:txBody>
+          </p:sp>
+        </mc:Fallback>
+      </mc:AlternateContent>
+      <mc:AlternateContent xmlns:mc="http://schemas.openxmlformats.org/markup-compatibility/2006">
+        <mc:Choice xmlns:a14="http://schemas.microsoft.com/office/drawing/2010/main" Requires="a14">
+          <p:sp>
+            <p:nvSpPr>
+              <p:cNvPr id="10" name="TextBox 9">
+                <a:extLst>
+                  <a:ext uri="{FF2B5EF4-FFF2-40B4-BE49-F238E27FC236}">
+                    <a16:creationId xmlns:a16="http://schemas.microsoft.com/office/drawing/2014/main" id="{6BC1B28A-0CB0-490D-93B9-29DF31BFC22C}"/>
+                  </a:ext>
+                </a:extLst>
+              </p:cNvPr>
+              <p:cNvSpPr txBox="1"/>
+              <p:nvPr/>
+            </p:nvSpPr>
+            <p:spPr>
+              <a:xfrm>
+                <a:off x="6137945" y="1944168"/>
+                <a:ext cx="4012734" cy="366062"/>
+              </a:xfrm>
+              <a:prstGeom prst="rect">
+                <a:avLst/>
+              </a:prstGeom>
+              <a:noFill/>
+            </p:spPr>
+            <p:txBody>
+              <a:bodyPr wrap="square" lIns="0" tIns="0" rIns="0" bIns="0" rtlCol="0">
+                <a:spAutoFit/>
+              </a:bodyPr>
+              <a:lstStyle/>
+              <a:p>
+                <a:pPr/>
+                <a14:m>
+                  <m:oMathPara xmlns:m="http://schemas.openxmlformats.org/officeDocument/2006/math">
+                    <m:oMathParaPr>
+                      <m:jc m:val="centerGroup"/>
+                    </m:oMathParaPr>
+                    <m:oMath xmlns:m="http://schemas.openxmlformats.org/officeDocument/2006/math">
+                      <m:r>
+                        <a:rPr lang="ko-KR" altLang="en-US" sz="1050" i="1" smtClean="0">
+                          <a:latin typeface="Cambria Math" panose="02040503050406030204" pitchFamily="18" charset="0"/>
+                        </a:rPr>
+                        <m:t>재</m:t>
+                      </m:r>
+                      <m:r>
+                        <a:rPr lang="ko-KR" altLang="en-US" sz="1050" i="1">
+                          <a:latin typeface="Cambria Math" panose="02040503050406030204" pitchFamily="18" charset="0"/>
+                        </a:rPr>
+                        <m:t>고</m:t>
+                      </m:r>
+                      <m:r>
+                        <a:rPr lang="ko-KR" altLang="en-US" sz="1050" i="1">
+                          <a:latin typeface="Cambria Math" panose="02040503050406030204" pitchFamily="18" charset="0"/>
+                        </a:rPr>
+                        <m:t>자</m:t>
+                      </m:r>
+                      <m:r>
+                        <a:rPr lang="ko-KR" altLang="en-US" sz="1050" i="1">
+                          <a:latin typeface="Cambria Math" panose="02040503050406030204" pitchFamily="18" charset="0"/>
+                        </a:rPr>
+                        <m:t>산</m:t>
+                      </m:r>
+                      <m:r>
+                        <a:rPr lang="ko-KR" altLang="en-US" sz="1050" i="1">
+                          <a:latin typeface="Cambria Math" panose="02040503050406030204" pitchFamily="18" charset="0"/>
+                        </a:rPr>
+                        <m:t>회</m:t>
+                      </m:r>
+                      <m:r>
+                        <a:rPr lang="ko-KR" altLang="en-US" sz="1050" i="1">
+                          <a:latin typeface="Cambria Math" panose="02040503050406030204" pitchFamily="18" charset="0"/>
+                        </a:rPr>
+                        <m:t>전</m:t>
+                      </m:r>
+                      <m:r>
+                        <a:rPr lang="ko-KR" altLang="en-US" sz="1050" i="1">
+                          <a:latin typeface="Cambria Math" panose="02040503050406030204" pitchFamily="18" charset="0"/>
+                        </a:rPr>
+                        <m:t>율</m:t>
+                      </m:r>
+                      <m:r>
+                        <a:rPr lang="en-US" sz="1050" i="1" smtClean="0">
+                          <a:latin typeface="Cambria Math" panose="02040503050406030204" pitchFamily="18" charset="0"/>
+                        </a:rPr>
+                        <m:t>=</m:t>
+                      </m:r>
+                      <m:f>
+                        <m:fPr>
+                          <m:ctrlPr>
+                            <a:rPr lang="en-US" sz="1050" i="1" smtClean="0">
+                              <a:latin typeface="Cambria Math" panose="02040503050406030204" pitchFamily="18" charset="0"/>
+                            </a:rPr>
+                          </m:ctrlPr>
+                        </m:fPr>
+                        <m:num>
+                          <m:r>
+                            <a:rPr lang="ko-KR" altLang="en-US" sz="1050" i="1">
+                              <a:latin typeface="Cambria Math" panose="02040503050406030204" pitchFamily="18" charset="0"/>
+                            </a:rPr>
+                            <m:t>매</m:t>
+                          </m:r>
+                          <m:r>
+                            <a:rPr lang="ko-KR" altLang="en-US" sz="1050" i="1" smtClean="0">
+                              <a:latin typeface="Cambria Math" panose="02040503050406030204" pitchFamily="18" charset="0"/>
+                            </a:rPr>
+                            <m:t>출</m:t>
+                          </m:r>
+                          <m:r>
+                            <a:rPr lang="ko-KR" altLang="en-US" sz="1050" i="1">
+                              <a:latin typeface="Cambria Math" panose="02040503050406030204" pitchFamily="18" charset="0"/>
+                            </a:rPr>
+                            <m:t>원</m:t>
+                          </m:r>
+                          <m:r>
+                            <a:rPr lang="ko-KR" altLang="en-US" sz="1050" i="1" smtClean="0">
+                              <a:latin typeface="Cambria Math" panose="02040503050406030204" pitchFamily="18" charset="0"/>
+                            </a:rPr>
+                            <m:t>가</m:t>
+                          </m:r>
+                          <m:r>
+                            <a:rPr lang="en-US" altLang="ko-KR" sz="1050" b="0" i="1" smtClean="0">
+                              <a:latin typeface="Cambria Math" panose="02040503050406030204" pitchFamily="18" charset="0"/>
+                            </a:rPr>
+                            <m:t>(147,239,549</m:t>
+                          </m:r>
+                          <m:r>
+                            <a:rPr lang="ko-KR" altLang="en-US" sz="1050" i="1">
+                              <a:latin typeface="Cambria Math" panose="02040503050406030204" pitchFamily="18" charset="0"/>
+                            </a:rPr>
+                            <m:t>백</m:t>
+                          </m:r>
+                          <m:r>
+                            <a:rPr lang="ko-KR" altLang="en-US" sz="1050" i="1" smtClean="0">
+                              <a:latin typeface="Cambria Math" panose="02040503050406030204" pitchFamily="18" charset="0"/>
+                            </a:rPr>
+                            <m:t>만</m:t>
+                          </m:r>
+                          <m:r>
+                            <a:rPr lang="ko-KR" altLang="en-US" sz="1050" i="1">
+                              <a:latin typeface="Cambria Math" panose="02040503050406030204" pitchFamily="18" charset="0"/>
+                            </a:rPr>
+                            <m:t>원</m:t>
+                          </m:r>
+                          <m:r>
+                            <a:rPr lang="en-US" altLang="ko-KR" sz="1050" b="0" i="1" smtClean="0">
+                              <a:latin typeface="Cambria Math" panose="02040503050406030204" pitchFamily="18" charset="0"/>
+                            </a:rPr>
+                            <m:t>)</m:t>
+                          </m:r>
+                        </m:num>
+                        <m:den>
+                          <m:r>
+                            <a:rPr lang="ko-KR" altLang="en-US" sz="1050" i="1">
+                              <a:latin typeface="Cambria Math" panose="02040503050406030204" pitchFamily="18" charset="0"/>
+                            </a:rPr>
+                            <m:t>평</m:t>
+                          </m:r>
+                          <m:r>
+                            <a:rPr lang="ko-KR" altLang="en-US" sz="1050" i="1" smtClean="0">
+                              <a:latin typeface="Cambria Math" panose="02040503050406030204" pitchFamily="18" charset="0"/>
+                            </a:rPr>
+                            <m:t>균</m:t>
+                          </m:r>
+                          <m:r>
+                            <a:rPr lang="ko-KR" altLang="en-US" sz="1050" i="1">
+                              <a:latin typeface="Cambria Math" panose="02040503050406030204" pitchFamily="18" charset="0"/>
+                            </a:rPr>
+                            <m:t>재</m:t>
+                          </m:r>
+                          <m:r>
+                            <a:rPr lang="ko-KR" altLang="en-US" sz="1050" i="1" smtClean="0">
+                              <a:latin typeface="Cambria Math" panose="02040503050406030204" pitchFamily="18" charset="0"/>
+                            </a:rPr>
+                            <m:t>고</m:t>
+                          </m:r>
+                          <m:r>
+                            <a:rPr lang="ko-KR" altLang="en-US" sz="1050" i="1">
+                              <a:latin typeface="Cambria Math" panose="02040503050406030204" pitchFamily="18" charset="0"/>
+                            </a:rPr>
+                            <m:t>자</m:t>
+                          </m:r>
+                          <m:r>
+                            <a:rPr lang="ko-KR" altLang="en-US" sz="1050" i="1" smtClean="0">
+                              <a:latin typeface="Cambria Math" panose="02040503050406030204" pitchFamily="18" charset="0"/>
+                            </a:rPr>
+                            <m:t>산</m:t>
+                          </m:r>
+                          <m:r>
+                            <a:rPr lang="en-US" altLang="ko-KR" sz="1050" b="0" i="1" smtClean="0">
+                              <a:latin typeface="Cambria Math" panose="02040503050406030204" pitchFamily="18" charset="0"/>
+                            </a:rPr>
+                            <m:t>(27,875,584</m:t>
+                          </m:r>
+                          <m:r>
+                            <a:rPr lang="ko-KR" altLang="en-US" sz="1050" i="1">
+                              <a:latin typeface="Cambria Math" panose="02040503050406030204" pitchFamily="18" charset="0"/>
+                            </a:rPr>
+                            <m:t>백</m:t>
+                          </m:r>
+                          <m:r>
+                            <a:rPr lang="ko-KR" altLang="en-US" sz="1050" i="1" smtClean="0">
+                              <a:latin typeface="Cambria Math" panose="02040503050406030204" pitchFamily="18" charset="0"/>
+                            </a:rPr>
+                            <m:t>만</m:t>
+                          </m:r>
+                          <m:r>
+                            <a:rPr lang="ko-KR" altLang="en-US" sz="1050" i="1">
+                              <a:latin typeface="Cambria Math" panose="02040503050406030204" pitchFamily="18" charset="0"/>
+                            </a:rPr>
+                            <m:t>원</m:t>
+                          </m:r>
+                          <m:r>
+                            <a:rPr lang="en-US" altLang="ko-KR" sz="1050" b="0" i="1" smtClean="0">
+                              <a:latin typeface="Cambria Math" panose="02040503050406030204" pitchFamily="18" charset="0"/>
+                            </a:rPr>
+                            <m:t>)</m:t>
+                          </m:r>
+                        </m:den>
+                      </m:f>
+                      <m:r>
+                        <a:rPr lang="en-US" altLang="ko-KR" sz="1050" b="0" i="1" smtClean="0">
+                          <a:latin typeface="Cambria Math" panose="02040503050406030204" pitchFamily="18" charset="0"/>
+                        </a:rPr>
+                        <m:t>=5.28</m:t>
+                      </m:r>
+                    </m:oMath>
+                  </m:oMathPara>
+                </a14:m>
+                <a:endParaRPr lang="en-US" sz="1050" dirty="0">
+                  <a:latin typeface="+mn-ea"/>
+                </a:endParaRPr>
+              </a:p>
+            </p:txBody>
+          </p:sp>
+        </mc:Choice>
+        <mc:Fallback>
+          <p:sp>
+            <p:nvSpPr>
+              <p:cNvPr id="10" name="TextBox 9">
+                <a:extLst>
+                  <a:ext uri="{FF2B5EF4-FFF2-40B4-BE49-F238E27FC236}">
+                    <a16:creationId xmlns:a16="http://schemas.microsoft.com/office/drawing/2014/main" id="{6BC1B28A-0CB0-490D-93B9-29DF31BFC22C}"/>
+                  </a:ext>
+                </a:extLst>
+              </p:cNvPr>
+              <p:cNvSpPr txBox="1">
+                <a:spLocks noRot="1" noChangeAspect="1" noMove="1" noResize="1" noEditPoints="1" noAdjustHandles="1" noChangeArrowheads="1" noChangeShapeType="1" noTextEdit="1"/>
+              </p:cNvSpPr>
+              <p:nvPr/>
+            </p:nvSpPr>
+            <p:spPr>
+              <a:xfrm>
+                <a:off x="6137945" y="1944168"/>
+                <a:ext cx="4012734" cy="366062"/>
+              </a:xfrm>
+              <a:prstGeom prst="rect">
+                <a:avLst/>
+              </a:prstGeom>
+              <a:blipFill>
+                <a:blip r:embed="rId7"/>
+                <a:stretch>
+                  <a:fillRect t="-5000" b="-18333"/>
+                </a:stretch>
+              </a:blipFill>
+            </p:spPr>
+            <p:txBody>
+              <a:bodyPr/>
+              <a:lstStyle/>
+              <a:p>
+                <a:r>
+                  <a:rPr lang="en-US">
+                    <a:noFill/>
+                  </a:rPr>
+                  <a:t> </a:t>
+                </a:r>
+              </a:p>
+            </p:txBody>
+          </p:sp>
+        </mc:Fallback>
+      </mc:AlternateContent>
+      <mc:AlternateContent xmlns:mc="http://schemas.openxmlformats.org/markup-compatibility/2006">
+        <mc:Choice xmlns:a14="http://schemas.microsoft.com/office/drawing/2010/main" Requires="a14">
+          <p:sp>
+            <p:nvSpPr>
+              <p:cNvPr id="11" name="TextBox 10">
+                <a:extLst>
+                  <a:ext uri="{FF2B5EF4-FFF2-40B4-BE49-F238E27FC236}">
+                    <a16:creationId xmlns:a16="http://schemas.microsoft.com/office/drawing/2014/main" id="{2902674C-AA9C-4FDD-B0EC-4CE2FCEE66A5}"/>
+                  </a:ext>
+                </a:extLst>
+              </p:cNvPr>
+              <p:cNvSpPr txBox="1"/>
+              <p:nvPr/>
+            </p:nvSpPr>
+            <p:spPr>
+              <a:xfrm>
+                <a:off x="3726108" y="2035975"/>
+                <a:ext cx="2369892" cy="327782"/>
+              </a:xfrm>
+              <a:prstGeom prst="rect">
+                <a:avLst/>
+              </a:prstGeom>
+              <a:noFill/>
+            </p:spPr>
+            <p:txBody>
+              <a:bodyPr wrap="square" lIns="0" tIns="0" rIns="0" bIns="0" rtlCol="0">
+                <a:spAutoFit/>
+              </a:bodyPr>
+              <a:lstStyle/>
+              <a:p>
+                <a:pPr/>
+                <a14:m>
+                  <m:oMathPara xmlns:m="http://schemas.openxmlformats.org/officeDocument/2006/math">
+                    <m:oMathParaPr>
+                      <m:jc m:val="centerGroup"/>
+                    </m:oMathParaPr>
+                    <m:oMath xmlns:m="http://schemas.openxmlformats.org/officeDocument/2006/math">
+                      <m:r>
+                        <a:rPr lang="ko-KR" altLang="en-US" sz="1050" i="1" smtClean="0">
+                          <a:latin typeface="+mn-ea"/>
+                        </a:rPr>
+                        <m:t>재</m:t>
+                      </m:r>
+                      <m:r>
+                        <a:rPr lang="ko-KR" altLang="en-US" sz="1050" i="1">
+                          <a:latin typeface="+mn-ea"/>
+                        </a:rPr>
+                        <m:t>고</m:t>
+                      </m:r>
+                      <m:r>
+                        <a:rPr lang="ko-KR" altLang="en-US" sz="1050" i="1">
+                          <a:latin typeface="+mn-ea"/>
+                        </a:rPr>
+                        <m:t>자</m:t>
+                      </m:r>
+                      <m:r>
+                        <a:rPr lang="ko-KR" altLang="en-US" sz="1050" i="1">
+                          <a:latin typeface="+mn-ea"/>
+                        </a:rPr>
+                        <m:t>산</m:t>
+                      </m:r>
+                      <m:r>
+                        <a:rPr lang="ko-KR" altLang="en-US" sz="1050" i="1">
+                          <a:latin typeface="+mn-ea"/>
+                        </a:rPr>
+                        <m:t>회</m:t>
+                      </m:r>
+                      <m:r>
+                        <a:rPr lang="ko-KR" altLang="en-US" sz="1050" i="1">
+                          <a:latin typeface="+mn-ea"/>
+                        </a:rPr>
+                        <m:t>전</m:t>
+                      </m:r>
+                      <m:r>
+                        <a:rPr lang="ko-KR" altLang="en-US" sz="1050" i="1">
+                          <a:latin typeface="+mn-ea"/>
+                        </a:rPr>
+                        <m:t>일</m:t>
+                      </m:r>
+                      <m:r>
+                        <a:rPr lang="ko-KR" altLang="en-US" sz="1050" i="1">
+                          <a:latin typeface="+mn-ea"/>
+                        </a:rPr>
+                        <m:t>수</m:t>
+                      </m:r>
+                      <m:r>
+                        <a:rPr lang="en-US" sz="1050" i="1" smtClean="0">
+                          <a:latin typeface="+mn-ea"/>
+                        </a:rPr>
+                        <m:t>=</m:t>
+                      </m:r>
+                      <m:f>
+                        <m:fPr>
+                          <m:ctrlPr>
+                            <a:rPr lang="en-US" sz="1050" i="1" smtClean="0">
+                              <a:latin typeface="+mn-ea"/>
+                            </a:rPr>
+                          </m:ctrlPr>
+                        </m:fPr>
+                        <m:num>
+                          <m:r>
+                            <a:rPr lang="en-US" altLang="ko-KR" sz="1050" b="0" i="1" smtClean="0">
+                              <a:latin typeface="+mn-ea"/>
+                            </a:rPr>
+                            <m:t>365</m:t>
+                          </m:r>
+                          <m:r>
+                            <a:rPr lang="ko-KR" altLang="en-US" sz="1050" i="1">
+                              <a:latin typeface="+mn-ea"/>
+                            </a:rPr>
+                            <m:t>일</m:t>
+                          </m:r>
+                        </m:num>
+                        <m:den>
+                          <m:r>
+                            <a:rPr lang="en-US" altLang="ko-KR" sz="1050" b="0" i="1" smtClean="0">
+                              <a:latin typeface="+mn-ea"/>
+                            </a:rPr>
+                            <m:t>5.28</m:t>
+                          </m:r>
+                        </m:den>
+                      </m:f>
+                      <m:r>
+                        <a:rPr lang="en-US" altLang="ko-KR" sz="1050" b="0" i="1" smtClean="0">
+                          <a:latin typeface="+mn-ea"/>
+                        </a:rPr>
+                        <m:t> =69</m:t>
+                      </m:r>
+                      <m:r>
+                        <a:rPr lang="ko-KR" altLang="en-US" sz="1050" i="1">
+                          <a:latin typeface="+mn-ea"/>
+                        </a:rPr>
+                        <m:t>일</m:t>
+                      </m:r>
+                    </m:oMath>
+                  </m:oMathPara>
+                </a14:m>
+                <a:endParaRPr lang="en-US" sz="1050" dirty="0">
+                  <a:latin typeface="+mn-ea"/>
+                </a:endParaRPr>
+              </a:p>
+            </p:txBody>
+          </p:sp>
+        </mc:Choice>
+        <mc:Fallback>
+          <p:sp>
+            <p:nvSpPr>
+              <p:cNvPr id="11" name="TextBox 10">
+                <a:extLst>
+                  <a:ext uri="{FF2B5EF4-FFF2-40B4-BE49-F238E27FC236}">
+                    <a16:creationId xmlns:a16="http://schemas.microsoft.com/office/drawing/2014/main" id="{2902674C-AA9C-4FDD-B0EC-4CE2FCEE66A5}"/>
+                  </a:ext>
+                </a:extLst>
+              </p:cNvPr>
+              <p:cNvSpPr txBox="1">
+                <a:spLocks noRot="1" noChangeAspect="1" noMove="1" noResize="1" noEditPoints="1" noAdjustHandles="1" noChangeArrowheads="1" noChangeShapeType="1" noTextEdit="1"/>
+              </p:cNvSpPr>
+              <p:nvPr/>
+            </p:nvSpPr>
+            <p:spPr>
+              <a:xfrm>
+                <a:off x="3726108" y="2035975"/>
+                <a:ext cx="2369892" cy="327782"/>
+              </a:xfrm>
+              <a:prstGeom prst="rect">
+                <a:avLst/>
+              </a:prstGeom>
+              <a:blipFill>
+                <a:blip r:embed="rId8"/>
+                <a:stretch>
+                  <a:fillRect t="-7407" b="-12963"/>
+                </a:stretch>
+              </a:blipFill>
+            </p:spPr>
+            <p:txBody>
+              <a:bodyPr/>
+              <a:lstStyle/>
+              <a:p>
+                <a:r>
+                  <a:rPr lang="en-US">
+                    <a:noFill/>
+                  </a:rPr>
+                  <a:t> </a:t>
+                </a:r>
+              </a:p>
+            </p:txBody>
+          </p:sp>
+        </mc:Fallback>
+      </mc:AlternateContent>
     </p:spTree>
     <p:extLst>
       <p:ext uri="{BB962C8B-B14F-4D97-AF65-F5344CB8AC3E}">

--- a/template.pptx
+++ b/template.pptx
@@ -9,6 +9,10 @@
     <p:sldId id="257" r:id="rId3"/>
     <p:sldId id="258" r:id="rId4"/>
     <p:sldId id="259" r:id="rId5"/>
+    <p:sldId id="260" r:id="rId6"/>
+    <p:sldId id="261" r:id="rId7"/>
+    <p:sldId id="262" r:id="rId8"/>
+    <p:sldId id="263" r:id="rId9"/>
   </p:sldIdLst>
   <p:sldSz cx="12192000" cy="6858000"/>
   <p:notesSz cx="6858000" cy="9144000"/>
@@ -262,7 +266,7 @@
           <a:p>
             <a:fld id="{9C49C79F-C03E-4FD1-A1B8-F006867CD767}" type="datetimeFigureOut">
               <a:rPr lang="en-US" smtClean="0"/>
-              <a:t>4/3/2022</a:t>
+              <a:t>4/19/2024</a:t>
             </a:fld>
             <a:endParaRPr lang="en-US"/>
           </a:p>
@@ -460,7 +464,7 @@
           <a:p>
             <a:fld id="{9C49C79F-C03E-4FD1-A1B8-F006867CD767}" type="datetimeFigureOut">
               <a:rPr lang="en-US" smtClean="0"/>
-              <a:t>4/3/2022</a:t>
+              <a:t>4/19/2024</a:t>
             </a:fld>
             <a:endParaRPr lang="en-US"/>
           </a:p>
@@ -668,7 +672,7 @@
           <a:p>
             <a:fld id="{9C49C79F-C03E-4FD1-A1B8-F006867CD767}" type="datetimeFigureOut">
               <a:rPr lang="en-US" smtClean="0"/>
-              <a:t>4/3/2022</a:t>
+              <a:t>4/19/2024</a:t>
             </a:fld>
             <a:endParaRPr lang="en-US"/>
           </a:p>
@@ -866,7 +870,7 @@
           <a:p>
             <a:fld id="{9C49C79F-C03E-4FD1-A1B8-F006867CD767}" type="datetimeFigureOut">
               <a:rPr lang="en-US" smtClean="0"/>
-              <a:t>4/3/2022</a:t>
+              <a:t>4/19/2024</a:t>
             </a:fld>
             <a:endParaRPr lang="en-US"/>
           </a:p>
@@ -1141,7 +1145,7 @@
           <a:p>
             <a:fld id="{9C49C79F-C03E-4FD1-A1B8-F006867CD767}" type="datetimeFigureOut">
               <a:rPr lang="en-US" smtClean="0"/>
-              <a:t>4/3/2022</a:t>
+              <a:t>4/19/2024</a:t>
             </a:fld>
             <a:endParaRPr lang="en-US"/>
           </a:p>
@@ -1406,7 +1410,7 @@
           <a:p>
             <a:fld id="{9C49C79F-C03E-4FD1-A1B8-F006867CD767}" type="datetimeFigureOut">
               <a:rPr lang="en-US" smtClean="0"/>
-              <a:t>4/3/2022</a:t>
+              <a:t>4/19/2024</a:t>
             </a:fld>
             <a:endParaRPr lang="en-US"/>
           </a:p>
@@ -1818,7 +1822,7 @@
           <a:p>
             <a:fld id="{9C49C79F-C03E-4FD1-A1B8-F006867CD767}" type="datetimeFigureOut">
               <a:rPr lang="en-US" smtClean="0"/>
-              <a:t>4/3/2022</a:t>
+              <a:t>4/19/2024</a:t>
             </a:fld>
             <a:endParaRPr lang="en-US"/>
           </a:p>
@@ -1959,7 +1963,7 @@
           <a:p>
             <a:fld id="{9C49C79F-C03E-4FD1-A1B8-F006867CD767}" type="datetimeFigureOut">
               <a:rPr lang="en-US" smtClean="0"/>
-              <a:t>4/3/2022</a:t>
+              <a:t>4/19/2024</a:t>
             </a:fld>
             <a:endParaRPr lang="en-US"/>
           </a:p>
@@ -2072,7 +2076,7 @@
           <a:p>
             <a:fld id="{9C49C79F-C03E-4FD1-A1B8-F006867CD767}" type="datetimeFigureOut">
               <a:rPr lang="en-US" smtClean="0"/>
-              <a:t>4/3/2022</a:t>
+              <a:t>4/19/2024</a:t>
             </a:fld>
             <a:endParaRPr lang="en-US"/>
           </a:p>
@@ -2383,7 +2387,7 @@
           <a:p>
             <a:fld id="{9C49C79F-C03E-4FD1-A1B8-F006867CD767}" type="datetimeFigureOut">
               <a:rPr lang="en-US" smtClean="0"/>
-              <a:t>4/3/2022</a:t>
+              <a:t>4/19/2024</a:t>
             </a:fld>
             <a:endParaRPr lang="en-US"/>
           </a:p>
@@ -2671,7 +2675,7 @@
           <a:p>
             <a:fld id="{9C49C79F-C03E-4FD1-A1B8-F006867CD767}" type="datetimeFigureOut">
               <a:rPr lang="en-US" smtClean="0"/>
-              <a:t>4/3/2022</a:t>
+              <a:t>4/19/2024</a:t>
             </a:fld>
             <a:endParaRPr lang="en-US"/>
           </a:p>
@@ -2912,7 +2916,7 @@
           <a:p>
             <a:fld id="{9C49C79F-C03E-4FD1-A1B8-F006867CD767}" type="datetimeFigureOut">
               <a:rPr lang="en-US" smtClean="0"/>
-              <a:t>4/3/2022</a:t>
+              <a:t>4/19/2024</a:t>
             </a:fld>
             <a:endParaRPr lang="en-US"/>
           </a:p>
@@ -7975,8 +7979,8 @@
           </p:sp>
         </mc:Fallback>
       </mc:AlternateContent>
-      <mc:AlternateContent xmlns:mc="http://schemas.openxmlformats.org/markup-compatibility/2006">
-        <mc:Choice xmlns:a14="http://schemas.microsoft.com/office/drawing/2010/main" Requires="a14">
+      <mc:AlternateContent xmlns:mc="http://schemas.openxmlformats.org/markup-compatibility/2006" xmlns:a14="http://schemas.microsoft.com/office/drawing/2010/main">
+        <mc:Choice Requires="a14">
           <p:sp>
             <p:nvSpPr>
               <p:cNvPr id="7" name="TextBox 6">
@@ -8016,43 +8020,7 @@
                         <a:rPr lang="ko-KR" altLang="en-US" sz="1050" i="1">
                           <a:latin typeface="Cambria Math" panose="02040503050406030204" pitchFamily="18" charset="0"/>
                         </a:rPr>
-                        <m:t>재</m:t>
-                      </m:r>
-                      <m:r>
-                        <a:rPr lang="ko-KR" altLang="en-US" sz="1050" i="1">
-                          <a:latin typeface="Cambria Math" panose="02040503050406030204" pitchFamily="18" charset="0"/>
-                        </a:rPr>
-                        <m:t>고</m:t>
-                      </m:r>
-                      <m:r>
-                        <a:rPr lang="ko-KR" altLang="en-US" sz="1050" i="1">
-                          <a:latin typeface="Cambria Math" panose="02040503050406030204" pitchFamily="18" charset="0"/>
-                        </a:rPr>
-                        <m:t>자</m:t>
-                      </m:r>
-                      <m:r>
-                        <a:rPr lang="ko-KR" altLang="en-US" sz="1050" i="1">
-                          <a:latin typeface="Cambria Math" panose="02040503050406030204" pitchFamily="18" charset="0"/>
-                        </a:rPr>
-                        <m:t>산</m:t>
-                      </m:r>
-                      <m:r>
-                        <a:rPr lang="ko-KR" altLang="en-US" sz="1050" i="1">
-                          <a:latin typeface="Cambria Math" panose="02040503050406030204" pitchFamily="18" charset="0"/>
-                        </a:rPr>
-                        <m:t>회</m:t>
-                      </m:r>
-                      <m:r>
-                        <a:rPr lang="ko-KR" altLang="en-US" sz="1050" i="1">
-                          <a:latin typeface="Cambria Math" panose="02040503050406030204" pitchFamily="18" charset="0"/>
-                        </a:rPr>
-                        <m:t>전</m:t>
-                      </m:r>
-                      <m:r>
-                        <a:rPr lang="ko-KR" altLang="en-US" sz="1050" i="1">
-                          <a:latin typeface="Cambria Math" panose="02040503050406030204" pitchFamily="18" charset="0"/>
-                        </a:rPr>
-                        <m:t>율</m:t>
+                        <m:t>재고자산회전율</m:t>
                       </m:r>
                       <m:r>
                         <a:rPr lang="en-US" sz="1050" i="1" smtClean="0">
@@ -8143,7 +8111,7 @@
             </p:txBody>
           </p:sp>
         </mc:Choice>
-        <mc:Fallback>
+        <mc:Fallback xmlns="">
           <p:sp>
             <p:nvSpPr>
               <p:cNvPr id="7" name="TextBox 6">
@@ -8264,8 +8232,8 @@
           </a:p>
         </p:txBody>
       </p:sp>
-      <mc:AlternateContent xmlns:mc="http://schemas.openxmlformats.org/markup-compatibility/2006">
-        <mc:Choice xmlns:a14="http://schemas.microsoft.com/office/drawing/2010/main" Requires="a14">
+      <mc:AlternateContent xmlns:mc="http://schemas.openxmlformats.org/markup-compatibility/2006" xmlns:a14="http://schemas.microsoft.com/office/drawing/2010/main">
+        <mc:Choice Requires="a14">
           <p:sp>
             <p:nvSpPr>
               <p:cNvPr id="9" name="TextBox 8">
@@ -8294,7 +8262,6 @@
               </a:bodyPr>
               <a:lstStyle/>
               <a:p>
-                <a:pPr/>
                 <a14:m>
                   <m:oMath xmlns:m="http://schemas.openxmlformats.org/officeDocument/2006/math">
                     <m:r>
@@ -8307,31 +8274,7 @@
                       <a:rPr lang="ko-KR" altLang="en-US" sz="1050" i="1">
                         <a:latin typeface="Cambria Math" panose="02040503050406030204" pitchFamily="18" charset="0"/>
                       </a:rPr>
-                      <m:t>균</m:t>
-                    </m:r>
-                    <m:r>
-                      <a:rPr lang="ko-KR" altLang="en-US" sz="1050" i="1">
-                        <a:latin typeface="Cambria Math" panose="02040503050406030204" pitchFamily="18" charset="0"/>
-                      </a:rPr>
-                      <m:t>재</m:t>
-                    </m:r>
-                    <m:r>
-                      <a:rPr lang="ko-KR" altLang="en-US" sz="1050" i="1">
-                        <a:latin typeface="Cambria Math" panose="02040503050406030204" pitchFamily="18" charset="0"/>
-                      </a:rPr>
-                      <m:t>고</m:t>
-                    </m:r>
-                    <m:r>
-                      <a:rPr lang="ko-KR" altLang="en-US" sz="1050" i="1">
-                        <a:latin typeface="Cambria Math" panose="02040503050406030204" pitchFamily="18" charset="0"/>
-                      </a:rPr>
-                      <m:t>자</m:t>
-                    </m:r>
-                    <m:r>
-                      <a:rPr lang="ko-KR" altLang="en-US" sz="1050" i="1">
-                        <a:latin typeface="Cambria Math" panose="02040503050406030204" pitchFamily="18" charset="0"/>
-                      </a:rPr>
-                      <m:t>산</m:t>
+                      <m:t>균재고자산</m:t>
                     </m:r>
                     <m:r>
                       <a:rPr lang="en-US" sz="1050" i="1" smtClean="0">
@@ -8448,7 +8391,7 @@
             </p:txBody>
           </p:sp>
         </mc:Choice>
-        <mc:Fallback>
+        <mc:Fallback xmlns="">
           <p:sp>
             <p:nvSpPr>
               <p:cNvPr id="9" name="TextBox 8">
@@ -8493,8 +8436,8 @@
           </p:sp>
         </mc:Fallback>
       </mc:AlternateContent>
-      <mc:AlternateContent xmlns:mc="http://schemas.openxmlformats.org/markup-compatibility/2006">
-        <mc:Choice xmlns:a14="http://schemas.microsoft.com/office/drawing/2010/main" Requires="a14">
+      <mc:AlternateContent xmlns:mc="http://schemas.openxmlformats.org/markup-compatibility/2006" xmlns:a14="http://schemas.microsoft.com/office/drawing/2010/main">
+        <mc:Choice Requires="a14">
           <p:sp>
             <p:nvSpPr>
               <p:cNvPr id="10" name="TextBox 9">
@@ -8540,37 +8483,7 @@
                         <a:rPr lang="ko-KR" altLang="en-US" sz="1050" i="1">
                           <a:latin typeface="Cambria Math" panose="02040503050406030204" pitchFamily="18" charset="0"/>
                         </a:rPr>
-                        <m:t>고</m:t>
-                      </m:r>
-                      <m:r>
-                        <a:rPr lang="ko-KR" altLang="en-US" sz="1050" i="1">
-                          <a:latin typeface="Cambria Math" panose="02040503050406030204" pitchFamily="18" charset="0"/>
-                        </a:rPr>
-                        <m:t>자</m:t>
-                      </m:r>
-                      <m:r>
-                        <a:rPr lang="ko-KR" altLang="en-US" sz="1050" i="1">
-                          <a:latin typeface="Cambria Math" panose="02040503050406030204" pitchFamily="18" charset="0"/>
-                        </a:rPr>
-                        <m:t>산</m:t>
-                      </m:r>
-                      <m:r>
-                        <a:rPr lang="ko-KR" altLang="en-US" sz="1050" i="1">
-                          <a:latin typeface="Cambria Math" panose="02040503050406030204" pitchFamily="18" charset="0"/>
-                        </a:rPr>
-                        <m:t>회</m:t>
-                      </m:r>
-                      <m:r>
-                        <a:rPr lang="ko-KR" altLang="en-US" sz="1050" i="1">
-                          <a:latin typeface="Cambria Math" panose="02040503050406030204" pitchFamily="18" charset="0"/>
-                        </a:rPr>
-                        <m:t>전</m:t>
-                      </m:r>
-                      <m:r>
-                        <a:rPr lang="ko-KR" altLang="en-US" sz="1050" i="1">
-                          <a:latin typeface="Cambria Math" panose="02040503050406030204" pitchFamily="18" charset="0"/>
-                        </a:rPr>
-                        <m:t>율</m:t>
+                        <m:t>고자산회전율</m:t>
                       </m:r>
                       <m:r>
                         <a:rPr lang="en-US" sz="1050" i="1" smtClean="0">
@@ -8727,7 +8640,7 @@
             </p:txBody>
           </p:sp>
         </mc:Choice>
-        <mc:Fallback>
+        <mc:Fallback xmlns="">
           <p:sp>
             <p:nvSpPr>
               <p:cNvPr id="10" name="TextBox 9">
@@ -8772,8 +8685,8 @@
           </p:sp>
         </mc:Fallback>
       </mc:AlternateContent>
-      <mc:AlternateContent xmlns:mc="http://schemas.openxmlformats.org/markup-compatibility/2006">
-        <mc:Choice xmlns:a14="http://schemas.microsoft.com/office/drawing/2010/main" Requires="a14">
+      <mc:AlternateContent xmlns:mc="http://schemas.openxmlformats.org/markup-compatibility/2006" xmlns:a14="http://schemas.microsoft.com/office/drawing/2010/main">
+        <mc:Choice Requires="a14">
           <p:sp>
             <p:nvSpPr>
               <p:cNvPr id="11" name="TextBox 10">
@@ -8811,55 +8724,19 @@
                     <m:oMath xmlns:m="http://schemas.openxmlformats.org/officeDocument/2006/math">
                       <m:r>
                         <a:rPr lang="ko-KR" altLang="en-US" sz="1050" i="1" smtClean="0">
-                          <a:latin typeface="+mn-ea"/>
+                          <a:latin typeface="Cambria Math" panose="02040503050406030204" pitchFamily="18" charset="0"/>
                         </a:rPr>
                         <m:t>재</m:t>
                       </m:r>
                       <m:r>
                         <a:rPr lang="ko-KR" altLang="en-US" sz="1050" i="1">
-                          <a:latin typeface="+mn-ea"/>
+                          <a:latin typeface="Cambria Math" panose="02040503050406030204" pitchFamily="18" charset="0"/>
                         </a:rPr>
-                        <m:t>고</m:t>
-                      </m:r>
-                      <m:r>
-                        <a:rPr lang="ko-KR" altLang="en-US" sz="1050" i="1">
-                          <a:latin typeface="+mn-ea"/>
-                        </a:rPr>
-                        <m:t>자</m:t>
-                      </m:r>
-                      <m:r>
-                        <a:rPr lang="ko-KR" altLang="en-US" sz="1050" i="1">
-                          <a:latin typeface="+mn-ea"/>
-                        </a:rPr>
-                        <m:t>산</m:t>
-                      </m:r>
-                      <m:r>
-                        <a:rPr lang="ko-KR" altLang="en-US" sz="1050" i="1">
-                          <a:latin typeface="+mn-ea"/>
-                        </a:rPr>
-                        <m:t>회</m:t>
-                      </m:r>
-                      <m:r>
-                        <a:rPr lang="ko-KR" altLang="en-US" sz="1050" i="1">
-                          <a:latin typeface="+mn-ea"/>
-                        </a:rPr>
-                        <m:t>전</m:t>
-                      </m:r>
-                      <m:r>
-                        <a:rPr lang="ko-KR" altLang="en-US" sz="1050" i="1">
-                          <a:latin typeface="+mn-ea"/>
-                        </a:rPr>
-                        <m:t>일</m:t>
-                      </m:r>
-                      <m:r>
-                        <a:rPr lang="ko-KR" altLang="en-US" sz="1050" i="1">
-                          <a:latin typeface="+mn-ea"/>
-                        </a:rPr>
-                        <m:t>수</m:t>
+                        <m:t>고자산회전일수</m:t>
                       </m:r>
                       <m:r>
                         <a:rPr lang="en-US" sz="1050" i="1" smtClean="0">
-                          <a:latin typeface="+mn-ea"/>
+                          <a:latin typeface="Cambria Math" panose="02040503050406030204" pitchFamily="18" charset="0"/>
                         </a:rPr>
                         <m:t>=</m:t>
                       </m:r>
@@ -8867,20 +8744,20 @@
                         <m:fPr>
                           <m:ctrlPr>
                             <a:rPr lang="en-US" sz="1050" i="1" smtClean="0">
-                              <a:latin typeface="+mn-ea"/>
+                              <a:latin typeface="Cambria Math" panose="02040503050406030204" pitchFamily="18" charset="0"/>
                             </a:rPr>
                           </m:ctrlPr>
                         </m:fPr>
                         <m:num>
                           <m:r>
                             <a:rPr lang="en-US" altLang="ko-KR" sz="1050" b="0" i="1" smtClean="0">
-                              <a:latin typeface="+mn-ea"/>
+                              <a:latin typeface="Cambria Math" panose="02040503050406030204" pitchFamily="18" charset="0"/>
                             </a:rPr>
                             <m:t>365</m:t>
                           </m:r>
                           <m:r>
                             <a:rPr lang="ko-KR" altLang="en-US" sz="1050" i="1">
-                              <a:latin typeface="+mn-ea"/>
+                              <a:latin typeface="Cambria Math" panose="02040503050406030204" pitchFamily="18" charset="0"/>
                             </a:rPr>
                             <m:t>일</m:t>
                           </m:r>
@@ -8888,7 +8765,7 @@
                         <m:den>
                           <m:r>
                             <a:rPr lang="en-US" altLang="ko-KR" sz="1050" b="0" i="1" smtClean="0">
-                              <a:latin typeface="+mn-ea"/>
+                              <a:latin typeface="Cambria Math" panose="02040503050406030204" pitchFamily="18" charset="0"/>
                             </a:rPr>
                             <m:t>5.28</m:t>
                           </m:r>
@@ -8896,13 +8773,13 @@
                       </m:f>
                       <m:r>
                         <a:rPr lang="en-US" altLang="ko-KR" sz="1050" b="0" i="1" smtClean="0">
-                          <a:latin typeface="+mn-ea"/>
+                          <a:latin typeface="Cambria Math" panose="02040503050406030204" pitchFamily="18" charset="0"/>
                         </a:rPr>
                         <m:t> =69</m:t>
                       </m:r>
                       <m:r>
                         <a:rPr lang="ko-KR" altLang="en-US" sz="1050" i="1">
-                          <a:latin typeface="+mn-ea"/>
+                          <a:latin typeface="Cambria Math" panose="02040503050406030204" pitchFamily="18" charset="0"/>
                         </a:rPr>
                         <m:t>일</m:t>
                       </m:r>
@@ -8916,7 +8793,7 @@
             </p:txBody>
           </p:sp>
         </mc:Choice>
-        <mc:Fallback>
+        <mc:Fallback xmlns="">
           <p:sp>
             <p:nvSpPr>
               <p:cNvPr id="11" name="TextBox 10">
@@ -8965,6 +8842,1059 @@
     <p:extLst>
       <p:ext uri="{BB962C8B-B14F-4D97-AF65-F5344CB8AC3E}">
         <p14:creationId xmlns:p14="http://schemas.microsoft.com/office/powerpoint/2010/main" val="2601709187"/>
+      </p:ext>
+    </p:extLst>
+  </p:cSld>
+  <p:clrMapOvr>
+    <a:masterClrMapping/>
+  </p:clrMapOvr>
+</p:sld>
+</file>
+
+<file path=ppt/slides/slide5.xml><?xml version="1.0" encoding="utf-8"?>
+<p:sld xmlns:a="http://schemas.openxmlformats.org/drawingml/2006/main" xmlns:r="http://schemas.openxmlformats.org/officeDocument/2006/relationships" xmlns:p="http://schemas.openxmlformats.org/presentationml/2006/main">
+  <p:cSld>
+    <p:spTree>
+      <p:nvGrpSpPr>
+        <p:cNvPr id="1" name=""/>
+        <p:cNvGrpSpPr/>
+        <p:nvPr/>
+      </p:nvGrpSpPr>
+      <p:grpSpPr>
+        <a:xfrm>
+          <a:off x="0" y="0"/>
+          <a:ext cx="0" cy="0"/>
+          <a:chOff x="0" y="0"/>
+          <a:chExt cx="0" cy="0"/>
+        </a:xfrm>
+      </p:grpSpPr>
+      <p:grpSp>
+        <p:nvGrpSpPr>
+          <p:cNvPr id="2" name="Group 1">
+            <a:extLst>
+              <a:ext uri="{FF2B5EF4-FFF2-40B4-BE49-F238E27FC236}">
+                <a16:creationId xmlns:a16="http://schemas.microsoft.com/office/drawing/2014/main" id="{2762A2C8-D178-F040-A3B2-BACF3565AA60}"/>
+              </a:ext>
+            </a:extLst>
+          </p:cNvPr>
+          <p:cNvGrpSpPr/>
+          <p:nvPr/>
+        </p:nvGrpSpPr>
+        <p:grpSpPr>
+          <a:xfrm>
+            <a:off x="2229398" y="698306"/>
+            <a:ext cx="7471955" cy="5273037"/>
+            <a:chOff x="857798" y="400594"/>
+            <a:chExt cx="7471955" cy="5273037"/>
+          </a:xfrm>
+        </p:grpSpPr>
+        <p:sp>
+          <p:nvSpPr>
+            <p:cNvPr id="12" name="Rectangle: Rounded Corners 11">
+              <a:extLst>
+                <a:ext uri="{FF2B5EF4-FFF2-40B4-BE49-F238E27FC236}">
+                  <a16:creationId xmlns:a16="http://schemas.microsoft.com/office/drawing/2014/main" id="{958DCA0B-FD45-2160-52DB-2D717BA5EC1C}"/>
+                </a:ext>
+              </a:extLst>
+            </p:cNvPr>
+            <p:cNvSpPr/>
+            <p:nvPr/>
+          </p:nvSpPr>
+          <p:spPr>
+            <a:xfrm>
+              <a:off x="3949337" y="400594"/>
+              <a:ext cx="1611086" cy="226423"/>
+            </a:xfrm>
+            <a:prstGeom prst="roundRect">
+              <a:avLst/>
+            </a:prstGeom>
+          </p:spPr>
+          <p:style>
+            <a:lnRef idx="2">
+              <a:schemeClr val="accent1">
+                <a:shade val="15000"/>
+              </a:schemeClr>
+            </a:lnRef>
+            <a:fillRef idx="1">
+              <a:schemeClr val="accent1"/>
+            </a:fillRef>
+            <a:effectRef idx="0">
+              <a:schemeClr val="accent1"/>
+            </a:effectRef>
+            <a:fontRef idx="minor">
+              <a:schemeClr val="lt1"/>
+            </a:fontRef>
+          </p:style>
+          <p:txBody>
+            <a:bodyPr rtlCol="0" anchor="ctr"/>
+            <a:lstStyle/>
+            <a:p>
+              <a:pPr algn="ctr"/>
+              <a:r>
+                <a:rPr lang="ko-KR" altLang="en-US" dirty="0"/>
+                <a:t>중요성</a:t>
+              </a:r>
+              <a:endParaRPr lang="en-US" dirty="0"/>
+            </a:p>
+          </p:txBody>
+        </p:sp>
+        <p:sp>
+          <p:nvSpPr>
+            <p:cNvPr id="13" name="Rectangle: Rounded Corners 12">
+              <a:extLst>
+                <a:ext uri="{FF2B5EF4-FFF2-40B4-BE49-F238E27FC236}">
+                  <a16:creationId xmlns:a16="http://schemas.microsoft.com/office/drawing/2014/main" id="{64CDA148-FFE3-60D5-92A0-01348351A529}"/>
+                </a:ext>
+              </a:extLst>
+            </p:cNvPr>
+            <p:cNvSpPr/>
+            <p:nvPr/>
+          </p:nvSpPr>
+          <p:spPr>
+            <a:xfrm rot="16200000">
+              <a:off x="165467" y="3061061"/>
+              <a:ext cx="1611086" cy="226423"/>
+            </a:xfrm>
+            <a:prstGeom prst="roundRect">
+              <a:avLst/>
+            </a:prstGeom>
+          </p:spPr>
+          <p:style>
+            <a:lnRef idx="2">
+              <a:schemeClr val="accent1">
+                <a:shade val="15000"/>
+              </a:schemeClr>
+            </a:lnRef>
+            <a:fillRef idx="1">
+              <a:schemeClr val="accent1"/>
+            </a:fillRef>
+            <a:effectRef idx="0">
+              <a:schemeClr val="accent1"/>
+            </a:effectRef>
+            <a:fontRef idx="minor">
+              <a:schemeClr val="lt1"/>
+            </a:fontRef>
+          </p:style>
+          <p:txBody>
+            <a:bodyPr rtlCol="0" anchor="ctr"/>
+            <a:lstStyle/>
+            <a:p>
+              <a:pPr algn="ctr"/>
+              <a:r>
+                <a:rPr lang="ko-KR" altLang="en-US" dirty="0"/>
+                <a:t>긴급성</a:t>
+              </a:r>
+              <a:endParaRPr lang="en-US" dirty="0"/>
+            </a:p>
+          </p:txBody>
+        </p:sp>
+        <p:cxnSp>
+          <p:nvCxnSpPr>
+            <p:cNvPr id="14" name="Straight Arrow Connector 13">
+              <a:extLst>
+                <a:ext uri="{FF2B5EF4-FFF2-40B4-BE49-F238E27FC236}">
+                  <a16:creationId xmlns:a16="http://schemas.microsoft.com/office/drawing/2014/main" id="{5BEEA891-E84D-2E53-DFE5-5A374C239A0D}"/>
+                </a:ext>
+              </a:extLst>
+            </p:cNvPr>
+            <p:cNvCxnSpPr/>
+            <p:nvPr/>
+          </p:nvCxnSpPr>
+          <p:spPr>
+            <a:xfrm flipV="1">
+              <a:off x="4754880" y="866500"/>
+              <a:ext cx="0" cy="4807131"/>
+            </a:xfrm>
+            <a:prstGeom prst="straightConnector1">
+              <a:avLst/>
+            </a:prstGeom>
+            <a:ln w="38100">
+              <a:tailEnd type="triangle"/>
+            </a:ln>
+          </p:spPr>
+          <p:style>
+            <a:lnRef idx="1">
+              <a:schemeClr val="accent1"/>
+            </a:lnRef>
+            <a:fillRef idx="0">
+              <a:schemeClr val="accent1"/>
+            </a:fillRef>
+            <a:effectRef idx="0">
+              <a:schemeClr val="accent1"/>
+            </a:effectRef>
+            <a:fontRef idx="minor">
+              <a:schemeClr val="tx1"/>
+            </a:fontRef>
+          </p:style>
+        </p:cxnSp>
+        <p:cxnSp>
+          <p:nvCxnSpPr>
+            <p:cNvPr id="15" name="Straight Arrow Connector 14">
+              <a:extLst>
+                <a:ext uri="{FF2B5EF4-FFF2-40B4-BE49-F238E27FC236}">
+                  <a16:creationId xmlns:a16="http://schemas.microsoft.com/office/drawing/2014/main" id="{4F2B2634-A80B-ABFB-891C-36EED17983CE}"/>
+                </a:ext>
+              </a:extLst>
+            </p:cNvPr>
+            <p:cNvCxnSpPr>
+              <a:cxnSpLocks/>
+            </p:cNvCxnSpPr>
+            <p:nvPr/>
+          </p:nvCxnSpPr>
+          <p:spPr>
+            <a:xfrm flipH="1">
+              <a:off x="1336769" y="3174273"/>
+              <a:ext cx="6992984" cy="0"/>
+            </a:xfrm>
+            <a:prstGeom prst="straightConnector1">
+              <a:avLst/>
+            </a:prstGeom>
+            <a:ln w="38100">
+              <a:tailEnd type="triangle"/>
+            </a:ln>
+          </p:spPr>
+          <p:style>
+            <a:lnRef idx="1">
+              <a:schemeClr val="accent1"/>
+            </a:lnRef>
+            <a:fillRef idx="0">
+              <a:schemeClr val="accent1"/>
+            </a:fillRef>
+            <a:effectRef idx="0">
+              <a:schemeClr val="accent1"/>
+            </a:effectRef>
+            <a:fontRef idx="minor">
+              <a:schemeClr val="tx1"/>
+            </a:fontRef>
+          </p:style>
+        </p:cxnSp>
+        <p:sp>
+          <p:nvSpPr>
+            <p:cNvPr id="16" name="Rectangle: Rounded Corners 15">
+              <a:extLst>
+                <a:ext uri="{FF2B5EF4-FFF2-40B4-BE49-F238E27FC236}">
+                  <a16:creationId xmlns:a16="http://schemas.microsoft.com/office/drawing/2014/main" id="{80A09E15-2273-4016-5585-AA29AA42AD48}"/>
+                </a:ext>
+              </a:extLst>
+            </p:cNvPr>
+            <p:cNvSpPr/>
+            <p:nvPr/>
+          </p:nvSpPr>
+          <p:spPr>
+            <a:xfrm>
+              <a:off x="1874523" y="1584960"/>
+              <a:ext cx="2342604" cy="1173477"/>
+            </a:xfrm>
+            <a:prstGeom prst="roundRect">
+              <a:avLst/>
+            </a:prstGeom>
+            <a:solidFill>
+              <a:schemeClr val="accent5"/>
+            </a:solidFill>
+            <a:ln>
+              <a:noFill/>
+            </a:ln>
+          </p:spPr>
+          <p:style>
+            <a:lnRef idx="2">
+              <a:schemeClr val="accent1">
+                <a:shade val="15000"/>
+              </a:schemeClr>
+            </a:lnRef>
+            <a:fillRef idx="1">
+              <a:schemeClr val="accent1"/>
+            </a:fillRef>
+            <a:effectRef idx="0">
+              <a:schemeClr val="accent1"/>
+            </a:effectRef>
+            <a:fontRef idx="minor">
+              <a:schemeClr val="lt1"/>
+            </a:fontRef>
+          </p:style>
+          <p:txBody>
+            <a:bodyPr rtlCol="0" anchor="ctr"/>
+            <a:lstStyle/>
+            <a:p>
+              <a:pPr algn="ctr"/>
+              <a:endParaRPr lang="en-US"/>
+            </a:p>
+          </p:txBody>
+        </p:sp>
+        <p:sp>
+          <p:nvSpPr>
+            <p:cNvPr id="17" name="Rectangle: Rounded Corners 16">
+              <a:extLst>
+                <a:ext uri="{FF2B5EF4-FFF2-40B4-BE49-F238E27FC236}">
+                  <a16:creationId xmlns:a16="http://schemas.microsoft.com/office/drawing/2014/main" id="{6E15CF8A-240F-2514-599F-3C6793F4062C}"/>
+                </a:ext>
+              </a:extLst>
+            </p:cNvPr>
+            <p:cNvSpPr/>
+            <p:nvPr/>
+          </p:nvSpPr>
+          <p:spPr>
+            <a:xfrm>
+              <a:off x="5292634" y="1588224"/>
+              <a:ext cx="2342604" cy="1173477"/>
+            </a:xfrm>
+            <a:prstGeom prst="roundRect">
+              <a:avLst/>
+            </a:prstGeom>
+            <a:solidFill>
+              <a:schemeClr val="accent4"/>
+            </a:solidFill>
+            <a:ln>
+              <a:noFill/>
+            </a:ln>
+          </p:spPr>
+          <p:style>
+            <a:lnRef idx="2">
+              <a:schemeClr val="accent1">
+                <a:shade val="15000"/>
+              </a:schemeClr>
+            </a:lnRef>
+            <a:fillRef idx="1">
+              <a:schemeClr val="accent1"/>
+            </a:fillRef>
+            <a:effectRef idx="0">
+              <a:schemeClr val="accent1"/>
+            </a:effectRef>
+            <a:fontRef idx="minor">
+              <a:schemeClr val="lt1"/>
+            </a:fontRef>
+          </p:style>
+          <p:txBody>
+            <a:bodyPr rtlCol="0" anchor="ctr"/>
+            <a:lstStyle/>
+            <a:p>
+              <a:pPr algn="ctr"/>
+              <a:endParaRPr lang="en-US"/>
+            </a:p>
+          </p:txBody>
+        </p:sp>
+        <p:sp>
+          <p:nvSpPr>
+            <p:cNvPr id="18" name="Rectangle: Rounded Corners 17">
+              <a:extLst>
+                <a:ext uri="{FF2B5EF4-FFF2-40B4-BE49-F238E27FC236}">
+                  <a16:creationId xmlns:a16="http://schemas.microsoft.com/office/drawing/2014/main" id="{A4276832-8598-0DD7-8EF2-271FD3F816F0}"/>
+                </a:ext>
+              </a:extLst>
+            </p:cNvPr>
+            <p:cNvSpPr/>
+            <p:nvPr/>
+          </p:nvSpPr>
+          <p:spPr>
+            <a:xfrm>
+              <a:off x="1874523" y="3837213"/>
+              <a:ext cx="2342604" cy="1173477"/>
+            </a:xfrm>
+            <a:prstGeom prst="roundRect">
+              <a:avLst/>
+            </a:prstGeom>
+            <a:solidFill>
+              <a:srgbClr val="FFC000"/>
+            </a:solidFill>
+            <a:ln>
+              <a:noFill/>
+            </a:ln>
+          </p:spPr>
+          <p:style>
+            <a:lnRef idx="2">
+              <a:schemeClr val="accent1">
+                <a:shade val="15000"/>
+              </a:schemeClr>
+            </a:lnRef>
+            <a:fillRef idx="1">
+              <a:schemeClr val="accent1"/>
+            </a:fillRef>
+            <a:effectRef idx="0">
+              <a:schemeClr val="accent1"/>
+            </a:effectRef>
+            <a:fontRef idx="minor">
+              <a:schemeClr val="lt1"/>
+            </a:fontRef>
+          </p:style>
+          <p:txBody>
+            <a:bodyPr rtlCol="0" anchor="ctr"/>
+            <a:lstStyle/>
+            <a:p>
+              <a:pPr algn="ctr"/>
+              <a:endParaRPr lang="en-US"/>
+            </a:p>
+          </p:txBody>
+        </p:sp>
+        <p:sp>
+          <p:nvSpPr>
+            <p:cNvPr id="19" name="Rectangle: Rounded Corners 18">
+              <a:extLst>
+                <a:ext uri="{FF2B5EF4-FFF2-40B4-BE49-F238E27FC236}">
+                  <a16:creationId xmlns:a16="http://schemas.microsoft.com/office/drawing/2014/main" id="{9316629B-DE51-9D8B-0DD7-173C9F5C4EEC}"/>
+                </a:ext>
+              </a:extLst>
+            </p:cNvPr>
+            <p:cNvSpPr/>
+            <p:nvPr/>
+          </p:nvSpPr>
+          <p:spPr>
+            <a:xfrm>
+              <a:off x="5292634" y="3837212"/>
+              <a:ext cx="2342604" cy="1173477"/>
+            </a:xfrm>
+            <a:prstGeom prst="roundRect">
+              <a:avLst/>
+            </a:prstGeom>
+            <a:solidFill>
+              <a:schemeClr val="bg1">
+                <a:lumMod val="50000"/>
+              </a:schemeClr>
+            </a:solidFill>
+            <a:ln>
+              <a:noFill/>
+            </a:ln>
+          </p:spPr>
+          <p:style>
+            <a:lnRef idx="2">
+              <a:schemeClr val="accent1">
+                <a:shade val="15000"/>
+              </a:schemeClr>
+            </a:lnRef>
+            <a:fillRef idx="1">
+              <a:schemeClr val="accent1"/>
+            </a:fillRef>
+            <a:effectRef idx="0">
+              <a:schemeClr val="accent1"/>
+            </a:effectRef>
+            <a:fontRef idx="minor">
+              <a:schemeClr val="lt1"/>
+            </a:fontRef>
+          </p:style>
+          <p:txBody>
+            <a:bodyPr rtlCol="0" anchor="ctr"/>
+            <a:lstStyle/>
+            <a:p>
+              <a:pPr algn="ctr"/>
+              <a:endParaRPr lang="en-US"/>
+            </a:p>
+          </p:txBody>
+        </p:sp>
+        <p:sp>
+          <p:nvSpPr>
+            <p:cNvPr id="20" name="TextBox 19">
+              <a:extLst>
+                <a:ext uri="{FF2B5EF4-FFF2-40B4-BE49-F238E27FC236}">
+                  <a16:creationId xmlns:a16="http://schemas.microsoft.com/office/drawing/2014/main" id="{0F699949-14A6-88FA-03ED-9184EC4D4758}"/>
+                </a:ext>
+              </a:extLst>
+            </p:cNvPr>
+            <p:cNvSpPr txBox="1"/>
+            <p:nvPr/>
+          </p:nvSpPr>
+          <p:spPr>
+            <a:xfrm>
+              <a:off x="2828110" y="1151406"/>
+              <a:ext cx="435429" cy="400110"/>
+            </a:xfrm>
+            <a:prstGeom prst="rect">
+              <a:avLst/>
+            </a:prstGeom>
+            <a:noFill/>
+          </p:spPr>
+          <p:txBody>
+            <a:bodyPr wrap="square" rtlCol="0">
+              <a:spAutoFit/>
+            </a:bodyPr>
+            <a:lstStyle/>
+            <a:p>
+              <a:pPr algn="ctr"/>
+              <a:r>
+                <a:rPr lang="en-US" sz="2000" b="1" dirty="0">
+                  <a:solidFill>
+                    <a:schemeClr val="accent5"/>
+                  </a:solidFill>
+                </a:rPr>
+                <a:t>A</a:t>
+              </a:r>
+            </a:p>
+          </p:txBody>
+        </p:sp>
+        <p:sp>
+          <p:nvSpPr>
+            <p:cNvPr id="21" name="TextBox 20">
+              <a:extLst>
+                <a:ext uri="{FF2B5EF4-FFF2-40B4-BE49-F238E27FC236}">
+                  <a16:creationId xmlns:a16="http://schemas.microsoft.com/office/drawing/2014/main" id="{675A9396-3E35-7D11-CDD0-B3EDC17F6353}"/>
+                </a:ext>
+              </a:extLst>
+            </p:cNvPr>
+            <p:cNvSpPr txBox="1"/>
+            <p:nvPr/>
+          </p:nvSpPr>
+          <p:spPr>
+            <a:xfrm>
+              <a:off x="6246221" y="1151406"/>
+              <a:ext cx="435429" cy="400110"/>
+            </a:xfrm>
+            <a:prstGeom prst="rect">
+              <a:avLst/>
+            </a:prstGeom>
+            <a:noFill/>
+          </p:spPr>
+          <p:txBody>
+            <a:bodyPr wrap="square" rtlCol="0">
+              <a:spAutoFit/>
+            </a:bodyPr>
+            <a:lstStyle/>
+            <a:p>
+              <a:pPr algn="ctr"/>
+              <a:r>
+                <a:rPr lang="en-US" sz="2000" b="1" dirty="0">
+                  <a:solidFill>
+                    <a:schemeClr val="accent4"/>
+                  </a:solidFill>
+                </a:rPr>
+                <a:t>B</a:t>
+              </a:r>
+            </a:p>
+          </p:txBody>
+        </p:sp>
+        <p:sp>
+          <p:nvSpPr>
+            <p:cNvPr id="22" name="TextBox 21">
+              <a:extLst>
+                <a:ext uri="{FF2B5EF4-FFF2-40B4-BE49-F238E27FC236}">
+                  <a16:creationId xmlns:a16="http://schemas.microsoft.com/office/drawing/2014/main" id="{F89D9A30-8B82-8D54-34AF-665E1E5FE370}"/>
+                </a:ext>
+              </a:extLst>
+            </p:cNvPr>
+            <p:cNvSpPr txBox="1"/>
+            <p:nvPr/>
+          </p:nvSpPr>
+          <p:spPr>
+            <a:xfrm>
+              <a:off x="2828109" y="3386791"/>
+              <a:ext cx="435429" cy="400110"/>
+            </a:xfrm>
+            <a:prstGeom prst="rect">
+              <a:avLst/>
+            </a:prstGeom>
+            <a:noFill/>
+          </p:spPr>
+          <p:txBody>
+            <a:bodyPr wrap="square" rtlCol="0">
+              <a:spAutoFit/>
+            </a:bodyPr>
+            <a:lstStyle/>
+            <a:p>
+              <a:pPr algn="ctr"/>
+              <a:r>
+                <a:rPr lang="en-US" sz="2000" b="1" dirty="0">
+                  <a:solidFill>
+                    <a:srgbClr val="FFC000"/>
+                  </a:solidFill>
+                </a:rPr>
+                <a:t>C</a:t>
+              </a:r>
+            </a:p>
+          </p:txBody>
+        </p:sp>
+        <p:sp>
+          <p:nvSpPr>
+            <p:cNvPr id="23" name="TextBox 22">
+              <a:extLst>
+                <a:ext uri="{FF2B5EF4-FFF2-40B4-BE49-F238E27FC236}">
+                  <a16:creationId xmlns:a16="http://schemas.microsoft.com/office/drawing/2014/main" id="{EE47DF55-8525-1F83-B490-DAB07D52138A}"/>
+                </a:ext>
+              </a:extLst>
+            </p:cNvPr>
+            <p:cNvSpPr txBox="1"/>
+            <p:nvPr/>
+          </p:nvSpPr>
+          <p:spPr>
+            <a:xfrm>
+              <a:off x="6246220" y="3386791"/>
+              <a:ext cx="435429" cy="400110"/>
+            </a:xfrm>
+            <a:prstGeom prst="rect">
+              <a:avLst/>
+            </a:prstGeom>
+            <a:noFill/>
+          </p:spPr>
+          <p:txBody>
+            <a:bodyPr wrap="square" rtlCol="0">
+              <a:spAutoFit/>
+            </a:bodyPr>
+            <a:lstStyle/>
+            <a:p>
+              <a:pPr algn="ctr"/>
+              <a:r>
+                <a:rPr lang="en-US" sz="2000" b="1" dirty="0">
+                  <a:solidFill>
+                    <a:schemeClr val="bg1">
+                      <a:lumMod val="50000"/>
+                    </a:schemeClr>
+                  </a:solidFill>
+                </a:rPr>
+                <a:t>D</a:t>
+              </a:r>
+            </a:p>
+          </p:txBody>
+        </p:sp>
+        <p:sp>
+          <p:nvSpPr>
+            <p:cNvPr id="24" name="TextBox 23">
+              <a:extLst>
+                <a:ext uri="{FF2B5EF4-FFF2-40B4-BE49-F238E27FC236}">
+                  <a16:creationId xmlns:a16="http://schemas.microsoft.com/office/drawing/2014/main" id="{B129EF28-97C2-58CC-EB03-ABB41D144466}"/>
+                </a:ext>
+              </a:extLst>
+            </p:cNvPr>
+            <p:cNvSpPr txBox="1"/>
+            <p:nvPr/>
+          </p:nvSpPr>
+          <p:spPr>
+            <a:xfrm>
+              <a:off x="2414453" y="1691146"/>
+              <a:ext cx="1262743" cy="307777"/>
+            </a:xfrm>
+            <a:prstGeom prst="rect">
+              <a:avLst/>
+            </a:prstGeom>
+            <a:noFill/>
+          </p:spPr>
+          <p:txBody>
+            <a:bodyPr wrap="square" rtlCol="0">
+              <a:spAutoFit/>
+            </a:bodyPr>
+            <a:lstStyle/>
+            <a:p>
+              <a:pPr algn="ctr"/>
+              <a:r>
+                <a:rPr lang="ko-KR" altLang="en-US" b="1" dirty="0">
+                  <a:solidFill>
+                    <a:schemeClr val="bg1"/>
+                  </a:solidFill>
+                </a:rPr>
+                <a:t>축소의 습관</a:t>
+              </a:r>
+              <a:endParaRPr lang="en-US" b="1" dirty="0">
+                <a:solidFill>
+                  <a:schemeClr val="bg1"/>
+                </a:solidFill>
+              </a:endParaRPr>
+            </a:p>
+          </p:txBody>
+        </p:sp>
+        <p:sp>
+          <p:nvSpPr>
+            <p:cNvPr id="25" name="TextBox 24">
+              <a:extLst>
+                <a:ext uri="{FF2B5EF4-FFF2-40B4-BE49-F238E27FC236}">
+                  <a16:creationId xmlns:a16="http://schemas.microsoft.com/office/drawing/2014/main" id="{9D8A3FEB-00BC-4CFE-8FFE-9F2454BE39D7}"/>
+                </a:ext>
+              </a:extLst>
+            </p:cNvPr>
+            <p:cNvSpPr txBox="1"/>
+            <p:nvPr/>
+          </p:nvSpPr>
+          <p:spPr>
+            <a:xfrm>
+              <a:off x="5832564" y="1694010"/>
+              <a:ext cx="1262743" cy="307777"/>
+            </a:xfrm>
+            <a:prstGeom prst="rect">
+              <a:avLst/>
+            </a:prstGeom>
+            <a:noFill/>
+          </p:spPr>
+          <p:txBody>
+            <a:bodyPr wrap="square" rtlCol="0">
+              <a:spAutoFit/>
+            </a:bodyPr>
+            <a:lstStyle/>
+            <a:p>
+              <a:pPr algn="ctr"/>
+              <a:r>
+                <a:rPr lang="ko-KR" altLang="en-US" b="1" dirty="0">
+                  <a:solidFill>
+                    <a:schemeClr val="bg1"/>
+                  </a:solidFill>
+                </a:rPr>
+                <a:t>확장의 습관</a:t>
+              </a:r>
+              <a:endParaRPr lang="en-US" b="1" dirty="0">
+                <a:solidFill>
+                  <a:schemeClr val="bg1"/>
+                </a:solidFill>
+              </a:endParaRPr>
+            </a:p>
+          </p:txBody>
+        </p:sp>
+        <p:sp>
+          <p:nvSpPr>
+            <p:cNvPr id="26" name="TextBox 25">
+              <a:extLst>
+                <a:ext uri="{FF2B5EF4-FFF2-40B4-BE49-F238E27FC236}">
+                  <a16:creationId xmlns:a16="http://schemas.microsoft.com/office/drawing/2014/main" id="{AB31287C-6735-60AA-F979-6E00C56C30AC}"/>
+                </a:ext>
+              </a:extLst>
+            </p:cNvPr>
+            <p:cNvSpPr txBox="1"/>
+            <p:nvPr/>
+          </p:nvSpPr>
+          <p:spPr>
+            <a:xfrm>
+              <a:off x="2414453" y="3957991"/>
+              <a:ext cx="1262743" cy="307777"/>
+            </a:xfrm>
+            <a:prstGeom prst="rect">
+              <a:avLst/>
+            </a:prstGeom>
+            <a:noFill/>
+          </p:spPr>
+          <p:txBody>
+            <a:bodyPr wrap="square" rtlCol="0">
+              <a:spAutoFit/>
+            </a:bodyPr>
+            <a:lstStyle/>
+            <a:p>
+              <a:pPr algn="ctr"/>
+              <a:r>
+                <a:rPr lang="ko-KR" altLang="en-US" b="1" dirty="0">
+                  <a:solidFill>
+                    <a:schemeClr val="bg1"/>
+                  </a:solidFill>
+                </a:rPr>
+                <a:t>위임의 습관</a:t>
+              </a:r>
+              <a:endParaRPr lang="en-US" b="1" dirty="0">
+                <a:solidFill>
+                  <a:schemeClr val="bg1"/>
+                </a:solidFill>
+              </a:endParaRPr>
+            </a:p>
+          </p:txBody>
+        </p:sp>
+        <p:sp>
+          <p:nvSpPr>
+            <p:cNvPr id="27" name="TextBox 26">
+              <a:extLst>
+                <a:ext uri="{FF2B5EF4-FFF2-40B4-BE49-F238E27FC236}">
+                  <a16:creationId xmlns:a16="http://schemas.microsoft.com/office/drawing/2014/main" id="{7E33CCB3-5755-F805-2846-9EE521F39633}"/>
+                </a:ext>
+              </a:extLst>
+            </p:cNvPr>
+            <p:cNvSpPr txBox="1"/>
+            <p:nvPr/>
+          </p:nvSpPr>
+          <p:spPr>
+            <a:xfrm>
+              <a:off x="5832564" y="3960855"/>
+              <a:ext cx="1262743" cy="307777"/>
+            </a:xfrm>
+            <a:prstGeom prst="rect">
+              <a:avLst/>
+            </a:prstGeom>
+            <a:noFill/>
+          </p:spPr>
+          <p:txBody>
+            <a:bodyPr wrap="square" rtlCol="0">
+              <a:spAutoFit/>
+            </a:bodyPr>
+            <a:lstStyle/>
+            <a:p>
+              <a:pPr algn="ctr"/>
+              <a:r>
+                <a:rPr lang="ko-KR" altLang="en-US" b="1" dirty="0">
+                  <a:solidFill>
+                    <a:schemeClr val="bg1"/>
+                  </a:solidFill>
+                </a:rPr>
+                <a:t>제거의 습관</a:t>
+              </a:r>
+              <a:endParaRPr lang="en-US" b="1" dirty="0">
+                <a:solidFill>
+                  <a:schemeClr val="bg1"/>
+                </a:solidFill>
+              </a:endParaRPr>
+            </a:p>
+          </p:txBody>
+        </p:sp>
+        <p:sp>
+          <p:nvSpPr>
+            <p:cNvPr id="28" name="TextBox 27">
+              <a:extLst>
+                <a:ext uri="{FF2B5EF4-FFF2-40B4-BE49-F238E27FC236}">
+                  <a16:creationId xmlns:a16="http://schemas.microsoft.com/office/drawing/2014/main" id="{D799A6F9-75E6-1926-BA71-3B0D78699FDB}"/>
+                </a:ext>
+              </a:extLst>
+            </p:cNvPr>
+            <p:cNvSpPr txBox="1"/>
+            <p:nvPr/>
+          </p:nvSpPr>
+          <p:spPr>
+            <a:xfrm>
+              <a:off x="2020389" y="2180406"/>
+              <a:ext cx="1994262" cy="461665"/>
+            </a:xfrm>
+            <a:prstGeom prst="rect">
+              <a:avLst/>
+            </a:prstGeom>
+            <a:noFill/>
+          </p:spPr>
+          <p:txBody>
+            <a:bodyPr wrap="square" rtlCol="0">
+              <a:spAutoFit/>
+            </a:bodyPr>
+            <a:lstStyle/>
+            <a:p>
+              <a:pPr algn="ctr"/>
+              <a:r>
+                <a:rPr lang="ko-KR" altLang="en-US" sz="1200" dirty="0">
+                  <a:solidFill>
+                    <a:schemeClr val="bg1"/>
+                  </a:solidFill>
+                </a:rPr>
+                <a:t>현재에 매몰되지 않도록 점차 줄여나간다</a:t>
+              </a:r>
+              <a:endParaRPr lang="en-US" sz="1200" dirty="0">
+                <a:solidFill>
+                  <a:schemeClr val="bg1"/>
+                </a:solidFill>
+              </a:endParaRPr>
+            </a:p>
+          </p:txBody>
+        </p:sp>
+        <p:sp>
+          <p:nvSpPr>
+            <p:cNvPr id="29" name="TextBox 28">
+              <a:extLst>
+                <a:ext uri="{FF2B5EF4-FFF2-40B4-BE49-F238E27FC236}">
+                  <a16:creationId xmlns:a16="http://schemas.microsoft.com/office/drawing/2014/main" id="{F19B2304-E3B8-AE4D-D2C8-15ECC10978AE}"/>
+                </a:ext>
+              </a:extLst>
+            </p:cNvPr>
+            <p:cNvSpPr txBox="1"/>
+            <p:nvPr/>
+          </p:nvSpPr>
+          <p:spPr>
+            <a:xfrm>
+              <a:off x="5464627" y="2190686"/>
+              <a:ext cx="1994262" cy="461665"/>
+            </a:xfrm>
+            <a:prstGeom prst="rect">
+              <a:avLst/>
+            </a:prstGeom>
+            <a:noFill/>
+          </p:spPr>
+          <p:txBody>
+            <a:bodyPr wrap="square" rtlCol="0">
+              <a:spAutoFit/>
+            </a:bodyPr>
+            <a:lstStyle/>
+            <a:p>
+              <a:pPr algn="ctr"/>
+              <a:r>
+                <a:rPr lang="ko-KR" altLang="en-US" sz="1200" dirty="0">
+                  <a:solidFill>
+                    <a:schemeClr val="bg1"/>
+                  </a:solidFill>
+                </a:rPr>
+                <a:t>미래의 나를 위한 일로 하루를 채워나간다</a:t>
+              </a:r>
+              <a:endParaRPr lang="en-US" sz="1200" dirty="0">
+                <a:solidFill>
+                  <a:schemeClr val="bg1"/>
+                </a:solidFill>
+              </a:endParaRPr>
+            </a:p>
+          </p:txBody>
+        </p:sp>
+        <p:sp>
+          <p:nvSpPr>
+            <p:cNvPr id="30" name="TextBox 29">
+              <a:extLst>
+                <a:ext uri="{FF2B5EF4-FFF2-40B4-BE49-F238E27FC236}">
+                  <a16:creationId xmlns:a16="http://schemas.microsoft.com/office/drawing/2014/main" id="{1CD8C5FA-9F7D-9E45-4D78-FA5752FE01F7}"/>
+                </a:ext>
+              </a:extLst>
+            </p:cNvPr>
+            <p:cNvSpPr txBox="1"/>
+            <p:nvPr/>
+          </p:nvSpPr>
+          <p:spPr>
+            <a:xfrm>
+              <a:off x="2020389" y="4467042"/>
+              <a:ext cx="1994262" cy="461665"/>
+            </a:xfrm>
+            <a:prstGeom prst="rect">
+              <a:avLst/>
+            </a:prstGeom>
+            <a:noFill/>
+          </p:spPr>
+          <p:txBody>
+            <a:bodyPr wrap="square" rtlCol="0">
+              <a:spAutoFit/>
+            </a:bodyPr>
+            <a:lstStyle/>
+            <a:p>
+              <a:pPr algn="ctr"/>
+              <a:r>
+                <a:rPr lang="ko-KR" altLang="en-US" sz="1200" dirty="0">
+                  <a:solidFill>
+                    <a:schemeClr val="bg1"/>
+                  </a:solidFill>
+                </a:rPr>
+                <a:t>무리해서 일하지 않도록 일을 간소화하고 맡긴다</a:t>
+              </a:r>
+              <a:endParaRPr lang="en-US" sz="1200" dirty="0">
+                <a:solidFill>
+                  <a:schemeClr val="bg1"/>
+                </a:solidFill>
+              </a:endParaRPr>
+            </a:p>
+          </p:txBody>
+        </p:sp>
+        <p:sp>
+          <p:nvSpPr>
+            <p:cNvPr id="31" name="TextBox 30">
+              <a:extLst>
+                <a:ext uri="{FF2B5EF4-FFF2-40B4-BE49-F238E27FC236}">
+                  <a16:creationId xmlns:a16="http://schemas.microsoft.com/office/drawing/2014/main" id="{77A459DE-0297-8285-F0F0-0715F056EEA6}"/>
+                </a:ext>
+              </a:extLst>
+            </p:cNvPr>
+            <p:cNvSpPr txBox="1"/>
+            <p:nvPr/>
+          </p:nvSpPr>
+          <p:spPr>
+            <a:xfrm>
+              <a:off x="5464627" y="4423950"/>
+              <a:ext cx="1994262" cy="461665"/>
+            </a:xfrm>
+            <a:prstGeom prst="rect">
+              <a:avLst/>
+            </a:prstGeom>
+            <a:noFill/>
+          </p:spPr>
+          <p:txBody>
+            <a:bodyPr wrap="square" rtlCol="0">
+              <a:spAutoFit/>
+            </a:bodyPr>
+            <a:lstStyle/>
+            <a:p>
+              <a:pPr algn="ctr"/>
+              <a:r>
+                <a:rPr lang="ko-KR" altLang="en-US" sz="1200" dirty="0">
+                  <a:solidFill>
+                    <a:schemeClr val="bg1"/>
+                  </a:solidFill>
+                </a:rPr>
+                <a:t>스트레스를 풀기 위한 일 외에는 지양해 나간다</a:t>
+              </a:r>
+              <a:endParaRPr lang="en-US" sz="1200" dirty="0">
+                <a:solidFill>
+                  <a:schemeClr val="bg1"/>
+                </a:solidFill>
+              </a:endParaRPr>
+            </a:p>
+          </p:txBody>
+        </p:sp>
+      </p:grpSp>
+    </p:spTree>
+    <p:extLst>
+      <p:ext uri="{BB962C8B-B14F-4D97-AF65-F5344CB8AC3E}">
+        <p14:creationId xmlns:p14="http://schemas.microsoft.com/office/powerpoint/2010/main" val="3783949497"/>
+      </p:ext>
+    </p:extLst>
+  </p:cSld>
+  <p:clrMapOvr>
+    <a:masterClrMapping/>
+  </p:clrMapOvr>
+</p:sld>
+</file>
+
+<file path=ppt/slides/slide6.xml><?xml version="1.0" encoding="utf-8"?>
+<p:sld xmlns:a="http://schemas.openxmlformats.org/drawingml/2006/main" xmlns:r="http://schemas.openxmlformats.org/officeDocument/2006/relationships" xmlns:p="http://schemas.openxmlformats.org/presentationml/2006/main">
+  <p:cSld>
+    <p:spTree>
+      <p:nvGrpSpPr>
+        <p:cNvPr id="1" name=""/>
+        <p:cNvGrpSpPr/>
+        <p:nvPr/>
+      </p:nvGrpSpPr>
+      <p:grpSpPr>
+        <a:xfrm>
+          <a:off x="0" y="0"/>
+          <a:ext cx="0" cy="0"/>
+          <a:chOff x="0" y="0"/>
+          <a:chExt cx="0" cy="0"/>
+        </a:xfrm>
+      </p:grpSpPr>
+    </p:spTree>
+    <p:extLst>
+      <p:ext uri="{BB962C8B-B14F-4D97-AF65-F5344CB8AC3E}">
+        <p14:creationId xmlns:p14="http://schemas.microsoft.com/office/powerpoint/2010/main" val="2853815325"/>
+      </p:ext>
+    </p:extLst>
+  </p:cSld>
+  <p:clrMapOvr>
+    <a:masterClrMapping/>
+  </p:clrMapOvr>
+</p:sld>
+</file>
+
+<file path=ppt/slides/slide7.xml><?xml version="1.0" encoding="utf-8"?>
+<p:sld xmlns:a="http://schemas.openxmlformats.org/drawingml/2006/main" xmlns:r="http://schemas.openxmlformats.org/officeDocument/2006/relationships" xmlns:p="http://schemas.openxmlformats.org/presentationml/2006/main">
+  <p:cSld>
+    <p:spTree>
+      <p:nvGrpSpPr>
+        <p:cNvPr id="1" name=""/>
+        <p:cNvGrpSpPr/>
+        <p:nvPr/>
+      </p:nvGrpSpPr>
+      <p:grpSpPr>
+        <a:xfrm>
+          <a:off x="0" y="0"/>
+          <a:ext cx="0" cy="0"/>
+          <a:chOff x="0" y="0"/>
+          <a:chExt cx="0" cy="0"/>
+        </a:xfrm>
+      </p:grpSpPr>
+    </p:spTree>
+    <p:extLst>
+      <p:ext uri="{BB962C8B-B14F-4D97-AF65-F5344CB8AC3E}">
+        <p14:creationId xmlns:p14="http://schemas.microsoft.com/office/powerpoint/2010/main" val="1606317465"/>
+      </p:ext>
+    </p:extLst>
+  </p:cSld>
+  <p:clrMapOvr>
+    <a:masterClrMapping/>
+  </p:clrMapOvr>
+</p:sld>
+</file>
+
+<file path=ppt/slides/slide8.xml><?xml version="1.0" encoding="utf-8"?>
+<p:sld xmlns:a="http://schemas.openxmlformats.org/drawingml/2006/main" xmlns:r="http://schemas.openxmlformats.org/officeDocument/2006/relationships" xmlns:p="http://schemas.openxmlformats.org/presentationml/2006/main">
+  <p:cSld>
+    <p:spTree>
+      <p:nvGrpSpPr>
+        <p:cNvPr id="1" name=""/>
+        <p:cNvGrpSpPr/>
+        <p:nvPr/>
+      </p:nvGrpSpPr>
+      <p:grpSpPr>
+        <a:xfrm>
+          <a:off x="0" y="0"/>
+          <a:ext cx="0" cy="0"/>
+          <a:chOff x="0" y="0"/>
+          <a:chExt cx="0" cy="0"/>
+        </a:xfrm>
+      </p:grpSpPr>
+    </p:spTree>
+    <p:extLst>
+      <p:ext uri="{BB962C8B-B14F-4D97-AF65-F5344CB8AC3E}">
+        <p14:creationId xmlns:p14="http://schemas.microsoft.com/office/powerpoint/2010/main" val="945215111"/>
       </p:ext>
     </p:extLst>
   </p:cSld>
